--- a/20230331 EAD Update.pptx
+++ b/20230331 EAD Update.pptx
@@ -108,6 +108,11 @@
       </a:defRPr>
     </a:lvl9pPr>
   </p:defaultTextStyle>
+  <p:extLst>
+    <p:ext uri="{EFAFB233-063F-42B5-8137-9DF3F51BA10A}">
+      <p15:sldGuideLst xmlns:p15="http://schemas.microsoft.com/office/powerpoint/2012/main"/>
+    </p:ext>
+  </p:extLst>
 </p:presentation>
 </file>
 
@@ -258,7 +263,7 @@
           <a:p>
             <a:fld id="{9FC03419-6C17-4C1A-80EF-55ED54125D99}" type="datetimeFigureOut">
               <a:rPr lang="en-US" smtClean="0"/>
-              <a:t>3/30/2023</a:t>
+              <a:t>3/31/2023</a:t>
             </a:fld>
             <a:endParaRPr lang="en-US"/>
           </a:p>
@@ -456,7 +461,7 @@
           <a:p>
             <a:fld id="{9FC03419-6C17-4C1A-80EF-55ED54125D99}" type="datetimeFigureOut">
               <a:rPr lang="en-US" smtClean="0"/>
-              <a:t>3/30/2023</a:t>
+              <a:t>3/31/2023</a:t>
             </a:fld>
             <a:endParaRPr lang="en-US"/>
           </a:p>
@@ -664,7 +669,7 @@
           <a:p>
             <a:fld id="{9FC03419-6C17-4C1A-80EF-55ED54125D99}" type="datetimeFigureOut">
               <a:rPr lang="en-US" smtClean="0"/>
-              <a:t>3/30/2023</a:t>
+              <a:t>3/31/2023</a:t>
             </a:fld>
             <a:endParaRPr lang="en-US"/>
           </a:p>
@@ -862,7 +867,7 @@
           <a:p>
             <a:fld id="{9FC03419-6C17-4C1A-80EF-55ED54125D99}" type="datetimeFigureOut">
               <a:rPr lang="en-US" smtClean="0"/>
-              <a:t>3/30/2023</a:t>
+              <a:t>3/31/2023</a:t>
             </a:fld>
             <a:endParaRPr lang="en-US"/>
           </a:p>
@@ -1137,7 +1142,7 @@
           <a:p>
             <a:fld id="{9FC03419-6C17-4C1A-80EF-55ED54125D99}" type="datetimeFigureOut">
               <a:rPr lang="en-US" smtClean="0"/>
-              <a:t>3/30/2023</a:t>
+              <a:t>3/31/2023</a:t>
             </a:fld>
             <a:endParaRPr lang="en-US"/>
           </a:p>
@@ -1402,7 +1407,7 @@
           <a:p>
             <a:fld id="{9FC03419-6C17-4C1A-80EF-55ED54125D99}" type="datetimeFigureOut">
               <a:rPr lang="en-US" smtClean="0"/>
-              <a:t>3/30/2023</a:t>
+              <a:t>3/31/2023</a:t>
             </a:fld>
             <a:endParaRPr lang="en-US"/>
           </a:p>
@@ -1814,7 +1819,7 @@
           <a:p>
             <a:fld id="{9FC03419-6C17-4C1A-80EF-55ED54125D99}" type="datetimeFigureOut">
               <a:rPr lang="en-US" smtClean="0"/>
-              <a:t>3/30/2023</a:t>
+              <a:t>3/31/2023</a:t>
             </a:fld>
             <a:endParaRPr lang="en-US"/>
           </a:p>
@@ -1955,7 +1960,7 @@
           <a:p>
             <a:fld id="{9FC03419-6C17-4C1A-80EF-55ED54125D99}" type="datetimeFigureOut">
               <a:rPr lang="en-US" smtClean="0"/>
-              <a:t>3/30/2023</a:t>
+              <a:t>3/31/2023</a:t>
             </a:fld>
             <a:endParaRPr lang="en-US"/>
           </a:p>
@@ -2068,7 +2073,7 @@
           <a:p>
             <a:fld id="{9FC03419-6C17-4C1A-80EF-55ED54125D99}" type="datetimeFigureOut">
               <a:rPr lang="en-US" smtClean="0"/>
-              <a:t>3/30/2023</a:t>
+              <a:t>3/31/2023</a:t>
             </a:fld>
             <a:endParaRPr lang="en-US"/>
           </a:p>
@@ -2379,7 +2384,7 @@
           <a:p>
             <a:fld id="{9FC03419-6C17-4C1A-80EF-55ED54125D99}" type="datetimeFigureOut">
               <a:rPr lang="en-US" smtClean="0"/>
-              <a:t>3/30/2023</a:t>
+              <a:t>3/31/2023</a:t>
             </a:fld>
             <a:endParaRPr lang="en-US"/>
           </a:p>
@@ -2667,7 +2672,7 @@
           <a:p>
             <a:fld id="{9FC03419-6C17-4C1A-80EF-55ED54125D99}" type="datetimeFigureOut">
               <a:rPr lang="en-US" smtClean="0"/>
-              <a:t>3/30/2023</a:t>
+              <a:t>3/31/2023</a:t>
             </a:fld>
             <a:endParaRPr lang="en-US"/>
           </a:p>
@@ -2908,7 +2913,7 @@
           <a:p>
             <a:fld id="{9FC03419-6C17-4C1A-80EF-55ED54125D99}" type="datetimeFigureOut">
               <a:rPr lang="en-US" smtClean="0"/>
-              <a:t>3/30/2023</a:t>
+              <a:t>3/31/2023</a:t>
             </a:fld>
             <a:endParaRPr lang="en-US"/>
           </a:p>
@@ -3348,7 +3353,7 @@
           <a:p>
             <a:r>
               <a:rPr lang="en-US" dirty="0"/>
-              <a:t>NLH update 03/31</a:t>
+              <a:t>NLH update 03/31/23</a:t>
             </a:r>
           </a:p>
         </p:txBody>
@@ -3413,7 +3418,7 @@
           <a:p>
             <a:r>
               <a:rPr lang="en-US" dirty="0"/>
-              <a:t>Original approach—Pure NFL/NFH</a:t>
+              <a:t>Brute force approach—Pure NFL/NFH</a:t>
             </a:r>
           </a:p>
         </p:txBody>
@@ -3577,8 +3582,16 @@
           <a:p>
             <a:pPr algn="ctr"/>
             <a:r>
+              <a:rPr lang="en-US" b="1" dirty="0">
+                <a:solidFill>
+                  <a:schemeClr val="accent1"/>
+                </a:solidFill>
+              </a:rPr>
+              <a:t>NFL</a:t>
+            </a:r>
+            <a:r>
               <a:rPr lang="en-US" dirty="0"/>
-              <a:t>NFL Possibilities </a:t>
+              <a:t> Possibilities </a:t>
             </a:r>
           </a:p>
         </p:txBody>
@@ -3934,8 +3947,16 @@
           <a:p>
             <a:pPr algn="ctr"/>
             <a:r>
+              <a:rPr lang="en-US" b="1" dirty="0">
+                <a:solidFill>
+                  <a:srgbClr val="C00000"/>
+                </a:solidFill>
+              </a:rPr>
+              <a:t>NFH</a:t>
+            </a:r>
+            <a:r>
               <a:rPr lang="en-US" dirty="0"/>
-              <a:t>NFH Possibilities </a:t>
+              <a:t> Possibilities </a:t>
             </a:r>
           </a:p>
         </p:txBody>
@@ -4181,7 +4202,329 @@
           <a:p>
             <a:r>
               <a:rPr lang="en-US" dirty="0"/>
-              <a:t>Original approach—Blended NFL/NFH</a:t>
+              <a:t>Brute force approach—Blended NFL/NFH</a:t>
+            </a:r>
+          </a:p>
+        </p:txBody>
+      </p:sp>
+      <p:grpSp>
+        <p:nvGrpSpPr>
+          <p:cNvPr id="9" name="Group 8">
+            <a:extLst>
+              <a:ext uri="{FF2B5EF4-FFF2-40B4-BE49-F238E27FC236}">
+                <a16:creationId xmlns:a16="http://schemas.microsoft.com/office/drawing/2014/main" id="{EEB05CF9-AB0A-D00F-E9F7-D20CCF8661FF}"/>
+              </a:ext>
+            </a:extLst>
+          </p:cNvPr>
+          <p:cNvGrpSpPr/>
+          <p:nvPr/>
+        </p:nvGrpSpPr>
+        <p:grpSpPr>
+          <a:xfrm>
+            <a:off x="2236266" y="1148362"/>
+            <a:ext cx="7719467" cy="2427796"/>
+            <a:chOff x="1366305" y="1233028"/>
+            <a:chExt cx="7719467" cy="2427796"/>
+          </a:xfrm>
+        </p:grpSpPr>
+        <p:pic>
+          <p:nvPicPr>
+            <p:cNvPr id="2" name="Picture 2">
+              <a:extLst>
+                <a:ext uri="{FF2B5EF4-FFF2-40B4-BE49-F238E27FC236}">
+                  <a16:creationId xmlns:a16="http://schemas.microsoft.com/office/drawing/2014/main" id="{9E13C85D-0ABE-8FEA-B289-467302B5379F}"/>
+                </a:ext>
+              </a:extLst>
+            </p:cNvPr>
+            <p:cNvPicPr>
+              <a:picLocks noChangeAspect="1" noChangeArrowheads="1"/>
+            </p:cNvPicPr>
+            <p:nvPr/>
+          </p:nvPicPr>
+          <p:blipFill rotWithShape="1">
+            <a:blip r:embed="rId2">
+              <a:extLst>
+                <a:ext uri="{28A0092B-C50C-407E-A947-70E740481C1C}">
+                  <a14:useLocalDpi xmlns:a14="http://schemas.microsoft.com/office/drawing/2010/main" val="0"/>
+                </a:ext>
+              </a:extLst>
+            </a:blip>
+            <a:srcRect r="21929" b="10418"/>
+            <a:stretch/>
+          </p:blipFill>
+          <p:spPr bwMode="auto">
+            <a:xfrm>
+              <a:off x="1366305" y="1439334"/>
+              <a:ext cx="2718591" cy="2221490"/>
+            </a:xfrm>
+            <a:prstGeom prst="rect">
+              <a:avLst/>
+            </a:prstGeom>
+            <a:noFill/>
+            <a:extLst>
+              <a:ext uri="{909E8E84-426E-40DD-AFC4-6F175D3DCCD1}">
+                <a14:hiddenFill xmlns:a14="http://schemas.microsoft.com/office/drawing/2010/main">
+                  <a:solidFill>
+                    <a:srgbClr val="FFFFFF"/>
+                  </a:solidFill>
+                </a14:hiddenFill>
+              </a:ext>
+            </a:extLst>
+          </p:spPr>
+        </p:pic>
+        <p:pic>
+          <p:nvPicPr>
+            <p:cNvPr id="4" name="Picture 12">
+              <a:extLst>
+                <a:ext uri="{FF2B5EF4-FFF2-40B4-BE49-F238E27FC236}">
+                  <a16:creationId xmlns:a16="http://schemas.microsoft.com/office/drawing/2014/main" id="{BC296267-A23D-D33A-C83E-C14E744F7741}"/>
+                </a:ext>
+              </a:extLst>
+            </p:cNvPr>
+            <p:cNvPicPr>
+              <a:picLocks noChangeAspect="1" noChangeArrowheads="1"/>
+            </p:cNvPicPr>
+            <p:nvPr/>
+          </p:nvPicPr>
+          <p:blipFill>
+            <a:blip r:embed="rId3">
+              <a:extLst>
+                <a:ext uri="{28A0092B-C50C-407E-A947-70E740481C1C}">
+                  <a14:useLocalDpi xmlns:a14="http://schemas.microsoft.com/office/drawing/2010/main" val="0"/>
+                </a:ext>
+              </a:extLst>
+            </a:blip>
+            <a:srcRect/>
+            <a:stretch>
+              <a:fillRect/>
+            </a:stretch>
+          </p:blipFill>
+          <p:spPr bwMode="auto">
+            <a:xfrm>
+              <a:off x="6600285" y="1425974"/>
+              <a:ext cx="2485487" cy="2234850"/>
+            </a:xfrm>
+            <a:prstGeom prst="rect">
+              <a:avLst/>
+            </a:prstGeom>
+            <a:noFill/>
+            <a:extLst>
+              <a:ext uri="{909E8E84-426E-40DD-AFC4-6F175D3DCCD1}">
+                <a14:hiddenFill xmlns:a14="http://schemas.microsoft.com/office/drawing/2010/main">
+                  <a:solidFill>
+                    <a:srgbClr val="FFFFFF"/>
+                  </a:solidFill>
+                </a14:hiddenFill>
+              </a:ext>
+            </a:extLst>
+          </p:spPr>
+        </p:pic>
+        <p:pic>
+          <p:nvPicPr>
+            <p:cNvPr id="6" name="Picture 4">
+              <a:extLst>
+                <a:ext uri="{FF2B5EF4-FFF2-40B4-BE49-F238E27FC236}">
+                  <a16:creationId xmlns:a16="http://schemas.microsoft.com/office/drawing/2014/main" id="{1922B5A0-F029-F0A3-4819-77168DB3013F}"/>
+                </a:ext>
+              </a:extLst>
+            </p:cNvPr>
+            <p:cNvPicPr>
+              <a:picLocks noChangeAspect="1" noChangeArrowheads="1"/>
+            </p:cNvPicPr>
+            <p:nvPr/>
+          </p:nvPicPr>
+          <p:blipFill rotWithShape="1">
+            <a:blip r:embed="rId4">
+              <a:extLst>
+                <a:ext uri="{28A0092B-C50C-407E-A947-70E740481C1C}">
+                  <a14:useLocalDpi xmlns:a14="http://schemas.microsoft.com/office/drawing/2010/main" val="0"/>
+                </a:ext>
+              </a:extLst>
+            </a:blip>
+            <a:srcRect l="6694" r="21929" b="10418"/>
+            <a:stretch/>
+          </p:blipFill>
+          <p:spPr bwMode="auto">
+            <a:xfrm>
+              <a:off x="4114799" y="1439334"/>
+              <a:ext cx="2485486" cy="2221490"/>
+            </a:xfrm>
+            <a:prstGeom prst="rect">
+              <a:avLst/>
+            </a:prstGeom>
+            <a:noFill/>
+            <a:extLst>
+              <a:ext uri="{909E8E84-426E-40DD-AFC4-6F175D3DCCD1}">
+                <a14:hiddenFill xmlns:a14="http://schemas.microsoft.com/office/drawing/2010/main">
+                  <a:solidFill>
+                    <a:srgbClr val="FFFFFF"/>
+                  </a:solidFill>
+                </a14:hiddenFill>
+              </a:ext>
+            </a:extLst>
+          </p:spPr>
+        </p:pic>
+        <p:sp>
+          <p:nvSpPr>
+            <p:cNvPr id="7" name="Rectangle 6">
+              <a:extLst>
+                <a:ext uri="{FF2B5EF4-FFF2-40B4-BE49-F238E27FC236}">
+                  <a16:creationId xmlns:a16="http://schemas.microsoft.com/office/drawing/2014/main" id="{F17DCA5E-170E-F64E-7A12-69F427D1244A}"/>
+                </a:ext>
+              </a:extLst>
+            </p:cNvPr>
+            <p:cNvSpPr/>
+            <p:nvPr/>
+          </p:nvSpPr>
+          <p:spPr>
+            <a:xfrm>
+              <a:off x="1784609" y="1233028"/>
+              <a:ext cx="7145867" cy="372533"/>
+            </a:xfrm>
+            <a:prstGeom prst="rect">
+              <a:avLst/>
+            </a:prstGeom>
+            <a:solidFill>
+              <a:schemeClr val="bg1"/>
+            </a:solidFill>
+            <a:ln>
+              <a:solidFill>
+                <a:schemeClr val="bg1"/>
+              </a:solidFill>
+            </a:ln>
+          </p:spPr>
+          <p:style>
+            <a:lnRef idx="2">
+              <a:schemeClr val="accent1">
+                <a:shade val="50000"/>
+              </a:schemeClr>
+            </a:lnRef>
+            <a:fillRef idx="1">
+              <a:schemeClr val="accent1"/>
+            </a:fillRef>
+            <a:effectRef idx="0">
+              <a:schemeClr val="accent1"/>
+            </a:effectRef>
+            <a:fontRef idx="minor">
+              <a:schemeClr val="lt1"/>
+            </a:fontRef>
+          </p:style>
+          <p:txBody>
+            <a:bodyPr rtlCol="0" anchor="ctr"/>
+            <a:lstStyle/>
+            <a:p>
+              <a:pPr algn="ctr"/>
+              <a:r>
+                <a:rPr lang="en-US" dirty="0">
+                  <a:solidFill>
+                    <a:schemeClr val="tx1"/>
+                  </a:solidFill>
+                </a:rPr>
+                <a:t>Some examples at </a:t>
+              </a:r>
+              <a:r>
+                <a:rPr lang="en-US" b="1" dirty="0">
+                  <a:solidFill>
+                    <a:schemeClr val="accent1"/>
+                  </a:solidFill>
+                </a:rPr>
+                <a:t>L100</a:t>
+              </a:r>
+              <a:r>
+                <a:rPr lang="en-US" dirty="0">
+                  <a:solidFill>
+                    <a:schemeClr val="tx1"/>
+                  </a:solidFill>
+                </a:rPr>
+                <a:t>, </a:t>
+              </a:r>
+              <a:r>
+                <a:rPr lang="en-US" b="1" dirty="0">
+                  <a:solidFill>
+                    <a:srgbClr val="7030A0"/>
+                  </a:solidFill>
+                </a:rPr>
+                <a:t>L80</a:t>
+              </a:r>
+              <a:r>
+                <a:rPr lang="en-US" dirty="0">
+                  <a:solidFill>
+                    <a:schemeClr val="tx1"/>
+                  </a:solidFill>
+                </a:rPr>
+                <a:t>, </a:t>
+              </a:r>
+              <a:r>
+                <a:rPr lang="en-US" b="1" dirty="0">
+                  <a:solidFill>
+                    <a:srgbClr val="7030A0"/>
+                  </a:solidFill>
+                </a:rPr>
+                <a:t>L30</a:t>
+              </a:r>
+              <a:r>
+                <a:rPr lang="en-US" dirty="0">
+                  <a:solidFill>
+                    <a:schemeClr val="tx1"/>
+                  </a:solidFill>
+                </a:rPr>
+                <a:t>, </a:t>
+              </a:r>
+              <a:r>
+                <a:rPr lang="en-US" b="1" dirty="0">
+                  <a:solidFill>
+                    <a:srgbClr val="C00000"/>
+                  </a:solidFill>
+                </a:rPr>
+                <a:t>L00</a:t>
+              </a:r>
+              <a:r>
+                <a:rPr lang="en-US" dirty="0">
+                  <a:solidFill>
+                    <a:schemeClr val="tx1"/>
+                  </a:solidFill>
+                </a:rPr>
+                <a:t>; ignore points with H = 0</a:t>
+              </a:r>
+            </a:p>
+          </p:txBody>
+        </p:sp>
+      </p:grpSp>
+      <p:sp>
+        <p:nvSpPr>
+          <p:cNvPr id="10" name="TextBox 9">
+            <a:extLst>
+              <a:ext uri="{FF2B5EF4-FFF2-40B4-BE49-F238E27FC236}">
+                <a16:creationId xmlns:a16="http://schemas.microsoft.com/office/drawing/2014/main" id="{A9F1DE9E-3F15-6736-482C-5CA0FD6AA157}"/>
+              </a:ext>
+            </a:extLst>
+          </p:cNvPr>
+          <p:cNvSpPr txBox="1"/>
+          <p:nvPr/>
+        </p:nvSpPr>
+        <p:spPr>
+          <a:xfrm>
+            <a:off x="917570" y="3933938"/>
+            <a:ext cx="9530297" cy="646331"/>
+          </a:xfrm>
+          <a:prstGeom prst="rect">
+            <a:avLst/>
+          </a:prstGeom>
+          <a:noFill/>
+        </p:spPr>
+        <p:txBody>
+          <a:bodyPr wrap="square" rtlCol="0">
+            <a:spAutoFit/>
+          </a:bodyPr>
+          <a:lstStyle/>
+          <a:p>
+            <a:pPr marL="285750" indent="-285750">
+              <a:buFont typeface="Arial" panose="020B0604020202020204" pitchFamily="34" charset="0"/>
+              <a:buChar char="•"/>
+            </a:pPr>
+            <a:r>
+              <a:rPr lang="en-US" dirty="0"/>
+              <a:t>Even with many curves that look good for the pure cases, the height profiles are consistently very non-linear with respect to L composition (from top to bottom)</a:t>
             </a:r>
           </a:p>
         </p:txBody>
@@ -4245,8 +4588,412 @@
           <a:lstStyle/>
           <a:p>
             <a:r>
-              <a:rPr lang="en-US" sz="4000" dirty="0"/>
-              <a:t>New approach—maintain similar NFL and NFH volume</a:t>
+              <a:rPr lang="en-US" sz="3600" dirty="0"/>
+              <a:t>If height profiles are linear with L, shouldn’t V_L = V_H?</a:t>
+            </a:r>
+          </a:p>
+        </p:txBody>
+      </p:sp>
+      <p:grpSp>
+        <p:nvGrpSpPr>
+          <p:cNvPr id="2" name="Group 1">
+            <a:extLst>
+              <a:ext uri="{FF2B5EF4-FFF2-40B4-BE49-F238E27FC236}">
+                <a16:creationId xmlns:a16="http://schemas.microsoft.com/office/drawing/2014/main" id="{51FF9000-7128-76A2-57DC-46CB7D9FE314}"/>
+              </a:ext>
+            </a:extLst>
+          </p:cNvPr>
+          <p:cNvGrpSpPr/>
+          <p:nvPr/>
+        </p:nvGrpSpPr>
+        <p:grpSpPr>
+          <a:xfrm>
+            <a:off x="2033793" y="2093908"/>
+            <a:ext cx="4637942" cy="1096568"/>
+            <a:chOff x="3089231" y="783157"/>
+            <a:chExt cx="5535658" cy="1308818"/>
+          </a:xfrm>
+        </p:grpSpPr>
+        <p:pic>
+          <p:nvPicPr>
+            <p:cNvPr id="4" name="Picture 3">
+              <a:extLst>
+                <a:ext uri="{FF2B5EF4-FFF2-40B4-BE49-F238E27FC236}">
+                  <a16:creationId xmlns:a16="http://schemas.microsoft.com/office/drawing/2014/main" id="{7161BA0A-E90F-2ECE-F0DB-3AD59ABEF16A}"/>
+                </a:ext>
+              </a:extLst>
+            </p:cNvPr>
+            <p:cNvPicPr>
+              <a:picLocks noChangeAspect="1"/>
+            </p:cNvPicPr>
+            <p:nvPr/>
+          </p:nvPicPr>
+          <p:blipFill>
+            <a:blip r:embed="rId2"/>
+            <a:stretch>
+              <a:fillRect/>
+            </a:stretch>
+          </p:blipFill>
+          <p:spPr>
+            <a:xfrm>
+              <a:off x="3957637" y="1354595"/>
+              <a:ext cx="1741376" cy="261861"/>
+            </a:xfrm>
+            <a:prstGeom prst="rect">
+              <a:avLst/>
+            </a:prstGeom>
+          </p:spPr>
+        </p:pic>
+        <p:pic>
+          <p:nvPicPr>
+            <p:cNvPr id="5" name="Picture 4">
+              <a:extLst>
+                <a:ext uri="{FF2B5EF4-FFF2-40B4-BE49-F238E27FC236}">
+                  <a16:creationId xmlns:a16="http://schemas.microsoft.com/office/drawing/2014/main" id="{16A88264-BDBA-C002-1A90-ED11A2D9B668}"/>
+                </a:ext>
+              </a:extLst>
+            </p:cNvPr>
+            <p:cNvPicPr>
+              <a:picLocks noChangeAspect="1"/>
+            </p:cNvPicPr>
+            <p:nvPr/>
+          </p:nvPicPr>
+          <p:blipFill>
+            <a:blip r:embed="rId3"/>
+            <a:stretch>
+              <a:fillRect/>
+            </a:stretch>
+          </p:blipFill>
+          <p:spPr>
+            <a:xfrm>
+              <a:off x="3752851" y="1781754"/>
+              <a:ext cx="4872038" cy="291905"/>
+            </a:xfrm>
+            <a:prstGeom prst="rect">
+              <a:avLst/>
+            </a:prstGeom>
+          </p:spPr>
+        </p:pic>
+        <p:sp>
+          <p:nvSpPr>
+            <p:cNvPr id="6" name="TextBox 5">
+              <a:extLst>
+                <a:ext uri="{FF2B5EF4-FFF2-40B4-BE49-F238E27FC236}">
+                  <a16:creationId xmlns:a16="http://schemas.microsoft.com/office/drawing/2014/main" id="{B27ED818-BE4D-12EB-23D8-0F35DFBDBED0}"/>
+                </a:ext>
+              </a:extLst>
+            </p:cNvPr>
+            <p:cNvSpPr txBox="1"/>
+            <p:nvPr/>
+          </p:nvSpPr>
+          <p:spPr>
+            <a:xfrm>
+              <a:off x="3089231" y="783157"/>
+              <a:ext cx="2686050" cy="405986"/>
+            </a:xfrm>
+            <a:prstGeom prst="rect">
+              <a:avLst/>
+            </a:prstGeom>
+            <a:noFill/>
+          </p:spPr>
+          <p:txBody>
+            <a:bodyPr wrap="square" rtlCol="0">
+              <a:spAutoFit/>
+            </a:bodyPr>
+            <a:lstStyle/>
+            <a:p>
+              <a:r>
+                <a:rPr lang="en-US" dirty="0"/>
+                <a:t>For </a:t>
+              </a:r>
+              <a:r>
+                <a:rPr lang="en-US" i="1" dirty="0" err="1"/>
+                <a:t>i</a:t>
+              </a:r>
+              <a:r>
+                <a:rPr lang="en-US" i="1" dirty="0"/>
+                <a:t> </a:t>
+              </a:r>
+              <a:r>
+                <a:rPr lang="en-US" dirty="0"/>
+                <a:t>as </a:t>
+              </a:r>
+              <a:r>
+                <a:rPr lang="en-US" b="1" dirty="0">
+                  <a:solidFill>
+                    <a:schemeClr val="accent1"/>
+                  </a:solidFill>
+                </a:rPr>
+                <a:t>L</a:t>
+              </a:r>
+              <a:r>
+                <a:rPr lang="en-US" dirty="0"/>
+                <a:t> or </a:t>
+              </a:r>
+              <a:r>
+                <a:rPr lang="en-US" b="1" dirty="0">
+                  <a:solidFill>
+                    <a:schemeClr val="accent1"/>
+                  </a:solidFill>
+                </a:rPr>
+                <a:t>H,</a:t>
+              </a:r>
+              <a:r>
+                <a:rPr lang="en-US" dirty="0"/>
+                <a:t> </a:t>
+              </a:r>
+            </a:p>
+          </p:txBody>
+        </p:sp>
+        <p:sp>
+          <p:nvSpPr>
+            <p:cNvPr id="7" name="Rectangle 6">
+              <a:extLst>
+                <a:ext uri="{FF2B5EF4-FFF2-40B4-BE49-F238E27FC236}">
+                  <a16:creationId xmlns:a16="http://schemas.microsoft.com/office/drawing/2014/main" id="{BFE7DC67-04D8-6D03-8215-50F90615A356}"/>
+                </a:ext>
+              </a:extLst>
+            </p:cNvPr>
+            <p:cNvSpPr/>
+            <p:nvPr/>
+          </p:nvSpPr>
+          <p:spPr>
+            <a:xfrm>
+              <a:off x="5220543" y="1341006"/>
+              <a:ext cx="549908" cy="317302"/>
+            </a:xfrm>
+            <a:prstGeom prst="rect">
+              <a:avLst/>
+            </a:prstGeom>
+            <a:noFill/>
+            <a:ln w="28575">
+              <a:solidFill>
+                <a:srgbClr val="C00000"/>
+              </a:solidFill>
+            </a:ln>
+          </p:spPr>
+          <p:style>
+            <a:lnRef idx="2">
+              <a:schemeClr val="accent1">
+                <a:shade val="50000"/>
+              </a:schemeClr>
+            </a:lnRef>
+            <a:fillRef idx="1">
+              <a:schemeClr val="accent1"/>
+            </a:fillRef>
+            <a:effectRef idx="0">
+              <a:schemeClr val="accent1"/>
+            </a:effectRef>
+            <a:fontRef idx="minor">
+              <a:schemeClr val="lt1"/>
+            </a:fontRef>
+          </p:style>
+          <p:txBody>
+            <a:bodyPr rtlCol="0" anchor="ctr"/>
+            <a:lstStyle/>
+            <a:p>
+              <a:pPr algn="ctr"/>
+              <a:endParaRPr lang="en-US"/>
+            </a:p>
+          </p:txBody>
+        </p:sp>
+        <p:sp>
+          <p:nvSpPr>
+            <p:cNvPr id="8" name="Rectangle 7">
+              <a:extLst>
+                <a:ext uri="{FF2B5EF4-FFF2-40B4-BE49-F238E27FC236}">
+                  <a16:creationId xmlns:a16="http://schemas.microsoft.com/office/drawing/2014/main" id="{2BA219EC-6AE7-B2D2-414B-85E7331CF06F}"/>
+                </a:ext>
+              </a:extLst>
+            </p:cNvPr>
+            <p:cNvSpPr/>
+            <p:nvPr/>
+          </p:nvSpPr>
+          <p:spPr>
+            <a:xfrm>
+              <a:off x="7294424" y="1722644"/>
+              <a:ext cx="327660" cy="369331"/>
+            </a:xfrm>
+            <a:prstGeom prst="rect">
+              <a:avLst/>
+            </a:prstGeom>
+            <a:noFill/>
+            <a:ln w="28575">
+              <a:solidFill>
+                <a:srgbClr val="C00000"/>
+              </a:solidFill>
+            </a:ln>
+          </p:spPr>
+          <p:style>
+            <a:lnRef idx="2">
+              <a:schemeClr val="accent1">
+                <a:shade val="50000"/>
+              </a:schemeClr>
+            </a:lnRef>
+            <a:fillRef idx="1">
+              <a:schemeClr val="accent1"/>
+            </a:fillRef>
+            <a:effectRef idx="0">
+              <a:schemeClr val="accent1"/>
+            </a:effectRef>
+            <a:fontRef idx="minor">
+              <a:schemeClr val="lt1"/>
+            </a:fontRef>
+          </p:style>
+          <p:txBody>
+            <a:bodyPr rtlCol="0" anchor="ctr"/>
+            <a:lstStyle/>
+            <a:p>
+              <a:pPr algn="ctr"/>
+              <a:endParaRPr lang="en-US"/>
+            </a:p>
+          </p:txBody>
+        </p:sp>
+        <p:sp>
+          <p:nvSpPr>
+            <p:cNvPr id="12" name="Rectangle 11">
+              <a:extLst>
+                <a:ext uri="{FF2B5EF4-FFF2-40B4-BE49-F238E27FC236}">
+                  <a16:creationId xmlns:a16="http://schemas.microsoft.com/office/drawing/2014/main" id="{87BCDDCC-0B0E-4550-02D1-EFA86D9E1AB4}"/>
+                </a:ext>
+              </a:extLst>
+            </p:cNvPr>
+            <p:cNvSpPr/>
+            <p:nvPr/>
+          </p:nvSpPr>
+          <p:spPr>
+            <a:xfrm>
+              <a:off x="3886199" y="1298560"/>
+              <a:ext cx="333872" cy="317302"/>
+            </a:xfrm>
+            <a:prstGeom prst="rect">
+              <a:avLst/>
+            </a:prstGeom>
+            <a:noFill/>
+            <a:ln w="28575">
+              <a:solidFill>
+                <a:srgbClr val="0070C0"/>
+              </a:solidFill>
+            </a:ln>
+          </p:spPr>
+          <p:style>
+            <a:lnRef idx="2">
+              <a:schemeClr val="accent1">
+                <a:shade val="50000"/>
+              </a:schemeClr>
+            </a:lnRef>
+            <a:fillRef idx="1">
+              <a:schemeClr val="accent1"/>
+            </a:fillRef>
+            <a:effectRef idx="0">
+              <a:schemeClr val="accent1"/>
+            </a:effectRef>
+            <a:fontRef idx="minor">
+              <a:schemeClr val="lt1"/>
+            </a:fontRef>
+          </p:style>
+          <p:txBody>
+            <a:bodyPr rtlCol="0" anchor="ctr"/>
+            <a:lstStyle/>
+            <a:p>
+              <a:pPr algn="ctr"/>
+              <a:endParaRPr lang="en-US"/>
+            </a:p>
+          </p:txBody>
+        </p:sp>
+      </p:grpSp>
+      <p:sp>
+        <p:nvSpPr>
+          <p:cNvPr id="15" name="TextBox 14">
+            <a:extLst>
+              <a:ext uri="{FF2B5EF4-FFF2-40B4-BE49-F238E27FC236}">
+                <a16:creationId xmlns:a16="http://schemas.microsoft.com/office/drawing/2014/main" id="{7878486A-66B4-CDB7-21D2-7958320F226A}"/>
+              </a:ext>
+            </a:extLst>
+          </p:cNvPr>
+          <p:cNvSpPr txBox="1"/>
+          <p:nvPr/>
+        </p:nvSpPr>
+        <p:spPr>
+          <a:xfrm>
+            <a:off x="1156185" y="1083733"/>
+            <a:ext cx="9494882" cy="923330"/>
+          </a:xfrm>
+          <a:prstGeom prst="rect">
+            <a:avLst/>
+          </a:prstGeom>
+          <a:noFill/>
+        </p:spPr>
+        <p:txBody>
+          <a:bodyPr wrap="square" rtlCol="0">
+            <a:spAutoFit/>
+          </a:bodyPr>
+          <a:lstStyle/>
+          <a:p>
+            <a:pPr marL="285750" indent="-285750">
+              <a:buFont typeface="Arial" panose="020B0604020202020204" pitchFamily="34" charset="0"/>
+              <a:buChar char="•"/>
+            </a:pPr>
+            <a:r>
+              <a:rPr lang="en-US" dirty="0"/>
+              <a:t>i.e., Replacing a charged chain with an equal volume of neutral chain</a:t>
+            </a:r>
+          </a:p>
+          <a:p>
+            <a:pPr marL="285750" indent="-285750">
+              <a:buFont typeface="Arial" panose="020B0604020202020204" pitchFamily="34" charset="0"/>
+              <a:buChar char="•"/>
+            </a:pPr>
+            <a:r>
+              <a:rPr lang="en-US" dirty="0"/>
+              <a:t>Can control NFL and NFH volume with both number of Kuhn monomers N_K and volume of Kuhn monomers \</a:t>
+            </a:r>
+            <a:r>
+              <a:rPr lang="en-US" dirty="0" err="1"/>
+              <a:t>nu_K</a:t>
+            </a:r>
+            <a:r>
+              <a:rPr lang="en-US" dirty="0"/>
+              <a:t>:</a:t>
+            </a:r>
+          </a:p>
+        </p:txBody>
+      </p:sp>
+      <p:sp>
+        <p:nvSpPr>
+          <p:cNvPr id="16" name="TextBox 15">
+            <a:extLst>
+              <a:ext uri="{FF2B5EF4-FFF2-40B4-BE49-F238E27FC236}">
+                <a16:creationId xmlns:a16="http://schemas.microsoft.com/office/drawing/2014/main" id="{B63E894C-125A-F9F9-DAB9-24EFD95066A0}"/>
+              </a:ext>
+            </a:extLst>
+          </p:cNvPr>
+          <p:cNvSpPr txBox="1"/>
+          <p:nvPr/>
+        </p:nvSpPr>
+        <p:spPr>
+          <a:xfrm>
+            <a:off x="1156185" y="3429000"/>
+            <a:ext cx="9494882" cy="369332"/>
+          </a:xfrm>
+          <a:prstGeom prst="rect">
+            <a:avLst/>
+          </a:prstGeom>
+          <a:noFill/>
+        </p:spPr>
+        <p:txBody>
+          <a:bodyPr wrap="square" rtlCol="0">
+            <a:spAutoFit/>
+          </a:bodyPr>
+          <a:lstStyle/>
+          <a:p>
+            <a:pPr marL="285750" indent="-285750">
+              <a:buFont typeface="Arial" panose="020B0604020202020204" pitchFamily="34" charset="0"/>
+              <a:buChar char="•"/>
+            </a:pPr>
+            <a:r>
+              <a:rPr lang="en-US" dirty="0"/>
+              <a:t>s</a:t>
             </a:r>
           </a:p>
         </p:txBody>

--- a/20230331 EAD Update.pptx
+++ b/20230331 EAD Update.pptx
@@ -4936,7 +4936,7 @@
             </a:pPr>
             <a:r>
               <a:rPr lang="en-US" dirty="0"/>
-              <a:t>i.e., Replacing a charged chain with an equal volume of neutral chain</a:t>
+              <a:t>i.e., Replacing a charged L chain with an equal volume of neutral H chain</a:t>
             </a:r>
           </a:p>
           <a:p>
@@ -5154,7 +5154,7 @@
             </a:prstGeom>
             <a:ln w="28575">
               <a:solidFill>
-                <a:srgbClr val="C00000"/>
+                <a:schemeClr val="tx1"/>
               </a:solidFill>
               <a:tailEnd type="triangle"/>
             </a:ln>
@@ -5189,8 +5189,8 @@
         </p:nvSpPr>
         <p:spPr>
           <a:xfrm>
-            <a:off x="6299201" y="3917909"/>
-            <a:ext cx="5621866" cy="646331"/>
+            <a:off x="6348227" y="3697941"/>
+            <a:ext cx="5621866" cy="1477328"/>
           </a:xfrm>
           <a:prstGeom prst="rect">
             <a:avLst/>
@@ -5212,6 +5212,16 @@
               <a:t>Currently running one more to get a close fit; if not, the current best one should be close enough</a:t>
             </a:r>
           </a:p>
+          <a:p>
+            <a:pPr marL="285750" indent="-285750">
+              <a:buFont typeface="Arial" panose="020B0604020202020204" pitchFamily="34" charset="0"/>
+              <a:buChar char="•"/>
+            </a:pPr>
+            <a:r>
+              <a:rPr lang="en-US" dirty="0"/>
+              <a:t>These parameters are very close to those of the native NFH. Hopefully means that I can use the final parameters of native NFL to get the blended results</a:t>
+            </a:r>
+          </a:p>
         </p:txBody>
       </p:sp>
       <p:sp>
@@ -5228,7 +5238,7 @@
         </p:nvSpPr>
         <p:spPr>
           <a:xfrm>
-            <a:off x="6299201" y="5233465"/>
+            <a:off x="6299201" y="5600923"/>
             <a:ext cx="5621866" cy="1169551"/>
           </a:xfrm>
           <a:prstGeom prst="rect">
@@ -5286,8 +5296,8 @@
         </p:nvCxnSpPr>
         <p:spPr>
           <a:xfrm flipH="1">
-            <a:off x="4448175" y="5398184"/>
-            <a:ext cx="1812926" cy="621616"/>
+            <a:off x="4448175" y="5765800"/>
+            <a:ext cx="1851025" cy="254000"/>
           </a:xfrm>
           <a:prstGeom prst="straightConnector1">
             <a:avLst/>
@@ -5422,6 +5432,42 @@
           </p:txBody>
         </p:sp>
       </p:grpSp>
+      <p:sp>
+        <p:nvSpPr>
+          <p:cNvPr id="5" name="TextBox 4">
+            <a:extLst>
+              <a:ext uri="{FF2B5EF4-FFF2-40B4-BE49-F238E27FC236}">
+                <a16:creationId xmlns:a16="http://schemas.microsoft.com/office/drawing/2014/main" id="{C246AF51-8F77-4DED-3CCA-C354474366EA}"/>
+              </a:ext>
+            </a:extLst>
+          </p:cNvPr>
+          <p:cNvSpPr txBox="1"/>
+          <p:nvPr/>
+        </p:nvSpPr>
+        <p:spPr>
+          <a:xfrm>
+            <a:off x="2489255" y="3951128"/>
+            <a:ext cx="1015963" cy="369332"/>
+          </a:xfrm>
+          <a:prstGeom prst="rect">
+            <a:avLst/>
+          </a:prstGeom>
+          <a:noFill/>
+        </p:spPr>
+        <p:txBody>
+          <a:bodyPr wrap="square" rtlCol="0">
+            <a:spAutoFit/>
+          </a:bodyPr>
+          <a:lstStyle/>
+          <a:p>
+            <a:pPr algn="ctr"/>
+            <a:r>
+              <a:rPr lang="en-US" dirty="0"/>
+              <a:t>Trials</a:t>
+            </a:r>
+          </a:p>
+        </p:txBody>
+      </p:sp>
     </p:spTree>
     <p:extLst>
       <p:ext uri="{BB962C8B-B14F-4D97-AF65-F5344CB8AC3E}">

--- a/20230331 EAD Update.pptx
+++ b/20230331 EAD Update.pptx
@@ -5189,8 +5189,8 @@
         </p:nvSpPr>
         <p:spPr>
           <a:xfrm>
-            <a:off x="6348227" y="3697941"/>
-            <a:ext cx="5621866" cy="1477328"/>
+            <a:off x="6383830" y="3583545"/>
+            <a:ext cx="5621866" cy="1754326"/>
           </a:xfrm>
           <a:prstGeom prst="rect">
             <a:avLst/>
@@ -5209,7 +5209,7 @@
             </a:pPr>
             <a:r>
               <a:rPr lang="en-US" dirty="0"/>
-              <a:t>Currently running one more to get a close fit; if not, the current best one should be close enough</a:t>
+              <a:t>Currently running one more to get a closer fit; if not, the current best one should be close enough</a:t>
             </a:r>
           </a:p>
           <a:p>
@@ -5217,9 +5217,24 @@
               <a:buFont typeface="Arial" panose="020B0604020202020204" pitchFamily="34" charset="0"/>
               <a:buChar char="•"/>
             </a:pPr>
+            <a:endParaRPr lang="en-US" dirty="0"/>
+          </a:p>
+          <a:p>
+            <a:pPr marL="285750" indent="-285750">
+              <a:buFont typeface="Arial" panose="020B0604020202020204" pitchFamily="34" charset="0"/>
+              <a:buChar char="•"/>
+            </a:pPr>
             <a:r>
               <a:rPr lang="en-US" dirty="0"/>
-              <a:t>These parameters are very close to those of the native NFH. Hopefully means that I can use the final parameters of native NFL to get the blended results</a:t>
+              <a:t>These parameters are close to those of the native NFH. Hopefully means that I can use the final parameters of native NFL to get the blended </a:t>
+            </a:r>
+            <a:r>
+              <a:rPr lang="en-US" dirty="0" err="1"/>
+              <a:t>phosph</a:t>
+            </a:r>
+            <a:r>
+              <a:rPr lang="en-US" dirty="0"/>
+              <a:t>. results</a:t>
             </a:r>
           </a:p>
         </p:txBody>
@@ -5238,7 +5253,7 @@
         </p:nvSpPr>
         <p:spPr>
           <a:xfrm>
-            <a:off x="6299201" y="5600923"/>
+            <a:off x="6383830" y="5558590"/>
             <a:ext cx="5621866" cy="1169551"/>
           </a:xfrm>
           <a:prstGeom prst="rect">
@@ -5338,7 +5353,7 @@
         </p:nvGrpSpPr>
         <p:grpSpPr>
           <a:xfrm>
-            <a:off x="2846575" y="1214501"/>
+            <a:off x="2846574" y="1122374"/>
             <a:ext cx="6905252" cy="2172803"/>
             <a:chOff x="5202080" y="812718"/>
             <a:chExt cx="6905252" cy="2172803"/>
@@ -5446,7 +5461,7 @@
         </p:nvSpPr>
         <p:spPr>
           <a:xfrm>
-            <a:off x="2489255" y="3951128"/>
+            <a:off x="2345341" y="4013532"/>
             <a:ext cx="1015963" cy="369332"/>
           </a:xfrm>
           <a:prstGeom prst="rect">

--- a/20230331 EAD Update.pptx
+++ b/20230331 EAD Update.pptx
@@ -9,7 +9,8 @@
     <p:sldId id="257" r:id="rId3"/>
     <p:sldId id="258" r:id="rId4"/>
     <p:sldId id="260" r:id="rId5"/>
-    <p:sldId id="259" r:id="rId6"/>
+    <p:sldId id="261" r:id="rId6"/>
+    <p:sldId id="259" r:id="rId7"/>
   </p:sldIdLst>
   <p:sldSz cx="12192000" cy="6858000"/>
   <p:notesSz cx="6858000" cy="9144000"/>
@@ -4505,7 +4506,7 @@
         <p:spPr>
           <a:xfrm>
             <a:off x="917570" y="3933938"/>
-            <a:ext cx="9530297" cy="646331"/>
+            <a:ext cx="9530297" cy="1200329"/>
           </a:xfrm>
           <a:prstGeom prst="rect">
             <a:avLst/>
@@ -4525,6 +4526,23 @@
             <a:r>
               <a:rPr lang="en-US" dirty="0"/>
               <a:t>Even with many curves that look good for the pure cases, the height profiles are consistently very non-linear with respect to L composition (from top to bottom)</a:t>
+            </a:r>
+          </a:p>
+          <a:p>
+            <a:pPr marL="285750" indent="-285750">
+              <a:buFont typeface="Arial" panose="020B0604020202020204" pitchFamily="34" charset="0"/>
+              <a:buChar char="•"/>
+            </a:pPr>
+            <a:endParaRPr lang="en-US" dirty="0"/>
+          </a:p>
+          <a:p>
+            <a:pPr marL="285750" indent="-285750">
+              <a:buFont typeface="Arial" panose="020B0604020202020204" pitchFamily="34" charset="0"/>
+              <a:buChar char="•"/>
+            </a:pPr>
+            <a:r>
+              <a:rPr lang="en-US" dirty="0"/>
+              <a:t>Experimental heights look more or less linear with respect to NFL addition</a:t>
             </a:r>
           </a:p>
         </p:txBody>
@@ -4608,7 +4626,7 @@
         </p:nvGrpSpPr>
         <p:grpSpPr>
           <a:xfrm>
-            <a:off x="2033793" y="2093908"/>
+            <a:off x="2042260" y="2169747"/>
             <a:ext cx="4637942" cy="1096568"/>
             <a:chOff x="3089231" y="783157"/>
             <a:chExt cx="5535658" cy="1308818"/>
@@ -4917,7 +4935,7 @@
         <p:spPr>
           <a:xfrm>
             <a:off x="1156185" y="1083733"/>
-            <a:ext cx="9494882" cy="923330"/>
+            <a:ext cx="10375414" cy="923330"/>
           </a:xfrm>
           <a:prstGeom prst="rect">
             <a:avLst/>
@@ -4946,7 +4964,7 @@
             </a:pPr>
             <a:r>
               <a:rPr lang="en-US" dirty="0"/>
-              <a:t>Can control NFL and NFH volume with both number of Kuhn monomers N_K and volume of Kuhn monomers \</a:t>
+              <a:t>Can control NFL and NFH volume with both the number of Kuhn monomers N_K and the volume of Kuhn monomers \</a:t>
             </a:r>
             <a:r>
               <a:rPr lang="en-US" dirty="0" err="1"/>
@@ -4973,8 +4991,8 @@
         </p:nvSpPr>
         <p:spPr>
           <a:xfrm>
-            <a:off x="1156185" y="3429000"/>
-            <a:ext cx="9494882" cy="369332"/>
+            <a:off x="1156184" y="3429000"/>
+            <a:ext cx="10375415" cy="646331"/>
           </a:xfrm>
           <a:prstGeom prst="rect">
             <a:avLst/>
@@ -4993,7 +5011,319 @@
             </a:pPr>
             <a:r>
               <a:rPr lang="en-US" dirty="0"/>
-              <a:t>s</a:t>
+              <a:t>If the height is controlled only by volume of charge, results should be similar regardless which parameter is changed </a:t>
+            </a:r>
+          </a:p>
+        </p:txBody>
+      </p:sp>
+      <p:grpSp>
+        <p:nvGrpSpPr>
+          <p:cNvPr id="23" name="Group 22">
+            <a:extLst>
+              <a:ext uri="{FF2B5EF4-FFF2-40B4-BE49-F238E27FC236}">
+                <a16:creationId xmlns:a16="http://schemas.microsoft.com/office/drawing/2014/main" id="{7B54190C-623A-8AB3-C12C-D102B5E569D5}"/>
+              </a:ext>
+            </a:extLst>
+          </p:cNvPr>
+          <p:cNvGrpSpPr/>
+          <p:nvPr/>
+        </p:nvGrpSpPr>
+        <p:grpSpPr>
+          <a:xfrm>
+            <a:off x="1443243" y="4219742"/>
+            <a:ext cx="4546347" cy="2348591"/>
+            <a:chOff x="3532584" y="4174290"/>
+            <a:chExt cx="4546347" cy="2348591"/>
+          </a:xfrm>
+        </p:grpSpPr>
+        <p:pic>
+          <p:nvPicPr>
+            <p:cNvPr id="17" name="Picture 4">
+              <a:extLst>
+                <a:ext uri="{FF2B5EF4-FFF2-40B4-BE49-F238E27FC236}">
+                  <a16:creationId xmlns:a16="http://schemas.microsoft.com/office/drawing/2014/main" id="{ABCE74DC-A1B0-B273-6208-5DA1ECFEC040}"/>
+                </a:ext>
+              </a:extLst>
+            </p:cNvPr>
+            <p:cNvPicPr>
+              <a:picLocks noChangeAspect="1" noChangeArrowheads="1"/>
+            </p:cNvPicPr>
+            <p:nvPr/>
+          </p:nvPicPr>
+          <p:blipFill>
+            <a:blip r:embed="rId4">
+              <a:extLst>
+                <a:ext uri="{28A0092B-C50C-407E-A947-70E740481C1C}">
+                  <a14:useLocalDpi xmlns:a14="http://schemas.microsoft.com/office/drawing/2010/main" val="0"/>
+                </a:ext>
+              </a:extLst>
+            </a:blip>
+            <a:srcRect/>
+            <a:stretch>
+              <a:fillRect/>
+            </a:stretch>
+          </p:blipFill>
+          <p:spPr bwMode="auto">
+            <a:xfrm>
+              <a:off x="5694292" y="4313855"/>
+              <a:ext cx="2384639" cy="2209026"/>
+            </a:xfrm>
+            <a:prstGeom prst="rect">
+              <a:avLst/>
+            </a:prstGeom>
+            <a:noFill/>
+            <a:extLst>
+              <a:ext uri="{909E8E84-426E-40DD-AFC4-6F175D3DCCD1}">
+                <a14:hiddenFill xmlns:a14="http://schemas.microsoft.com/office/drawing/2010/main">
+                  <a:solidFill>
+                    <a:srgbClr val="FFFFFF"/>
+                  </a:solidFill>
+                </a14:hiddenFill>
+              </a:ext>
+            </a:extLst>
+          </p:spPr>
+        </p:pic>
+        <p:pic>
+          <p:nvPicPr>
+            <p:cNvPr id="18" name="Picture 2">
+              <a:extLst>
+                <a:ext uri="{FF2B5EF4-FFF2-40B4-BE49-F238E27FC236}">
+                  <a16:creationId xmlns:a16="http://schemas.microsoft.com/office/drawing/2014/main" id="{2B1F89DF-57AC-5465-DC9F-112C5D616F93}"/>
+                </a:ext>
+              </a:extLst>
+            </p:cNvPr>
+            <p:cNvPicPr>
+              <a:picLocks noChangeAspect="1" noChangeArrowheads="1"/>
+            </p:cNvPicPr>
+            <p:nvPr/>
+          </p:nvPicPr>
+          <p:blipFill>
+            <a:blip r:embed="rId5">
+              <a:extLst>
+                <a:ext uri="{28A0092B-C50C-407E-A947-70E740481C1C}">
+                  <a14:useLocalDpi xmlns:a14="http://schemas.microsoft.com/office/drawing/2010/main" val="0"/>
+                </a:ext>
+              </a:extLst>
+            </a:blip>
+            <a:srcRect/>
+            <a:stretch>
+              <a:fillRect/>
+            </a:stretch>
+          </p:blipFill>
+          <p:spPr bwMode="auto">
+            <a:xfrm>
+              <a:off x="3532584" y="4313855"/>
+              <a:ext cx="2384639" cy="2209026"/>
+            </a:xfrm>
+            <a:prstGeom prst="rect">
+              <a:avLst/>
+            </a:prstGeom>
+            <a:noFill/>
+            <a:extLst>
+              <a:ext uri="{909E8E84-426E-40DD-AFC4-6F175D3DCCD1}">
+                <a14:hiddenFill xmlns:a14="http://schemas.microsoft.com/office/drawing/2010/main">
+                  <a:solidFill>
+                    <a:srgbClr val="FFFFFF"/>
+                  </a:solidFill>
+                </a14:hiddenFill>
+              </a:ext>
+            </a:extLst>
+          </p:spPr>
+        </p:pic>
+        <p:sp>
+          <p:nvSpPr>
+            <p:cNvPr id="21" name="Rectangle 20">
+              <a:extLst>
+                <a:ext uri="{FF2B5EF4-FFF2-40B4-BE49-F238E27FC236}">
+                  <a16:creationId xmlns:a16="http://schemas.microsoft.com/office/drawing/2014/main" id="{C0B53179-1D93-FEA9-803D-BD823F18B075}"/>
+                </a:ext>
+              </a:extLst>
+            </p:cNvPr>
+            <p:cNvSpPr/>
+            <p:nvPr/>
+          </p:nvSpPr>
+          <p:spPr>
+            <a:xfrm>
+              <a:off x="4029009" y="4176191"/>
+              <a:ext cx="1700978" cy="312998"/>
+            </a:xfrm>
+            <a:prstGeom prst="rect">
+              <a:avLst/>
+            </a:prstGeom>
+            <a:solidFill>
+              <a:schemeClr val="bg1"/>
+            </a:solidFill>
+            <a:ln>
+              <a:solidFill>
+                <a:schemeClr val="bg1"/>
+              </a:solidFill>
+            </a:ln>
+          </p:spPr>
+          <p:style>
+            <a:lnRef idx="2">
+              <a:schemeClr val="accent1">
+                <a:shade val="50000"/>
+              </a:schemeClr>
+            </a:lnRef>
+            <a:fillRef idx="1">
+              <a:schemeClr val="accent1"/>
+            </a:fillRef>
+            <a:effectRef idx="0">
+              <a:schemeClr val="accent1"/>
+            </a:effectRef>
+            <a:fontRef idx="minor">
+              <a:schemeClr val="lt1"/>
+            </a:fontRef>
+          </p:style>
+          <p:txBody>
+            <a:bodyPr rtlCol="0" anchor="ctr"/>
+            <a:lstStyle/>
+            <a:p>
+              <a:pPr algn="ctr"/>
+              <a:r>
+                <a:rPr lang="en-US" dirty="0">
+                  <a:solidFill>
+                    <a:schemeClr val="tx1"/>
+                  </a:solidFill>
+                </a:rPr>
+                <a:t>Changing </a:t>
+              </a:r>
+              <a:r>
+                <a:rPr lang="en-US" dirty="0" err="1">
+                  <a:solidFill>
+                    <a:schemeClr val="tx1"/>
+                  </a:solidFill>
+                </a:rPr>
+                <a:t>b_L</a:t>
+              </a:r>
+              <a:endParaRPr lang="en-US" dirty="0">
+                <a:solidFill>
+                  <a:schemeClr val="tx1"/>
+                </a:solidFill>
+              </a:endParaRPr>
+            </a:p>
+          </p:txBody>
+        </p:sp>
+        <p:sp>
+          <p:nvSpPr>
+            <p:cNvPr id="22" name="Rectangle 21">
+              <a:extLst>
+                <a:ext uri="{FF2B5EF4-FFF2-40B4-BE49-F238E27FC236}">
+                  <a16:creationId xmlns:a16="http://schemas.microsoft.com/office/drawing/2014/main" id="{674BA1DA-FE9A-D0D3-D99B-1B243C7D977A}"/>
+                </a:ext>
+              </a:extLst>
+            </p:cNvPr>
+            <p:cNvSpPr/>
+            <p:nvPr/>
+          </p:nvSpPr>
+          <p:spPr>
+            <a:xfrm>
+              <a:off x="6194218" y="4174290"/>
+              <a:ext cx="1700978" cy="312998"/>
+            </a:xfrm>
+            <a:prstGeom prst="rect">
+              <a:avLst/>
+            </a:prstGeom>
+            <a:solidFill>
+              <a:schemeClr val="bg1"/>
+            </a:solidFill>
+            <a:ln>
+              <a:solidFill>
+                <a:schemeClr val="bg1"/>
+              </a:solidFill>
+            </a:ln>
+          </p:spPr>
+          <p:style>
+            <a:lnRef idx="2">
+              <a:schemeClr val="accent1">
+                <a:shade val="50000"/>
+              </a:schemeClr>
+            </a:lnRef>
+            <a:fillRef idx="1">
+              <a:schemeClr val="accent1"/>
+            </a:fillRef>
+            <a:effectRef idx="0">
+              <a:schemeClr val="accent1"/>
+            </a:effectRef>
+            <a:fontRef idx="minor">
+              <a:schemeClr val="lt1"/>
+            </a:fontRef>
+          </p:style>
+          <p:txBody>
+            <a:bodyPr rtlCol="0" anchor="ctr"/>
+            <a:lstStyle/>
+            <a:p>
+              <a:pPr algn="ctr"/>
+              <a:r>
+                <a:rPr lang="en-US" dirty="0">
+                  <a:solidFill>
+                    <a:schemeClr val="tx1"/>
+                  </a:solidFill>
+                </a:rPr>
+                <a:t>Changing \</a:t>
+              </a:r>
+              <a:r>
+                <a:rPr lang="en-US" dirty="0" err="1">
+                  <a:solidFill>
+                    <a:schemeClr val="tx1"/>
+                  </a:solidFill>
+                </a:rPr>
+                <a:t>nu_L</a:t>
+              </a:r>
+              <a:endParaRPr lang="en-US" dirty="0">
+                <a:solidFill>
+                  <a:schemeClr val="tx1"/>
+                </a:solidFill>
+              </a:endParaRPr>
+            </a:p>
+          </p:txBody>
+        </p:sp>
+      </p:grpSp>
+      <p:sp>
+        <p:nvSpPr>
+          <p:cNvPr id="24" name="TextBox 23">
+            <a:extLst>
+              <a:ext uri="{FF2B5EF4-FFF2-40B4-BE49-F238E27FC236}">
+                <a16:creationId xmlns:a16="http://schemas.microsoft.com/office/drawing/2014/main" id="{A0EBFFE9-5F51-AF3D-2F92-DFD3AF6C8931}"/>
+              </a:ext>
+            </a:extLst>
+          </p:cNvPr>
+          <p:cNvSpPr txBox="1"/>
+          <p:nvPr/>
+        </p:nvSpPr>
+        <p:spPr>
+          <a:xfrm>
+            <a:off x="6202412" y="4850937"/>
+            <a:ext cx="5410200" cy="923330"/>
+          </a:xfrm>
+          <a:prstGeom prst="rect">
+            <a:avLst/>
+          </a:prstGeom>
+          <a:noFill/>
+        </p:spPr>
+        <p:txBody>
+          <a:bodyPr wrap="square" rtlCol="0">
+            <a:spAutoFit/>
+          </a:bodyPr>
+          <a:lstStyle/>
+          <a:p>
+            <a:pPr marL="285750" indent="-285750">
+              <a:buFont typeface="Arial" panose="020B0604020202020204" pitchFamily="34" charset="0"/>
+              <a:buChar char="•"/>
+            </a:pPr>
+            <a:r>
+              <a:rPr lang="en-US" dirty="0"/>
+              <a:t>Still very nonlinear with L</a:t>
+            </a:r>
+          </a:p>
+          <a:p>
+            <a:pPr marL="285750" indent="-285750">
+              <a:buFont typeface="Arial" panose="020B0604020202020204" pitchFamily="34" charset="0"/>
+              <a:buChar char="•"/>
+            </a:pPr>
+            <a:r>
+              <a:rPr lang="en-US" dirty="0"/>
+              <a:t>There must be a conformational reason behind the non-linear response</a:t>
             </a:r>
           </a:p>
         </p:txBody>
@@ -5012,6 +5342,661 @@
 </file>
 
 <file path=ppt/slides/slide5.xml><?xml version="1.0" encoding="utf-8"?>
+<p:sld xmlns:a="http://schemas.openxmlformats.org/drawingml/2006/main" xmlns:r="http://schemas.openxmlformats.org/officeDocument/2006/relationships" xmlns:p="http://schemas.openxmlformats.org/presentationml/2006/main">
+  <p:cSld>
+    <p:spTree>
+      <p:nvGrpSpPr>
+        <p:cNvPr id="1" name=""/>
+        <p:cNvGrpSpPr/>
+        <p:nvPr/>
+      </p:nvGrpSpPr>
+      <p:grpSpPr>
+        <a:xfrm>
+          <a:off x="0" y="0"/>
+          <a:ext cx="0" cy="0"/>
+          <a:chOff x="0" y="0"/>
+          <a:chExt cx="0" cy="0"/>
+        </a:xfrm>
+      </p:grpSpPr>
+      <p:sp>
+        <p:nvSpPr>
+          <p:cNvPr id="3" name="Title 1">
+            <a:extLst>
+              <a:ext uri="{FF2B5EF4-FFF2-40B4-BE49-F238E27FC236}">
+                <a16:creationId xmlns:a16="http://schemas.microsoft.com/office/drawing/2014/main" id="{0B135C8C-6064-AB9B-751E-A5D4F5C8F6C0}"/>
+              </a:ext>
+            </a:extLst>
+          </p:cNvPr>
+          <p:cNvSpPr>
+            <a:spLocks noGrp="1"/>
+          </p:cNvSpPr>
+          <p:nvPr>
+            <p:ph type="title"/>
+          </p:nvPr>
+        </p:nvSpPr>
+        <p:spPr>
+          <a:xfrm>
+            <a:off x="392637" y="302621"/>
+            <a:ext cx="11361213" cy="694267"/>
+          </a:xfrm>
+        </p:spPr>
+        <p:txBody>
+          <a:bodyPr>
+            <a:noAutofit/>
+          </a:bodyPr>
+          <a:lstStyle/>
+          <a:p>
+            <a:r>
+              <a:rPr lang="en-US" sz="3600" dirty="0"/>
+              <a:t>NFH is crowding out NFL</a:t>
+            </a:r>
+          </a:p>
+        </p:txBody>
+      </p:sp>
+      <p:grpSp>
+        <p:nvGrpSpPr>
+          <p:cNvPr id="4" name="Group 3">
+            <a:extLst>
+              <a:ext uri="{FF2B5EF4-FFF2-40B4-BE49-F238E27FC236}">
+                <a16:creationId xmlns:a16="http://schemas.microsoft.com/office/drawing/2014/main" id="{2A575BF4-EB74-FBE6-982F-311861442F97}"/>
+              </a:ext>
+            </a:extLst>
+          </p:cNvPr>
+          <p:cNvGrpSpPr/>
+          <p:nvPr/>
+        </p:nvGrpSpPr>
+        <p:grpSpPr>
+          <a:xfrm>
+            <a:off x="3042749" y="1191564"/>
+            <a:ext cx="3030494" cy="2521425"/>
+            <a:chOff x="2797537" y="4307297"/>
+            <a:chExt cx="3030494" cy="2521425"/>
+          </a:xfrm>
+        </p:grpSpPr>
+        <p:pic>
+          <p:nvPicPr>
+            <p:cNvPr id="5" name="Picture 10">
+              <a:extLst>
+                <a:ext uri="{FF2B5EF4-FFF2-40B4-BE49-F238E27FC236}">
+                  <a16:creationId xmlns:a16="http://schemas.microsoft.com/office/drawing/2014/main" id="{71CF344E-EC14-7713-5BBB-DD594B209A43}"/>
+                </a:ext>
+              </a:extLst>
+            </p:cNvPr>
+            <p:cNvPicPr>
+              <a:picLocks noChangeAspect="1" noChangeArrowheads="1"/>
+            </p:cNvPicPr>
+            <p:nvPr/>
+          </p:nvPicPr>
+          <p:blipFill>
+            <a:blip r:embed="rId2">
+              <a:extLst>
+                <a:ext uri="{28A0092B-C50C-407E-A947-70E740481C1C}">
+                  <a14:useLocalDpi xmlns:a14="http://schemas.microsoft.com/office/drawing/2010/main" val="0"/>
+                </a:ext>
+              </a:extLst>
+            </a:blip>
+            <a:srcRect/>
+            <a:stretch>
+              <a:fillRect/>
+            </a:stretch>
+          </p:blipFill>
+          <p:spPr bwMode="auto">
+            <a:xfrm>
+              <a:off x="2797537" y="4601491"/>
+              <a:ext cx="3030494" cy="2227231"/>
+            </a:xfrm>
+            <a:prstGeom prst="rect">
+              <a:avLst/>
+            </a:prstGeom>
+            <a:noFill/>
+            <a:extLst>
+              <a:ext uri="{909E8E84-426E-40DD-AFC4-6F175D3DCCD1}">
+                <a14:hiddenFill xmlns:a14="http://schemas.microsoft.com/office/drawing/2010/main">
+                  <a:solidFill>
+                    <a:srgbClr val="FFFFFF"/>
+                  </a:solidFill>
+                </a14:hiddenFill>
+              </a:ext>
+            </a:extLst>
+          </p:spPr>
+        </p:pic>
+        <p:sp>
+          <p:nvSpPr>
+            <p:cNvPr id="6" name="TextBox 5">
+              <a:extLst>
+                <a:ext uri="{FF2B5EF4-FFF2-40B4-BE49-F238E27FC236}">
+                  <a16:creationId xmlns:a16="http://schemas.microsoft.com/office/drawing/2014/main" id="{6049CED8-A9FA-B0CB-432C-DAAFD44EB5E5}"/>
+                </a:ext>
+              </a:extLst>
+            </p:cNvPr>
+            <p:cNvSpPr txBox="1"/>
+            <p:nvPr/>
+          </p:nvSpPr>
+          <p:spPr>
+            <a:xfrm>
+              <a:off x="3810808" y="4307297"/>
+              <a:ext cx="1273438" cy="369332"/>
+            </a:xfrm>
+            <a:prstGeom prst="rect">
+              <a:avLst/>
+            </a:prstGeom>
+            <a:noFill/>
+          </p:spPr>
+          <p:txBody>
+            <a:bodyPr wrap="square" rtlCol="0">
+              <a:spAutoFit/>
+            </a:bodyPr>
+            <a:lstStyle/>
+            <a:p>
+              <a:pPr algn="ctr"/>
+              <a:r>
+                <a:rPr lang="en-US" dirty="0"/>
+                <a:t>L80 / H20</a:t>
+              </a:r>
+            </a:p>
+          </p:txBody>
+        </p:sp>
+      </p:grpSp>
+      <p:grpSp>
+        <p:nvGrpSpPr>
+          <p:cNvPr id="7" name="Group 6">
+            <a:extLst>
+              <a:ext uri="{FF2B5EF4-FFF2-40B4-BE49-F238E27FC236}">
+                <a16:creationId xmlns:a16="http://schemas.microsoft.com/office/drawing/2014/main" id="{D9D9BE53-BBEF-6A5D-E5DD-5B66490B9D72}"/>
+              </a:ext>
+            </a:extLst>
+          </p:cNvPr>
+          <p:cNvGrpSpPr/>
+          <p:nvPr/>
+        </p:nvGrpSpPr>
+        <p:grpSpPr>
+          <a:xfrm>
+            <a:off x="281741" y="1191564"/>
+            <a:ext cx="3030494" cy="2526319"/>
+            <a:chOff x="1" y="4201194"/>
+            <a:chExt cx="3030494" cy="2526319"/>
+          </a:xfrm>
+        </p:grpSpPr>
+        <p:pic>
+          <p:nvPicPr>
+            <p:cNvPr id="8" name="Picture 8">
+              <a:extLst>
+                <a:ext uri="{FF2B5EF4-FFF2-40B4-BE49-F238E27FC236}">
+                  <a16:creationId xmlns:a16="http://schemas.microsoft.com/office/drawing/2014/main" id="{BD7BC51A-B1CE-B351-DECD-4C69216CD554}"/>
+                </a:ext>
+              </a:extLst>
+            </p:cNvPr>
+            <p:cNvPicPr>
+              <a:picLocks noChangeAspect="1" noChangeArrowheads="1"/>
+            </p:cNvPicPr>
+            <p:nvPr/>
+          </p:nvPicPr>
+          <p:blipFill>
+            <a:blip r:embed="rId3">
+              <a:extLst>
+                <a:ext uri="{28A0092B-C50C-407E-A947-70E740481C1C}">
+                  <a14:useLocalDpi xmlns:a14="http://schemas.microsoft.com/office/drawing/2010/main" val="0"/>
+                </a:ext>
+              </a:extLst>
+            </a:blip>
+            <a:srcRect/>
+            <a:stretch>
+              <a:fillRect/>
+            </a:stretch>
+          </p:blipFill>
+          <p:spPr bwMode="auto">
+            <a:xfrm>
+              <a:off x="1" y="4500282"/>
+              <a:ext cx="3030494" cy="2227231"/>
+            </a:xfrm>
+            <a:prstGeom prst="rect">
+              <a:avLst/>
+            </a:prstGeom>
+            <a:noFill/>
+            <a:extLst>
+              <a:ext uri="{909E8E84-426E-40DD-AFC4-6F175D3DCCD1}">
+                <a14:hiddenFill xmlns:a14="http://schemas.microsoft.com/office/drawing/2010/main">
+                  <a:solidFill>
+                    <a:srgbClr val="FFFFFF"/>
+                  </a:solidFill>
+                </a14:hiddenFill>
+              </a:ext>
+            </a:extLst>
+          </p:spPr>
+        </p:pic>
+        <p:sp>
+          <p:nvSpPr>
+            <p:cNvPr id="9" name="TextBox 8">
+              <a:extLst>
+                <a:ext uri="{FF2B5EF4-FFF2-40B4-BE49-F238E27FC236}">
+                  <a16:creationId xmlns:a16="http://schemas.microsoft.com/office/drawing/2014/main" id="{F7DA491E-EA55-253C-6D49-510676B64882}"/>
+                </a:ext>
+              </a:extLst>
+            </p:cNvPr>
+            <p:cNvSpPr txBox="1"/>
+            <p:nvPr/>
+          </p:nvSpPr>
+          <p:spPr>
+            <a:xfrm>
+              <a:off x="1119469" y="4201194"/>
+              <a:ext cx="1273438" cy="369332"/>
+            </a:xfrm>
+            <a:prstGeom prst="rect">
+              <a:avLst/>
+            </a:prstGeom>
+            <a:noFill/>
+          </p:spPr>
+          <p:txBody>
+            <a:bodyPr wrap="square" rtlCol="0">
+              <a:spAutoFit/>
+            </a:bodyPr>
+            <a:lstStyle/>
+            <a:p>
+              <a:pPr algn="ctr"/>
+              <a:r>
+                <a:rPr lang="en-US" dirty="0"/>
+                <a:t>L30 / H70</a:t>
+              </a:r>
+            </a:p>
+          </p:txBody>
+        </p:sp>
+      </p:grpSp>
+      <p:pic>
+        <p:nvPicPr>
+          <p:cNvPr id="11" name="Picture 12">
+            <a:extLst>
+              <a:ext uri="{FF2B5EF4-FFF2-40B4-BE49-F238E27FC236}">
+                <a16:creationId xmlns:a16="http://schemas.microsoft.com/office/drawing/2014/main" id="{9F93801C-8550-4BE4-F82C-0F2E36AEFFC1}"/>
+              </a:ext>
+            </a:extLst>
+          </p:cNvPr>
+          <p:cNvPicPr>
+            <a:picLocks noChangeAspect="1" noChangeArrowheads="1"/>
+          </p:cNvPicPr>
+          <p:nvPr/>
+        </p:nvPicPr>
+        <p:blipFill>
+          <a:blip r:embed="rId4">
+            <a:extLst>
+              <a:ext uri="{28A0092B-C50C-407E-A947-70E740481C1C}">
+                <a14:useLocalDpi xmlns:a14="http://schemas.microsoft.com/office/drawing/2010/main" val="0"/>
+              </a:ext>
+            </a:extLst>
+          </a:blip>
+          <a:srcRect/>
+          <a:stretch>
+            <a:fillRect/>
+          </a:stretch>
+        </p:blipFill>
+        <p:spPr bwMode="auto">
+          <a:xfrm>
+            <a:off x="3042749" y="3376699"/>
+            <a:ext cx="3030496" cy="2227232"/>
+          </a:xfrm>
+          <a:prstGeom prst="rect">
+            <a:avLst/>
+          </a:prstGeom>
+          <a:noFill/>
+          <a:extLst>
+            <a:ext uri="{909E8E84-426E-40DD-AFC4-6F175D3DCCD1}">
+              <a14:hiddenFill xmlns:a14="http://schemas.microsoft.com/office/drawing/2010/main">
+                <a:solidFill>
+                  <a:srgbClr val="FFFFFF"/>
+                </a:solidFill>
+              </a14:hiddenFill>
+            </a:ext>
+          </a:extLst>
+        </p:spPr>
+      </p:pic>
+      <p:pic>
+        <p:nvPicPr>
+          <p:cNvPr id="14" name="Picture 14">
+            <a:extLst>
+              <a:ext uri="{FF2B5EF4-FFF2-40B4-BE49-F238E27FC236}">
+                <a16:creationId xmlns:a16="http://schemas.microsoft.com/office/drawing/2014/main" id="{A7518E31-1A94-F05A-1965-14EE6B9351C5}"/>
+              </a:ext>
+            </a:extLst>
+          </p:cNvPr>
+          <p:cNvPicPr>
+            <a:picLocks noChangeAspect="1" noChangeArrowheads="1"/>
+          </p:cNvPicPr>
+          <p:nvPr/>
+        </p:nvPicPr>
+        <p:blipFill>
+          <a:blip r:embed="rId5">
+            <a:extLst>
+              <a:ext uri="{28A0092B-C50C-407E-A947-70E740481C1C}">
+                <a14:useLocalDpi xmlns:a14="http://schemas.microsoft.com/office/drawing/2010/main" val="0"/>
+              </a:ext>
+            </a:extLst>
+          </a:blip>
+          <a:srcRect/>
+          <a:stretch>
+            <a:fillRect/>
+          </a:stretch>
+        </p:blipFill>
+        <p:spPr bwMode="auto">
+          <a:xfrm>
+            <a:off x="281741" y="3361103"/>
+            <a:ext cx="3030496" cy="2227232"/>
+          </a:xfrm>
+          <a:prstGeom prst="rect">
+            <a:avLst/>
+          </a:prstGeom>
+          <a:noFill/>
+          <a:extLst>
+            <a:ext uri="{909E8E84-426E-40DD-AFC4-6F175D3DCCD1}">
+              <a14:hiddenFill xmlns:a14="http://schemas.microsoft.com/office/drawing/2010/main">
+                <a:solidFill>
+                  <a:srgbClr val="FFFFFF"/>
+                </a:solidFill>
+              </a14:hiddenFill>
+            </a:ext>
+          </a:extLst>
+        </p:spPr>
+      </p:pic>
+      <p:sp>
+        <p:nvSpPr>
+          <p:cNvPr id="18" name="TextBox 17">
+            <a:extLst>
+              <a:ext uri="{FF2B5EF4-FFF2-40B4-BE49-F238E27FC236}">
+                <a16:creationId xmlns:a16="http://schemas.microsoft.com/office/drawing/2014/main" id="{CD4470C0-C049-E395-3073-A7FD44FD019A}"/>
+              </a:ext>
+            </a:extLst>
+          </p:cNvPr>
+          <p:cNvSpPr txBox="1"/>
+          <p:nvPr/>
+        </p:nvSpPr>
+        <p:spPr>
+          <a:xfrm>
+            <a:off x="897337" y="1907743"/>
+            <a:ext cx="524933" cy="369332"/>
+          </a:xfrm>
+          <a:prstGeom prst="rect">
+            <a:avLst/>
+          </a:prstGeom>
+          <a:noFill/>
+        </p:spPr>
+        <p:txBody>
+          <a:bodyPr wrap="square" rtlCol="0">
+            <a:spAutoFit/>
+          </a:bodyPr>
+          <a:lstStyle/>
+          <a:p>
+            <a:pPr algn="ctr"/>
+            <a:r>
+              <a:rPr lang="en-US" dirty="0"/>
+              <a:t>H</a:t>
+            </a:r>
+          </a:p>
+        </p:txBody>
+      </p:sp>
+      <p:sp>
+        <p:nvSpPr>
+          <p:cNvPr id="19" name="TextBox 18">
+            <a:extLst>
+              <a:ext uri="{FF2B5EF4-FFF2-40B4-BE49-F238E27FC236}">
+                <a16:creationId xmlns:a16="http://schemas.microsoft.com/office/drawing/2014/main" id="{C6B142E9-1B52-428E-2852-84A8E0DAF357}"/>
+              </a:ext>
+            </a:extLst>
+          </p:cNvPr>
+          <p:cNvSpPr txBox="1"/>
+          <p:nvPr/>
+        </p:nvSpPr>
+        <p:spPr>
+          <a:xfrm>
+            <a:off x="891649" y="2797095"/>
+            <a:ext cx="524933" cy="369332"/>
+          </a:xfrm>
+          <a:prstGeom prst="rect">
+            <a:avLst/>
+          </a:prstGeom>
+          <a:noFill/>
+        </p:spPr>
+        <p:txBody>
+          <a:bodyPr wrap="square" rtlCol="0">
+            <a:spAutoFit/>
+          </a:bodyPr>
+          <a:lstStyle/>
+          <a:p>
+            <a:pPr algn="ctr"/>
+            <a:r>
+              <a:rPr lang="en-US" dirty="0"/>
+              <a:t>L</a:t>
+            </a:r>
+          </a:p>
+        </p:txBody>
+      </p:sp>
+      <p:sp>
+        <p:nvSpPr>
+          <p:cNvPr id="20" name="TextBox 19">
+            <a:extLst>
+              <a:ext uri="{FF2B5EF4-FFF2-40B4-BE49-F238E27FC236}">
+                <a16:creationId xmlns:a16="http://schemas.microsoft.com/office/drawing/2014/main" id="{C11B5ADD-B037-63A7-E4DB-30E98639576B}"/>
+              </a:ext>
+            </a:extLst>
+          </p:cNvPr>
+          <p:cNvSpPr txBox="1"/>
+          <p:nvPr/>
+        </p:nvSpPr>
+        <p:spPr>
+          <a:xfrm>
+            <a:off x="3592715" y="2263233"/>
+            <a:ext cx="524933" cy="369332"/>
+          </a:xfrm>
+          <a:prstGeom prst="rect">
+            <a:avLst/>
+          </a:prstGeom>
+          <a:noFill/>
+        </p:spPr>
+        <p:txBody>
+          <a:bodyPr wrap="square" rtlCol="0">
+            <a:spAutoFit/>
+          </a:bodyPr>
+          <a:lstStyle/>
+          <a:p>
+            <a:pPr algn="ctr"/>
+            <a:r>
+              <a:rPr lang="en-US" dirty="0"/>
+              <a:t>L</a:t>
+            </a:r>
+          </a:p>
+        </p:txBody>
+      </p:sp>
+      <p:sp>
+        <p:nvSpPr>
+          <p:cNvPr id="21" name="TextBox 20">
+            <a:extLst>
+              <a:ext uri="{FF2B5EF4-FFF2-40B4-BE49-F238E27FC236}">
+                <a16:creationId xmlns:a16="http://schemas.microsoft.com/office/drawing/2014/main" id="{59020F5B-569E-8489-C87F-B775D63CC15F}"/>
+              </a:ext>
+            </a:extLst>
+          </p:cNvPr>
+          <p:cNvSpPr txBox="1"/>
+          <p:nvPr/>
+        </p:nvSpPr>
+        <p:spPr>
+          <a:xfrm>
+            <a:off x="3592716" y="2713173"/>
+            <a:ext cx="524933" cy="369332"/>
+          </a:xfrm>
+          <a:prstGeom prst="rect">
+            <a:avLst/>
+          </a:prstGeom>
+          <a:noFill/>
+        </p:spPr>
+        <p:txBody>
+          <a:bodyPr wrap="square" rtlCol="0">
+            <a:spAutoFit/>
+          </a:bodyPr>
+          <a:lstStyle/>
+          <a:p>
+            <a:pPr algn="ctr"/>
+            <a:r>
+              <a:rPr lang="en-US" dirty="0"/>
+              <a:t>H</a:t>
+            </a:r>
+          </a:p>
+        </p:txBody>
+      </p:sp>
+      <p:sp>
+        <p:nvSpPr>
+          <p:cNvPr id="22" name="TextBox 21">
+            <a:extLst>
+              <a:ext uri="{FF2B5EF4-FFF2-40B4-BE49-F238E27FC236}">
+                <a16:creationId xmlns:a16="http://schemas.microsoft.com/office/drawing/2014/main" id="{807C8F91-A006-516C-0C29-E9336BA1979F}"/>
+              </a:ext>
+            </a:extLst>
+          </p:cNvPr>
+          <p:cNvSpPr txBox="1"/>
+          <p:nvPr/>
+        </p:nvSpPr>
+        <p:spPr>
+          <a:xfrm>
+            <a:off x="897337" y="3892616"/>
+            <a:ext cx="524933" cy="369332"/>
+          </a:xfrm>
+          <a:prstGeom prst="rect">
+            <a:avLst/>
+          </a:prstGeom>
+          <a:noFill/>
+        </p:spPr>
+        <p:txBody>
+          <a:bodyPr wrap="square" rtlCol="0">
+            <a:spAutoFit/>
+          </a:bodyPr>
+          <a:lstStyle/>
+          <a:p>
+            <a:pPr algn="ctr"/>
+            <a:r>
+              <a:rPr lang="en-US" dirty="0"/>
+              <a:t>H</a:t>
+            </a:r>
+          </a:p>
+        </p:txBody>
+      </p:sp>
+      <p:sp>
+        <p:nvSpPr>
+          <p:cNvPr id="23" name="TextBox 22">
+            <a:extLst>
+              <a:ext uri="{FF2B5EF4-FFF2-40B4-BE49-F238E27FC236}">
+                <a16:creationId xmlns:a16="http://schemas.microsoft.com/office/drawing/2014/main" id="{A015244D-7B05-44ED-7070-FA968EA94E6F}"/>
+              </a:ext>
+            </a:extLst>
+          </p:cNvPr>
+          <p:cNvSpPr txBox="1"/>
+          <p:nvPr/>
+        </p:nvSpPr>
+        <p:spPr>
+          <a:xfrm>
+            <a:off x="891649" y="4781968"/>
+            <a:ext cx="524933" cy="369332"/>
+          </a:xfrm>
+          <a:prstGeom prst="rect">
+            <a:avLst/>
+          </a:prstGeom>
+          <a:noFill/>
+        </p:spPr>
+        <p:txBody>
+          <a:bodyPr wrap="square" rtlCol="0">
+            <a:spAutoFit/>
+          </a:bodyPr>
+          <a:lstStyle/>
+          <a:p>
+            <a:pPr algn="ctr"/>
+            <a:r>
+              <a:rPr lang="en-US" dirty="0"/>
+              <a:t>L</a:t>
+            </a:r>
+          </a:p>
+        </p:txBody>
+      </p:sp>
+      <p:sp>
+        <p:nvSpPr>
+          <p:cNvPr id="24" name="TextBox 23">
+            <a:extLst>
+              <a:ext uri="{FF2B5EF4-FFF2-40B4-BE49-F238E27FC236}">
+                <a16:creationId xmlns:a16="http://schemas.microsoft.com/office/drawing/2014/main" id="{C8D60702-CF8B-6A04-CFF1-D47EAFBDC18E}"/>
+              </a:ext>
+            </a:extLst>
+          </p:cNvPr>
+          <p:cNvSpPr txBox="1"/>
+          <p:nvPr/>
+        </p:nvSpPr>
+        <p:spPr>
+          <a:xfrm>
+            <a:off x="3604030" y="4230660"/>
+            <a:ext cx="524933" cy="369332"/>
+          </a:xfrm>
+          <a:prstGeom prst="rect">
+            <a:avLst/>
+          </a:prstGeom>
+          <a:noFill/>
+        </p:spPr>
+        <p:txBody>
+          <a:bodyPr wrap="square" rtlCol="0">
+            <a:spAutoFit/>
+          </a:bodyPr>
+          <a:lstStyle/>
+          <a:p>
+            <a:pPr algn="ctr"/>
+            <a:r>
+              <a:rPr lang="en-US" dirty="0"/>
+              <a:t>L</a:t>
+            </a:r>
+          </a:p>
+        </p:txBody>
+      </p:sp>
+      <p:sp>
+        <p:nvSpPr>
+          <p:cNvPr id="25" name="TextBox 24">
+            <a:extLst>
+              <a:ext uri="{FF2B5EF4-FFF2-40B4-BE49-F238E27FC236}">
+                <a16:creationId xmlns:a16="http://schemas.microsoft.com/office/drawing/2014/main" id="{41A2FDD0-D1F4-875A-90AD-250771E66897}"/>
+              </a:ext>
+            </a:extLst>
+          </p:cNvPr>
+          <p:cNvSpPr txBox="1"/>
+          <p:nvPr/>
+        </p:nvSpPr>
+        <p:spPr>
+          <a:xfrm>
+            <a:off x="3604031" y="4680600"/>
+            <a:ext cx="524933" cy="369332"/>
+          </a:xfrm>
+          <a:prstGeom prst="rect">
+            <a:avLst/>
+          </a:prstGeom>
+          <a:noFill/>
+        </p:spPr>
+        <p:txBody>
+          <a:bodyPr wrap="square" rtlCol="0">
+            <a:spAutoFit/>
+          </a:bodyPr>
+          <a:lstStyle/>
+          <a:p>
+            <a:pPr algn="ctr"/>
+            <a:r>
+              <a:rPr lang="en-US" dirty="0"/>
+              <a:t>H</a:t>
+            </a:r>
+          </a:p>
+        </p:txBody>
+      </p:sp>
+    </p:spTree>
+    <p:extLst>
+      <p:ext uri="{BB962C8B-B14F-4D97-AF65-F5344CB8AC3E}">
+        <p14:creationId xmlns:p14="http://schemas.microsoft.com/office/powerpoint/2010/main" val="1049124525"/>
+      </p:ext>
+    </p:extLst>
+  </p:cSld>
+  <p:clrMapOvr>
+    <a:masterClrMapping/>
+  </p:clrMapOvr>
+</p:sld>
+</file>
+
+<file path=ppt/slides/slide6.xml><?xml version="1.0" encoding="utf-8"?>
 <p:sld xmlns:a="http://schemas.openxmlformats.org/drawingml/2006/main" xmlns:r="http://schemas.openxmlformats.org/officeDocument/2006/relationships" xmlns:p="http://schemas.openxmlformats.org/presentationml/2006/main">
   <p:cSld>
     <p:spTree>

--- a/20230331 EAD Update.pptx
+++ b/20230331 EAD Update.pptx
@@ -5387,18 +5387,26 @@
           <a:lstStyle/>
           <a:p>
             <a:r>
-              <a:rPr lang="en-US" sz="3600" dirty="0"/>
-              <a:t>NFH is crowding out NFL</a:t>
+              <a:rPr lang="en-US" sz="3200" dirty="0"/>
+              <a:t>Volume fraction of the inner layer seems to saturate at \</a:t>
+            </a:r>
+            <a:r>
+              <a:rPr lang="en-US" sz="3200" dirty="0" err="1"/>
+              <a:t>approx</a:t>
+            </a:r>
+            <a:r>
+              <a:rPr lang="en-US" sz="3200" dirty="0"/>
+              <a:t> 0.80</a:t>
             </a:r>
           </a:p>
         </p:txBody>
       </p:sp>
       <p:grpSp>
         <p:nvGrpSpPr>
-          <p:cNvPr id="4" name="Group 3">
-            <a:extLst>
-              <a:ext uri="{FF2B5EF4-FFF2-40B4-BE49-F238E27FC236}">
-                <a16:creationId xmlns:a16="http://schemas.microsoft.com/office/drawing/2014/main" id="{2A575BF4-EB74-FBE6-982F-311861442F97}"/>
+          <p:cNvPr id="33" name="Group 32">
+            <a:extLst>
+              <a:ext uri="{FF2B5EF4-FFF2-40B4-BE49-F238E27FC236}">
+                <a16:creationId xmlns:a16="http://schemas.microsoft.com/office/drawing/2014/main" id="{841F84C2-43A3-B69B-D76F-47AC513F09B3}"/>
               </a:ext>
             </a:extLst>
           </p:cNvPr>
@@ -5407,18 +5415,226 @@
         </p:nvGrpSpPr>
         <p:grpSpPr>
           <a:xfrm>
-            <a:off x="3042749" y="1191564"/>
-            <a:ext cx="3030494" cy="2521425"/>
-            <a:chOff x="2797537" y="4307297"/>
-            <a:chExt cx="3030494" cy="2521425"/>
+            <a:off x="3064935" y="1123667"/>
+            <a:ext cx="7492482" cy="4532565"/>
+            <a:chOff x="3064935" y="1123667"/>
+            <a:chExt cx="7492482" cy="4532565"/>
           </a:xfrm>
         </p:grpSpPr>
+        <p:grpSp>
+          <p:nvGrpSpPr>
+            <p:cNvPr id="4" name="Group 3">
+              <a:extLst>
+                <a:ext uri="{FF2B5EF4-FFF2-40B4-BE49-F238E27FC236}">
+                  <a16:creationId xmlns:a16="http://schemas.microsoft.com/office/drawing/2014/main" id="{2A575BF4-EB74-FBE6-982F-311861442F97}"/>
+                </a:ext>
+              </a:extLst>
+            </p:cNvPr>
+            <p:cNvGrpSpPr/>
+            <p:nvPr/>
+          </p:nvGrpSpPr>
+          <p:grpSpPr>
+            <a:xfrm>
+              <a:off x="5825945" y="1123667"/>
+              <a:ext cx="3030494" cy="2521425"/>
+              <a:chOff x="2797537" y="4307297"/>
+              <a:chExt cx="3030494" cy="2521425"/>
+            </a:xfrm>
+          </p:grpSpPr>
+          <p:pic>
+            <p:nvPicPr>
+              <p:cNvPr id="5" name="Picture 10">
+                <a:extLst>
+                  <a:ext uri="{FF2B5EF4-FFF2-40B4-BE49-F238E27FC236}">
+                    <a16:creationId xmlns:a16="http://schemas.microsoft.com/office/drawing/2014/main" id="{71CF344E-EC14-7713-5BBB-DD594B209A43}"/>
+                  </a:ext>
+                </a:extLst>
+              </p:cNvPr>
+              <p:cNvPicPr>
+                <a:picLocks noChangeAspect="1" noChangeArrowheads="1"/>
+              </p:cNvPicPr>
+              <p:nvPr/>
+            </p:nvPicPr>
+            <p:blipFill>
+              <a:blip r:embed="rId2">
+                <a:extLst>
+                  <a:ext uri="{28A0092B-C50C-407E-A947-70E740481C1C}">
+                    <a14:useLocalDpi xmlns:a14="http://schemas.microsoft.com/office/drawing/2010/main" val="0"/>
+                  </a:ext>
+                </a:extLst>
+              </a:blip>
+              <a:srcRect/>
+              <a:stretch>
+                <a:fillRect/>
+              </a:stretch>
+            </p:blipFill>
+            <p:spPr bwMode="auto">
+              <a:xfrm>
+                <a:off x="2797537" y="4601491"/>
+                <a:ext cx="3030494" cy="2227231"/>
+              </a:xfrm>
+              <a:prstGeom prst="rect">
+                <a:avLst/>
+              </a:prstGeom>
+              <a:noFill/>
+              <a:extLst>
+                <a:ext uri="{909E8E84-426E-40DD-AFC4-6F175D3DCCD1}">
+                  <a14:hiddenFill xmlns:a14="http://schemas.microsoft.com/office/drawing/2010/main">
+                    <a:solidFill>
+                      <a:srgbClr val="FFFFFF"/>
+                    </a:solidFill>
+                  </a14:hiddenFill>
+                </a:ext>
+              </a:extLst>
+            </p:spPr>
+          </p:pic>
+          <p:sp>
+            <p:nvSpPr>
+              <p:cNvPr id="6" name="TextBox 5">
+                <a:extLst>
+                  <a:ext uri="{FF2B5EF4-FFF2-40B4-BE49-F238E27FC236}">
+                    <a16:creationId xmlns:a16="http://schemas.microsoft.com/office/drawing/2014/main" id="{6049CED8-A9FA-B0CB-432C-DAAFD44EB5E5}"/>
+                  </a:ext>
+                </a:extLst>
+              </p:cNvPr>
+              <p:cNvSpPr txBox="1"/>
+              <p:nvPr/>
+            </p:nvSpPr>
+            <p:spPr>
+              <a:xfrm>
+                <a:off x="3810808" y="4307297"/>
+                <a:ext cx="1273438" cy="369332"/>
+              </a:xfrm>
+              <a:prstGeom prst="rect">
+                <a:avLst/>
+              </a:prstGeom>
+              <a:noFill/>
+            </p:spPr>
+            <p:txBody>
+              <a:bodyPr wrap="square" rtlCol="0">
+                <a:spAutoFit/>
+              </a:bodyPr>
+              <a:lstStyle/>
+              <a:p>
+                <a:pPr algn="ctr"/>
+                <a:r>
+                  <a:rPr lang="en-US" dirty="0"/>
+                  <a:t>L80 / H20</a:t>
+                </a:r>
+              </a:p>
+            </p:txBody>
+          </p:sp>
+        </p:grpSp>
+        <p:grpSp>
+          <p:nvGrpSpPr>
+            <p:cNvPr id="7" name="Group 6">
+              <a:extLst>
+                <a:ext uri="{FF2B5EF4-FFF2-40B4-BE49-F238E27FC236}">
+                  <a16:creationId xmlns:a16="http://schemas.microsoft.com/office/drawing/2014/main" id="{D9D9BE53-BBEF-6A5D-E5DD-5B66490B9D72}"/>
+                </a:ext>
+              </a:extLst>
+            </p:cNvPr>
+            <p:cNvGrpSpPr/>
+            <p:nvPr/>
+          </p:nvGrpSpPr>
+          <p:grpSpPr>
+            <a:xfrm>
+              <a:off x="3064937" y="1123667"/>
+              <a:ext cx="3030494" cy="2526319"/>
+              <a:chOff x="1" y="4201194"/>
+              <a:chExt cx="3030494" cy="2526319"/>
+            </a:xfrm>
+          </p:grpSpPr>
+          <p:pic>
+            <p:nvPicPr>
+              <p:cNvPr id="8" name="Picture 8">
+                <a:extLst>
+                  <a:ext uri="{FF2B5EF4-FFF2-40B4-BE49-F238E27FC236}">
+                    <a16:creationId xmlns:a16="http://schemas.microsoft.com/office/drawing/2014/main" id="{BD7BC51A-B1CE-B351-DECD-4C69216CD554}"/>
+                  </a:ext>
+                </a:extLst>
+              </p:cNvPr>
+              <p:cNvPicPr>
+                <a:picLocks noChangeAspect="1" noChangeArrowheads="1"/>
+              </p:cNvPicPr>
+              <p:nvPr/>
+            </p:nvPicPr>
+            <p:blipFill>
+              <a:blip r:embed="rId3">
+                <a:extLst>
+                  <a:ext uri="{28A0092B-C50C-407E-A947-70E740481C1C}">
+                    <a14:useLocalDpi xmlns:a14="http://schemas.microsoft.com/office/drawing/2010/main" val="0"/>
+                  </a:ext>
+                </a:extLst>
+              </a:blip>
+              <a:srcRect/>
+              <a:stretch>
+                <a:fillRect/>
+              </a:stretch>
+            </p:blipFill>
+            <p:spPr bwMode="auto">
+              <a:xfrm>
+                <a:off x="1" y="4500282"/>
+                <a:ext cx="3030494" cy="2227231"/>
+              </a:xfrm>
+              <a:prstGeom prst="rect">
+                <a:avLst/>
+              </a:prstGeom>
+              <a:noFill/>
+              <a:extLst>
+                <a:ext uri="{909E8E84-426E-40DD-AFC4-6F175D3DCCD1}">
+                  <a14:hiddenFill xmlns:a14="http://schemas.microsoft.com/office/drawing/2010/main">
+                    <a:solidFill>
+                      <a:srgbClr val="FFFFFF"/>
+                    </a:solidFill>
+                  </a14:hiddenFill>
+                </a:ext>
+              </a:extLst>
+            </p:spPr>
+          </p:pic>
+          <p:sp>
+            <p:nvSpPr>
+              <p:cNvPr id="9" name="TextBox 8">
+                <a:extLst>
+                  <a:ext uri="{FF2B5EF4-FFF2-40B4-BE49-F238E27FC236}">
+                    <a16:creationId xmlns:a16="http://schemas.microsoft.com/office/drawing/2014/main" id="{F7DA491E-EA55-253C-6D49-510676B64882}"/>
+                  </a:ext>
+                </a:extLst>
+              </p:cNvPr>
+              <p:cNvSpPr txBox="1"/>
+              <p:nvPr/>
+            </p:nvSpPr>
+            <p:spPr>
+              <a:xfrm>
+                <a:off x="1119469" y="4201194"/>
+                <a:ext cx="1273438" cy="369332"/>
+              </a:xfrm>
+              <a:prstGeom prst="rect">
+                <a:avLst/>
+              </a:prstGeom>
+              <a:noFill/>
+            </p:spPr>
+            <p:txBody>
+              <a:bodyPr wrap="square" rtlCol="0">
+                <a:spAutoFit/>
+              </a:bodyPr>
+              <a:lstStyle/>
+              <a:p>
+                <a:pPr algn="ctr"/>
+                <a:r>
+                  <a:rPr lang="en-US" dirty="0"/>
+                  <a:t>L30 / H70</a:t>
+                </a:r>
+              </a:p>
+            </p:txBody>
+          </p:sp>
+        </p:grpSp>
         <p:pic>
           <p:nvPicPr>
-            <p:cNvPr id="5" name="Picture 10">
+            <p:cNvPr id="11" name="Picture 12">
               <a:extLst>
                 <a:ext uri="{FF2B5EF4-FFF2-40B4-BE49-F238E27FC236}">
-                  <a16:creationId xmlns:a16="http://schemas.microsoft.com/office/drawing/2014/main" id="{71CF344E-EC14-7713-5BBB-DD594B209A43}"/>
+                  <a16:creationId xmlns:a16="http://schemas.microsoft.com/office/drawing/2014/main" id="{9F93801C-8550-4BE4-F82C-0F2E36AEFFC1}"/>
                 </a:ext>
               </a:extLst>
             </p:cNvPr>
@@ -5428,7 +5644,7 @@
             <p:nvPr/>
           </p:nvPicPr>
           <p:blipFill>
-            <a:blip r:embed="rId2">
+            <a:blip r:embed="rId4">
               <a:extLst>
                 <a:ext uri="{28A0092B-C50C-407E-A947-70E740481C1C}">
                   <a14:useLocalDpi xmlns:a14="http://schemas.microsoft.com/office/drawing/2010/main" val="0"/>
@@ -5442,8 +5658,8 @@
           </p:blipFill>
           <p:spPr bwMode="auto">
             <a:xfrm>
-              <a:off x="2797537" y="4601491"/>
-              <a:ext cx="3030494" cy="2227231"/>
+              <a:off x="5825943" y="3429000"/>
+              <a:ext cx="3030496" cy="2227232"/>
             </a:xfrm>
             <a:prstGeom prst="rect">
               <a:avLst/>
@@ -5460,12 +5676,59 @@
             </a:extLst>
           </p:spPr>
         </p:pic>
+        <p:pic>
+          <p:nvPicPr>
+            <p:cNvPr id="14" name="Picture 14">
+              <a:extLst>
+                <a:ext uri="{FF2B5EF4-FFF2-40B4-BE49-F238E27FC236}">
+                  <a16:creationId xmlns:a16="http://schemas.microsoft.com/office/drawing/2014/main" id="{A7518E31-1A94-F05A-1965-14EE6B9351C5}"/>
+                </a:ext>
+              </a:extLst>
+            </p:cNvPr>
+            <p:cNvPicPr>
+              <a:picLocks noChangeAspect="1" noChangeArrowheads="1"/>
+            </p:cNvPicPr>
+            <p:nvPr/>
+          </p:nvPicPr>
+          <p:blipFill>
+            <a:blip r:embed="rId5">
+              <a:extLst>
+                <a:ext uri="{28A0092B-C50C-407E-A947-70E740481C1C}">
+                  <a14:useLocalDpi xmlns:a14="http://schemas.microsoft.com/office/drawing/2010/main" val="0"/>
+                </a:ext>
+              </a:extLst>
+            </a:blip>
+            <a:srcRect/>
+            <a:stretch>
+              <a:fillRect/>
+            </a:stretch>
+          </p:blipFill>
+          <p:spPr bwMode="auto">
+            <a:xfrm>
+              <a:off x="3064935" y="3413404"/>
+              <a:ext cx="3030496" cy="2227232"/>
+            </a:xfrm>
+            <a:prstGeom prst="rect">
+              <a:avLst/>
+            </a:prstGeom>
+            <a:noFill/>
+            <a:extLst>
+              <a:ext uri="{909E8E84-426E-40DD-AFC4-6F175D3DCCD1}">
+                <a14:hiddenFill xmlns:a14="http://schemas.microsoft.com/office/drawing/2010/main">
+                  <a:solidFill>
+                    <a:srgbClr val="FFFFFF"/>
+                  </a:solidFill>
+                </a14:hiddenFill>
+              </a:ext>
+            </a:extLst>
+          </p:spPr>
+        </p:pic>
         <p:sp>
           <p:nvSpPr>
-            <p:cNvPr id="6" name="TextBox 5">
+            <p:cNvPr id="18" name="TextBox 17">
               <a:extLst>
                 <a:ext uri="{FF2B5EF4-FFF2-40B4-BE49-F238E27FC236}">
-                  <a16:creationId xmlns:a16="http://schemas.microsoft.com/office/drawing/2014/main" id="{6049CED8-A9FA-B0CB-432C-DAAFD44EB5E5}"/>
+                  <a16:creationId xmlns:a16="http://schemas.microsoft.com/office/drawing/2014/main" id="{CD4470C0-C049-E395-3073-A7FD44FD019A}"/>
                 </a:ext>
               </a:extLst>
             </p:cNvPr>
@@ -5474,8 +5737,8 @@
           </p:nvSpPr>
           <p:spPr>
             <a:xfrm>
-              <a:off x="3810808" y="4307297"/>
-              <a:ext cx="1273438" cy="369332"/>
+              <a:off x="3680533" y="1839846"/>
+              <a:ext cx="524933" cy="369332"/>
             </a:xfrm>
             <a:prstGeom prst="rect">
               <a:avLst/>
@@ -5491,85 +5754,17 @@
               <a:pPr algn="ctr"/>
               <a:r>
                 <a:rPr lang="en-US" dirty="0"/>
-                <a:t>L80 / H20</a:t>
+                <a:t>H</a:t>
               </a:r>
             </a:p>
           </p:txBody>
         </p:sp>
-      </p:grpSp>
-      <p:grpSp>
-        <p:nvGrpSpPr>
-          <p:cNvPr id="7" name="Group 6">
-            <a:extLst>
-              <a:ext uri="{FF2B5EF4-FFF2-40B4-BE49-F238E27FC236}">
-                <a16:creationId xmlns:a16="http://schemas.microsoft.com/office/drawing/2014/main" id="{D9D9BE53-BBEF-6A5D-E5DD-5B66490B9D72}"/>
-              </a:ext>
-            </a:extLst>
-          </p:cNvPr>
-          <p:cNvGrpSpPr/>
-          <p:nvPr/>
-        </p:nvGrpSpPr>
-        <p:grpSpPr>
-          <a:xfrm>
-            <a:off x="281741" y="1191564"/>
-            <a:ext cx="3030494" cy="2526319"/>
-            <a:chOff x="1" y="4201194"/>
-            <a:chExt cx="3030494" cy="2526319"/>
-          </a:xfrm>
-        </p:grpSpPr>
-        <p:pic>
-          <p:nvPicPr>
-            <p:cNvPr id="8" name="Picture 8">
+        <p:sp>
+          <p:nvSpPr>
+            <p:cNvPr id="19" name="TextBox 18">
               <a:extLst>
                 <a:ext uri="{FF2B5EF4-FFF2-40B4-BE49-F238E27FC236}">
-                  <a16:creationId xmlns:a16="http://schemas.microsoft.com/office/drawing/2014/main" id="{BD7BC51A-B1CE-B351-DECD-4C69216CD554}"/>
-                </a:ext>
-              </a:extLst>
-            </p:cNvPr>
-            <p:cNvPicPr>
-              <a:picLocks noChangeAspect="1" noChangeArrowheads="1"/>
-            </p:cNvPicPr>
-            <p:nvPr/>
-          </p:nvPicPr>
-          <p:blipFill>
-            <a:blip r:embed="rId3">
-              <a:extLst>
-                <a:ext uri="{28A0092B-C50C-407E-A947-70E740481C1C}">
-                  <a14:useLocalDpi xmlns:a14="http://schemas.microsoft.com/office/drawing/2010/main" val="0"/>
-                </a:ext>
-              </a:extLst>
-            </a:blip>
-            <a:srcRect/>
-            <a:stretch>
-              <a:fillRect/>
-            </a:stretch>
-          </p:blipFill>
-          <p:spPr bwMode="auto">
-            <a:xfrm>
-              <a:off x="1" y="4500282"/>
-              <a:ext cx="3030494" cy="2227231"/>
-            </a:xfrm>
-            <a:prstGeom prst="rect">
-              <a:avLst/>
-            </a:prstGeom>
-            <a:noFill/>
-            <a:extLst>
-              <a:ext uri="{909E8E84-426E-40DD-AFC4-6F175D3DCCD1}">
-                <a14:hiddenFill xmlns:a14="http://schemas.microsoft.com/office/drawing/2010/main">
-                  <a:solidFill>
-                    <a:srgbClr val="FFFFFF"/>
-                  </a:solidFill>
-                </a14:hiddenFill>
-              </a:ext>
-            </a:extLst>
-          </p:spPr>
-        </p:pic>
-        <p:sp>
-          <p:nvSpPr>
-            <p:cNvPr id="9" name="TextBox 8">
-              <a:extLst>
-                <a:ext uri="{FF2B5EF4-FFF2-40B4-BE49-F238E27FC236}">
-                  <a16:creationId xmlns:a16="http://schemas.microsoft.com/office/drawing/2014/main" id="{F7DA491E-EA55-253C-6D49-510676B64882}"/>
+                  <a16:creationId xmlns:a16="http://schemas.microsoft.com/office/drawing/2014/main" id="{C6B142E9-1B52-428E-2852-84A8E0DAF357}"/>
                 </a:ext>
               </a:extLst>
             </p:cNvPr>
@@ -5578,8 +5773,8 @@
           </p:nvSpPr>
           <p:spPr>
             <a:xfrm>
-              <a:off x="1119469" y="4201194"/>
-              <a:ext cx="1273438" cy="369332"/>
+              <a:off x="3674845" y="2729198"/>
+              <a:ext cx="524933" cy="369332"/>
             </a:xfrm>
             <a:prstGeom prst="rect">
               <a:avLst/>
@@ -5595,112 +5790,423 @@
               <a:pPr algn="ctr"/>
               <a:r>
                 <a:rPr lang="en-US" dirty="0"/>
-                <a:t>L30 / H70</a:t>
+                <a:t>L</a:t>
               </a:r>
             </a:p>
           </p:txBody>
         </p:sp>
+        <p:sp>
+          <p:nvSpPr>
+            <p:cNvPr id="20" name="TextBox 19">
+              <a:extLst>
+                <a:ext uri="{FF2B5EF4-FFF2-40B4-BE49-F238E27FC236}">
+                  <a16:creationId xmlns:a16="http://schemas.microsoft.com/office/drawing/2014/main" id="{C11B5ADD-B037-63A7-E4DB-30E98639576B}"/>
+                </a:ext>
+              </a:extLst>
+            </p:cNvPr>
+            <p:cNvSpPr txBox="1"/>
+            <p:nvPr/>
+          </p:nvSpPr>
+          <p:spPr>
+            <a:xfrm>
+              <a:off x="6375911" y="2195336"/>
+              <a:ext cx="524933" cy="369332"/>
+            </a:xfrm>
+            <a:prstGeom prst="rect">
+              <a:avLst/>
+            </a:prstGeom>
+            <a:noFill/>
+          </p:spPr>
+          <p:txBody>
+            <a:bodyPr wrap="square" rtlCol="0">
+              <a:spAutoFit/>
+            </a:bodyPr>
+            <a:lstStyle/>
+            <a:p>
+              <a:pPr algn="ctr"/>
+              <a:r>
+                <a:rPr lang="en-US" dirty="0"/>
+                <a:t>L</a:t>
+              </a:r>
+            </a:p>
+          </p:txBody>
+        </p:sp>
+        <p:sp>
+          <p:nvSpPr>
+            <p:cNvPr id="21" name="TextBox 20">
+              <a:extLst>
+                <a:ext uri="{FF2B5EF4-FFF2-40B4-BE49-F238E27FC236}">
+                  <a16:creationId xmlns:a16="http://schemas.microsoft.com/office/drawing/2014/main" id="{59020F5B-569E-8489-C87F-B775D63CC15F}"/>
+                </a:ext>
+              </a:extLst>
+            </p:cNvPr>
+            <p:cNvSpPr txBox="1"/>
+            <p:nvPr/>
+          </p:nvSpPr>
+          <p:spPr>
+            <a:xfrm>
+              <a:off x="6375912" y="2645276"/>
+              <a:ext cx="524933" cy="369332"/>
+            </a:xfrm>
+            <a:prstGeom prst="rect">
+              <a:avLst/>
+            </a:prstGeom>
+            <a:noFill/>
+          </p:spPr>
+          <p:txBody>
+            <a:bodyPr wrap="square" rtlCol="0">
+              <a:spAutoFit/>
+            </a:bodyPr>
+            <a:lstStyle/>
+            <a:p>
+              <a:pPr algn="ctr"/>
+              <a:r>
+                <a:rPr lang="en-US" dirty="0"/>
+                <a:t>H</a:t>
+              </a:r>
+            </a:p>
+          </p:txBody>
+        </p:sp>
+        <p:sp>
+          <p:nvSpPr>
+            <p:cNvPr id="22" name="TextBox 21">
+              <a:extLst>
+                <a:ext uri="{FF2B5EF4-FFF2-40B4-BE49-F238E27FC236}">
+                  <a16:creationId xmlns:a16="http://schemas.microsoft.com/office/drawing/2014/main" id="{807C8F91-A006-516C-0C29-E9336BA1979F}"/>
+                </a:ext>
+              </a:extLst>
+            </p:cNvPr>
+            <p:cNvSpPr txBox="1"/>
+            <p:nvPr/>
+          </p:nvSpPr>
+          <p:spPr>
+            <a:xfrm>
+              <a:off x="3680531" y="3944917"/>
+              <a:ext cx="524933" cy="369332"/>
+            </a:xfrm>
+            <a:prstGeom prst="rect">
+              <a:avLst/>
+            </a:prstGeom>
+            <a:noFill/>
+          </p:spPr>
+          <p:txBody>
+            <a:bodyPr wrap="square" rtlCol="0">
+              <a:spAutoFit/>
+            </a:bodyPr>
+            <a:lstStyle/>
+            <a:p>
+              <a:pPr algn="ctr"/>
+              <a:r>
+                <a:rPr lang="en-US" dirty="0"/>
+                <a:t>H</a:t>
+              </a:r>
+            </a:p>
+          </p:txBody>
+        </p:sp>
+        <p:sp>
+          <p:nvSpPr>
+            <p:cNvPr id="23" name="TextBox 22">
+              <a:extLst>
+                <a:ext uri="{FF2B5EF4-FFF2-40B4-BE49-F238E27FC236}">
+                  <a16:creationId xmlns:a16="http://schemas.microsoft.com/office/drawing/2014/main" id="{A015244D-7B05-44ED-7070-FA968EA94E6F}"/>
+                </a:ext>
+              </a:extLst>
+            </p:cNvPr>
+            <p:cNvSpPr txBox="1"/>
+            <p:nvPr/>
+          </p:nvSpPr>
+          <p:spPr>
+            <a:xfrm>
+              <a:off x="3674843" y="4834269"/>
+              <a:ext cx="524933" cy="369332"/>
+            </a:xfrm>
+            <a:prstGeom prst="rect">
+              <a:avLst/>
+            </a:prstGeom>
+            <a:noFill/>
+          </p:spPr>
+          <p:txBody>
+            <a:bodyPr wrap="square" rtlCol="0">
+              <a:spAutoFit/>
+            </a:bodyPr>
+            <a:lstStyle/>
+            <a:p>
+              <a:pPr algn="ctr"/>
+              <a:r>
+                <a:rPr lang="en-US" dirty="0"/>
+                <a:t>L</a:t>
+              </a:r>
+            </a:p>
+          </p:txBody>
+        </p:sp>
+        <p:sp>
+          <p:nvSpPr>
+            <p:cNvPr id="24" name="TextBox 23">
+              <a:extLst>
+                <a:ext uri="{FF2B5EF4-FFF2-40B4-BE49-F238E27FC236}">
+                  <a16:creationId xmlns:a16="http://schemas.microsoft.com/office/drawing/2014/main" id="{C8D60702-CF8B-6A04-CFF1-D47EAFBDC18E}"/>
+                </a:ext>
+              </a:extLst>
+            </p:cNvPr>
+            <p:cNvSpPr txBox="1"/>
+            <p:nvPr/>
+          </p:nvSpPr>
+          <p:spPr>
+            <a:xfrm>
+              <a:off x="6387224" y="4282961"/>
+              <a:ext cx="524933" cy="369332"/>
+            </a:xfrm>
+            <a:prstGeom prst="rect">
+              <a:avLst/>
+            </a:prstGeom>
+            <a:noFill/>
+          </p:spPr>
+          <p:txBody>
+            <a:bodyPr wrap="square" rtlCol="0">
+              <a:spAutoFit/>
+            </a:bodyPr>
+            <a:lstStyle/>
+            <a:p>
+              <a:pPr algn="ctr"/>
+              <a:r>
+                <a:rPr lang="en-US" dirty="0"/>
+                <a:t>L</a:t>
+              </a:r>
+            </a:p>
+          </p:txBody>
+        </p:sp>
+        <p:sp>
+          <p:nvSpPr>
+            <p:cNvPr id="25" name="TextBox 24">
+              <a:extLst>
+                <a:ext uri="{FF2B5EF4-FFF2-40B4-BE49-F238E27FC236}">
+                  <a16:creationId xmlns:a16="http://schemas.microsoft.com/office/drawing/2014/main" id="{41A2FDD0-D1F4-875A-90AD-250771E66897}"/>
+                </a:ext>
+              </a:extLst>
+            </p:cNvPr>
+            <p:cNvSpPr txBox="1"/>
+            <p:nvPr/>
+          </p:nvSpPr>
+          <p:spPr>
+            <a:xfrm>
+              <a:off x="6387225" y="4732901"/>
+              <a:ext cx="524933" cy="369332"/>
+            </a:xfrm>
+            <a:prstGeom prst="rect">
+              <a:avLst/>
+            </a:prstGeom>
+            <a:noFill/>
+          </p:spPr>
+          <p:txBody>
+            <a:bodyPr wrap="square" rtlCol="0">
+              <a:spAutoFit/>
+            </a:bodyPr>
+            <a:lstStyle/>
+            <a:p>
+              <a:pPr algn="ctr"/>
+              <a:r>
+                <a:rPr lang="en-US" dirty="0"/>
+                <a:t>H</a:t>
+              </a:r>
+            </a:p>
+          </p:txBody>
+        </p:sp>
+        <p:cxnSp>
+          <p:nvCxnSpPr>
+            <p:cNvPr id="27" name="Straight Connector 26">
+              <a:extLst>
+                <a:ext uri="{FF2B5EF4-FFF2-40B4-BE49-F238E27FC236}">
+                  <a16:creationId xmlns:a16="http://schemas.microsoft.com/office/drawing/2014/main" id="{D07887DE-7404-2B62-A38D-0611C0D82846}"/>
+                </a:ext>
+              </a:extLst>
+            </p:cNvPr>
+            <p:cNvCxnSpPr>
+              <a:cxnSpLocks/>
+            </p:cNvCxnSpPr>
+            <p:nvPr/>
+          </p:nvCxnSpPr>
+          <p:spPr>
+            <a:xfrm>
+              <a:off x="3311666" y="3361103"/>
+              <a:ext cx="6304130" cy="0"/>
+            </a:xfrm>
+            <a:prstGeom prst="line">
+              <a:avLst/>
+            </a:prstGeom>
+            <a:ln w="28575">
+              <a:solidFill>
+                <a:schemeClr val="tx1"/>
+              </a:solidFill>
+            </a:ln>
+          </p:spPr>
+          <p:style>
+            <a:lnRef idx="1">
+              <a:schemeClr val="accent1"/>
+            </a:lnRef>
+            <a:fillRef idx="0">
+              <a:schemeClr val="accent1"/>
+            </a:fillRef>
+            <a:effectRef idx="0">
+              <a:schemeClr val="accent1"/>
+            </a:effectRef>
+            <a:fontRef idx="minor">
+              <a:schemeClr val="tx1"/>
+            </a:fontRef>
+          </p:style>
+        </p:cxnSp>
+        <p:sp>
+          <p:nvSpPr>
+            <p:cNvPr id="30" name="Rectangle 29">
+              <a:extLst>
+                <a:ext uri="{FF2B5EF4-FFF2-40B4-BE49-F238E27FC236}">
+                  <a16:creationId xmlns:a16="http://schemas.microsoft.com/office/drawing/2014/main" id="{C2F25E13-2655-3B75-C69C-CD813F8161BC}"/>
+                </a:ext>
+              </a:extLst>
+            </p:cNvPr>
+            <p:cNvSpPr/>
+            <p:nvPr/>
+          </p:nvSpPr>
+          <p:spPr>
+            <a:xfrm>
+              <a:off x="8856439" y="2925555"/>
+              <a:ext cx="1700978" cy="312998"/>
+            </a:xfrm>
+            <a:prstGeom prst="rect">
+              <a:avLst/>
+            </a:prstGeom>
+            <a:solidFill>
+              <a:schemeClr val="bg1"/>
+            </a:solidFill>
+            <a:ln>
+              <a:solidFill>
+                <a:schemeClr val="bg1"/>
+              </a:solidFill>
+            </a:ln>
+          </p:spPr>
+          <p:style>
+            <a:lnRef idx="2">
+              <a:schemeClr val="accent1">
+                <a:shade val="50000"/>
+              </a:schemeClr>
+            </a:lnRef>
+            <a:fillRef idx="1">
+              <a:schemeClr val="accent1"/>
+            </a:fillRef>
+            <a:effectRef idx="0">
+              <a:schemeClr val="accent1"/>
+            </a:effectRef>
+            <a:fontRef idx="minor">
+              <a:schemeClr val="lt1"/>
+            </a:fontRef>
+          </p:style>
+          <p:txBody>
+            <a:bodyPr rtlCol="0" anchor="ctr"/>
+            <a:lstStyle/>
+            <a:p>
+              <a:r>
+                <a:rPr lang="en-US" dirty="0">
+                  <a:solidFill>
+                    <a:schemeClr val="tx1"/>
+                  </a:solidFill>
+                </a:rPr>
+                <a:t>Changing </a:t>
+              </a:r>
+              <a:r>
+                <a:rPr lang="en-US" dirty="0" err="1">
+                  <a:solidFill>
+                    <a:schemeClr val="tx1"/>
+                  </a:solidFill>
+                </a:rPr>
+                <a:t>b_L</a:t>
+              </a:r>
+              <a:endParaRPr lang="en-US" dirty="0">
+                <a:solidFill>
+                  <a:schemeClr val="tx1"/>
+                </a:solidFill>
+              </a:endParaRPr>
+            </a:p>
+          </p:txBody>
+        </p:sp>
+        <p:sp>
+          <p:nvSpPr>
+            <p:cNvPr id="31" name="Rectangle 30">
+              <a:extLst>
+                <a:ext uri="{FF2B5EF4-FFF2-40B4-BE49-F238E27FC236}">
+                  <a16:creationId xmlns:a16="http://schemas.microsoft.com/office/drawing/2014/main" id="{59D4DF29-B5BF-86A6-5B2C-C32C4308672E}"/>
+                </a:ext>
+              </a:extLst>
+            </p:cNvPr>
+            <p:cNvSpPr/>
+            <p:nvPr/>
+          </p:nvSpPr>
+          <p:spPr>
+            <a:xfrm>
+              <a:off x="8856439" y="3551100"/>
+              <a:ext cx="1700978" cy="312998"/>
+            </a:xfrm>
+            <a:prstGeom prst="rect">
+              <a:avLst/>
+            </a:prstGeom>
+            <a:solidFill>
+              <a:schemeClr val="bg1"/>
+            </a:solidFill>
+            <a:ln>
+              <a:solidFill>
+                <a:schemeClr val="bg1"/>
+              </a:solidFill>
+            </a:ln>
+          </p:spPr>
+          <p:style>
+            <a:lnRef idx="2">
+              <a:schemeClr val="accent1">
+                <a:shade val="50000"/>
+              </a:schemeClr>
+            </a:lnRef>
+            <a:fillRef idx="1">
+              <a:schemeClr val="accent1"/>
+            </a:fillRef>
+            <a:effectRef idx="0">
+              <a:schemeClr val="accent1"/>
+            </a:effectRef>
+            <a:fontRef idx="minor">
+              <a:schemeClr val="lt1"/>
+            </a:fontRef>
+          </p:style>
+          <p:txBody>
+            <a:bodyPr rtlCol="0" anchor="ctr"/>
+            <a:lstStyle/>
+            <a:p>
+              <a:r>
+                <a:rPr lang="en-US" dirty="0">
+                  <a:solidFill>
+                    <a:schemeClr val="tx1"/>
+                  </a:solidFill>
+                </a:rPr>
+                <a:t>Changing \</a:t>
+              </a:r>
+              <a:r>
+                <a:rPr lang="en-US" dirty="0" err="1">
+                  <a:solidFill>
+                    <a:schemeClr val="tx1"/>
+                  </a:solidFill>
+                </a:rPr>
+                <a:t>nu_L</a:t>
+              </a:r>
+              <a:endParaRPr lang="en-US" dirty="0">
+                <a:solidFill>
+                  <a:schemeClr val="tx1"/>
+                </a:solidFill>
+              </a:endParaRPr>
+            </a:p>
+          </p:txBody>
+        </p:sp>
       </p:grpSp>
-      <p:pic>
-        <p:nvPicPr>
-          <p:cNvPr id="11" name="Picture 12">
-            <a:extLst>
-              <a:ext uri="{FF2B5EF4-FFF2-40B4-BE49-F238E27FC236}">
-                <a16:creationId xmlns:a16="http://schemas.microsoft.com/office/drawing/2014/main" id="{9F93801C-8550-4BE4-F82C-0F2E36AEFFC1}"/>
-              </a:ext>
-            </a:extLst>
-          </p:cNvPr>
-          <p:cNvPicPr>
-            <a:picLocks noChangeAspect="1" noChangeArrowheads="1"/>
-          </p:cNvPicPr>
-          <p:nvPr/>
-        </p:nvPicPr>
-        <p:blipFill>
-          <a:blip r:embed="rId4">
-            <a:extLst>
-              <a:ext uri="{28A0092B-C50C-407E-A947-70E740481C1C}">
-                <a14:useLocalDpi xmlns:a14="http://schemas.microsoft.com/office/drawing/2010/main" val="0"/>
-              </a:ext>
-            </a:extLst>
-          </a:blip>
-          <a:srcRect/>
-          <a:stretch>
-            <a:fillRect/>
-          </a:stretch>
-        </p:blipFill>
-        <p:spPr bwMode="auto">
-          <a:xfrm>
-            <a:off x="3042749" y="3376699"/>
-            <a:ext cx="3030496" cy="2227232"/>
-          </a:xfrm>
-          <a:prstGeom prst="rect">
-            <a:avLst/>
-          </a:prstGeom>
-          <a:noFill/>
-          <a:extLst>
-            <a:ext uri="{909E8E84-426E-40DD-AFC4-6F175D3DCCD1}">
-              <a14:hiddenFill xmlns:a14="http://schemas.microsoft.com/office/drawing/2010/main">
-                <a:solidFill>
-                  <a:srgbClr val="FFFFFF"/>
-                </a:solidFill>
-              </a14:hiddenFill>
-            </a:ext>
-          </a:extLst>
-        </p:spPr>
-      </p:pic>
-      <p:pic>
-        <p:nvPicPr>
-          <p:cNvPr id="14" name="Picture 14">
-            <a:extLst>
-              <a:ext uri="{FF2B5EF4-FFF2-40B4-BE49-F238E27FC236}">
-                <a16:creationId xmlns:a16="http://schemas.microsoft.com/office/drawing/2014/main" id="{A7518E31-1A94-F05A-1965-14EE6B9351C5}"/>
-              </a:ext>
-            </a:extLst>
-          </p:cNvPr>
-          <p:cNvPicPr>
-            <a:picLocks noChangeAspect="1" noChangeArrowheads="1"/>
-          </p:cNvPicPr>
-          <p:nvPr/>
-        </p:nvPicPr>
-        <p:blipFill>
-          <a:blip r:embed="rId5">
-            <a:extLst>
-              <a:ext uri="{28A0092B-C50C-407E-A947-70E740481C1C}">
-                <a14:useLocalDpi xmlns:a14="http://schemas.microsoft.com/office/drawing/2010/main" val="0"/>
-              </a:ext>
-            </a:extLst>
-          </a:blip>
-          <a:srcRect/>
-          <a:stretch>
-            <a:fillRect/>
-          </a:stretch>
-        </p:blipFill>
-        <p:spPr bwMode="auto">
-          <a:xfrm>
-            <a:off x="281741" y="3361103"/>
-            <a:ext cx="3030496" cy="2227232"/>
-          </a:xfrm>
-          <a:prstGeom prst="rect">
-            <a:avLst/>
-          </a:prstGeom>
-          <a:noFill/>
-          <a:extLst>
-            <a:ext uri="{909E8E84-426E-40DD-AFC4-6F175D3DCCD1}">
-              <a14:hiddenFill xmlns:a14="http://schemas.microsoft.com/office/drawing/2010/main">
-                <a:solidFill>
-                  <a:srgbClr val="FFFFFF"/>
-                </a:solidFill>
-              </a14:hiddenFill>
-            </a:ext>
-          </a:extLst>
-        </p:spPr>
-      </p:pic>
-      <p:sp>
-        <p:nvSpPr>
-          <p:cNvPr id="18" name="TextBox 17">
-            <a:extLst>
-              <a:ext uri="{FF2B5EF4-FFF2-40B4-BE49-F238E27FC236}">
-                <a16:creationId xmlns:a16="http://schemas.microsoft.com/office/drawing/2014/main" id="{CD4470C0-C049-E395-3073-A7FD44FD019A}"/>
+      <p:sp>
+        <p:nvSpPr>
+          <p:cNvPr id="32" name="TextBox 31">
+            <a:extLst>
+              <a:ext uri="{FF2B5EF4-FFF2-40B4-BE49-F238E27FC236}">
+                <a16:creationId xmlns:a16="http://schemas.microsoft.com/office/drawing/2014/main" id="{13A166B5-8156-45A0-5538-8AC1A46129C3}"/>
               </a:ext>
             </a:extLst>
           </p:cNvPr>
@@ -5709,8 +6215,8 @@
         </p:nvSpPr>
         <p:spPr>
           <a:xfrm>
-            <a:off x="897337" y="1907743"/>
-            <a:ext cx="524933" cy="369332"/>
+            <a:off x="1032281" y="5906616"/>
+            <a:ext cx="10081923" cy="646331"/>
           </a:xfrm>
           <a:prstGeom prst="rect">
             <a:avLst/>
@@ -5723,262 +6229,13 @@
           </a:bodyPr>
           <a:lstStyle/>
           <a:p>
-            <a:pPr algn="ctr"/>
+            <a:pPr marL="285750" indent="-285750">
+              <a:buFont typeface="Arial" panose="020B0604020202020204" pitchFamily="34" charset="0"/>
+              <a:buChar char="•"/>
+            </a:pPr>
             <a:r>
               <a:rPr lang="en-US" dirty="0"/>
-              <a:t>H</a:t>
-            </a:r>
-          </a:p>
-        </p:txBody>
-      </p:sp>
-      <p:sp>
-        <p:nvSpPr>
-          <p:cNvPr id="19" name="TextBox 18">
-            <a:extLst>
-              <a:ext uri="{FF2B5EF4-FFF2-40B4-BE49-F238E27FC236}">
-                <a16:creationId xmlns:a16="http://schemas.microsoft.com/office/drawing/2014/main" id="{C6B142E9-1B52-428E-2852-84A8E0DAF357}"/>
-              </a:ext>
-            </a:extLst>
-          </p:cNvPr>
-          <p:cNvSpPr txBox="1"/>
-          <p:nvPr/>
-        </p:nvSpPr>
-        <p:spPr>
-          <a:xfrm>
-            <a:off x="891649" y="2797095"/>
-            <a:ext cx="524933" cy="369332"/>
-          </a:xfrm>
-          <a:prstGeom prst="rect">
-            <a:avLst/>
-          </a:prstGeom>
-          <a:noFill/>
-        </p:spPr>
-        <p:txBody>
-          <a:bodyPr wrap="square" rtlCol="0">
-            <a:spAutoFit/>
-          </a:bodyPr>
-          <a:lstStyle/>
-          <a:p>
-            <a:pPr algn="ctr"/>
-            <a:r>
-              <a:rPr lang="en-US" dirty="0"/>
-              <a:t>L</a:t>
-            </a:r>
-          </a:p>
-        </p:txBody>
-      </p:sp>
-      <p:sp>
-        <p:nvSpPr>
-          <p:cNvPr id="20" name="TextBox 19">
-            <a:extLst>
-              <a:ext uri="{FF2B5EF4-FFF2-40B4-BE49-F238E27FC236}">
-                <a16:creationId xmlns:a16="http://schemas.microsoft.com/office/drawing/2014/main" id="{C11B5ADD-B037-63A7-E4DB-30E98639576B}"/>
-              </a:ext>
-            </a:extLst>
-          </p:cNvPr>
-          <p:cNvSpPr txBox="1"/>
-          <p:nvPr/>
-        </p:nvSpPr>
-        <p:spPr>
-          <a:xfrm>
-            <a:off x="3592715" y="2263233"/>
-            <a:ext cx="524933" cy="369332"/>
-          </a:xfrm>
-          <a:prstGeom prst="rect">
-            <a:avLst/>
-          </a:prstGeom>
-          <a:noFill/>
-        </p:spPr>
-        <p:txBody>
-          <a:bodyPr wrap="square" rtlCol="0">
-            <a:spAutoFit/>
-          </a:bodyPr>
-          <a:lstStyle/>
-          <a:p>
-            <a:pPr algn="ctr"/>
-            <a:r>
-              <a:rPr lang="en-US" dirty="0"/>
-              <a:t>L</a:t>
-            </a:r>
-          </a:p>
-        </p:txBody>
-      </p:sp>
-      <p:sp>
-        <p:nvSpPr>
-          <p:cNvPr id="21" name="TextBox 20">
-            <a:extLst>
-              <a:ext uri="{FF2B5EF4-FFF2-40B4-BE49-F238E27FC236}">
-                <a16:creationId xmlns:a16="http://schemas.microsoft.com/office/drawing/2014/main" id="{59020F5B-569E-8489-C87F-B775D63CC15F}"/>
-              </a:ext>
-            </a:extLst>
-          </p:cNvPr>
-          <p:cNvSpPr txBox="1"/>
-          <p:nvPr/>
-        </p:nvSpPr>
-        <p:spPr>
-          <a:xfrm>
-            <a:off x="3592716" y="2713173"/>
-            <a:ext cx="524933" cy="369332"/>
-          </a:xfrm>
-          <a:prstGeom prst="rect">
-            <a:avLst/>
-          </a:prstGeom>
-          <a:noFill/>
-        </p:spPr>
-        <p:txBody>
-          <a:bodyPr wrap="square" rtlCol="0">
-            <a:spAutoFit/>
-          </a:bodyPr>
-          <a:lstStyle/>
-          <a:p>
-            <a:pPr algn="ctr"/>
-            <a:r>
-              <a:rPr lang="en-US" dirty="0"/>
-              <a:t>H</a:t>
-            </a:r>
-          </a:p>
-        </p:txBody>
-      </p:sp>
-      <p:sp>
-        <p:nvSpPr>
-          <p:cNvPr id="22" name="TextBox 21">
-            <a:extLst>
-              <a:ext uri="{FF2B5EF4-FFF2-40B4-BE49-F238E27FC236}">
-                <a16:creationId xmlns:a16="http://schemas.microsoft.com/office/drawing/2014/main" id="{807C8F91-A006-516C-0C29-E9336BA1979F}"/>
-              </a:ext>
-            </a:extLst>
-          </p:cNvPr>
-          <p:cNvSpPr txBox="1"/>
-          <p:nvPr/>
-        </p:nvSpPr>
-        <p:spPr>
-          <a:xfrm>
-            <a:off x="897337" y="3892616"/>
-            <a:ext cx="524933" cy="369332"/>
-          </a:xfrm>
-          <a:prstGeom prst="rect">
-            <a:avLst/>
-          </a:prstGeom>
-          <a:noFill/>
-        </p:spPr>
-        <p:txBody>
-          <a:bodyPr wrap="square" rtlCol="0">
-            <a:spAutoFit/>
-          </a:bodyPr>
-          <a:lstStyle/>
-          <a:p>
-            <a:pPr algn="ctr"/>
-            <a:r>
-              <a:rPr lang="en-US" dirty="0"/>
-              <a:t>H</a:t>
-            </a:r>
-          </a:p>
-        </p:txBody>
-      </p:sp>
-      <p:sp>
-        <p:nvSpPr>
-          <p:cNvPr id="23" name="TextBox 22">
-            <a:extLst>
-              <a:ext uri="{FF2B5EF4-FFF2-40B4-BE49-F238E27FC236}">
-                <a16:creationId xmlns:a16="http://schemas.microsoft.com/office/drawing/2014/main" id="{A015244D-7B05-44ED-7070-FA968EA94E6F}"/>
-              </a:ext>
-            </a:extLst>
-          </p:cNvPr>
-          <p:cNvSpPr txBox="1"/>
-          <p:nvPr/>
-        </p:nvSpPr>
-        <p:spPr>
-          <a:xfrm>
-            <a:off x="891649" y="4781968"/>
-            <a:ext cx="524933" cy="369332"/>
-          </a:xfrm>
-          <a:prstGeom prst="rect">
-            <a:avLst/>
-          </a:prstGeom>
-          <a:noFill/>
-        </p:spPr>
-        <p:txBody>
-          <a:bodyPr wrap="square" rtlCol="0">
-            <a:spAutoFit/>
-          </a:bodyPr>
-          <a:lstStyle/>
-          <a:p>
-            <a:pPr algn="ctr"/>
-            <a:r>
-              <a:rPr lang="en-US" dirty="0"/>
-              <a:t>L</a:t>
-            </a:r>
-          </a:p>
-        </p:txBody>
-      </p:sp>
-      <p:sp>
-        <p:nvSpPr>
-          <p:cNvPr id="24" name="TextBox 23">
-            <a:extLst>
-              <a:ext uri="{FF2B5EF4-FFF2-40B4-BE49-F238E27FC236}">
-                <a16:creationId xmlns:a16="http://schemas.microsoft.com/office/drawing/2014/main" id="{C8D60702-CF8B-6A04-CFF1-D47EAFBDC18E}"/>
-              </a:ext>
-            </a:extLst>
-          </p:cNvPr>
-          <p:cNvSpPr txBox="1"/>
-          <p:nvPr/>
-        </p:nvSpPr>
-        <p:spPr>
-          <a:xfrm>
-            <a:off x="3604030" y="4230660"/>
-            <a:ext cx="524933" cy="369332"/>
-          </a:xfrm>
-          <a:prstGeom prst="rect">
-            <a:avLst/>
-          </a:prstGeom>
-          <a:noFill/>
-        </p:spPr>
-        <p:txBody>
-          <a:bodyPr wrap="square" rtlCol="0">
-            <a:spAutoFit/>
-          </a:bodyPr>
-          <a:lstStyle/>
-          <a:p>
-            <a:pPr algn="ctr"/>
-            <a:r>
-              <a:rPr lang="en-US" dirty="0"/>
-              <a:t>L</a:t>
-            </a:r>
-          </a:p>
-        </p:txBody>
-      </p:sp>
-      <p:sp>
-        <p:nvSpPr>
-          <p:cNvPr id="25" name="TextBox 24">
-            <a:extLst>
-              <a:ext uri="{FF2B5EF4-FFF2-40B4-BE49-F238E27FC236}">
-                <a16:creationId xmlns:a16="http://schemas.microsoft.com/office/drawing/2014/main" id="{41A2FDD0-D1F4-875A-90AD-250771E66897}"/>
-              </a:ext>
-            </a:extLst>
-          </p:cNvPr>
-          <p:cNvSpPr txBox="1"/>
-          <p:nvPr/>
-        </p:nvSpPr>
-        <p:spPr>
-          <a:xfrm>
-            <a:off x="3604031" y="4680600"/>
-            <a:ext cx="524933" cy="369332"/>
-          </a:xfrm>
-          <a:prstGeom prst="rect">
-            <a:avLst/>
-          </a:prstGeom>
-          <a:noFill/>
-        </p:spPr>
-        <p:txBody>
-          <a:bodyPr wrap="square" rtlCol="0">
-            <a:spAutoFit/>
-          </a:bodyPr>
-          <a:lstStyle/>
-          <a:p>
-            <a:pPr algn="ctr"/>
-            <a:r>
-              <a:rPr lang="en-US" dirty="0"/>
-              <a:t>H</a:t>
+              <a:t>The volume of NFH (with respect to the grafting density) may be too high, pushing NFL out regardless of its properties</a:t>
             </a:r>
           </a:p>
         </p:txBody>

--- a/20230331 EAD Update.pptx
+++ b/20230331 EAD Update.pptx
@@ -10,7 +10,8 @@
     <p:sldId id="258" r:id="rId4"/>
     <p:sldId id="260" r:id="rId5"/>
     <p:sldId id="261" r:id="rId6"/>
-    <p:sldId id="259" r:id="rId7"/>
+    <p:sldId id="262" r:id="rId7"/>
+    <p:sldId id="259" r:id="rId8"/>
   </p:sldIdLst>
   <p:sldSz cx="12192000" cy="6858000"/>
   <p:notesSz cx="6858000" cy="9144000"/>
@@ -5416,9 +5417,9 @@
         <p:grpSpPr>
           <a:xfrm>
             <a:off x="3064935" y="1123667"/>
-            <a:ext cx="7492482" cy="4532565"/>
+            <a:ext cx="7653864" cy="4532565"/>
             <a:chOff x="3064935" y="1123667"/>
-            <a:chExt cx="7492482" cy="4532565"/>
+            <a:chExt cx="7653864" cy="4532565"/>
           </a:xfrm>
         </p:grpSpPr>
         <p:grpSp>
@@ -6068,8 +6069,8 @@
           </p:nvSpPr>
           <p:spPr>
             <a:xfrm>
-              <a:off x="8856439" y="2925555"/>
-              <a:ext cx="1700978" cy="312998"/>
+              <a:off x="8856438" y="2645276"/>
+              <a:ext cx="1862361" cy="593277"/>
             </a:xfrm>
             <a:prstGeom prst="rect">
               <a:avLst/>
@@ -6119,11 +6120,14 @@
                 </a:rPr>
                 <a:t>b_L</a:t>
               </a:r>
-              <a:endParaRPr lang="en-US" dirty="0">
-                <a:solidFill>
-                  <a:schemeClr val="tx1"/>
-                </a:solidFill>
-              </a:endParaRPr>
+              <a:r>
+                <a:rPr lang="en-US" dirty="0">
+                  <a:solidFill>
+                    <a:schemeClr val="tx1"/>
+                  </a:solidFill>
+                </a:rPr>
+                <a:t> (from prev. slide)</a:t>
+              </a:r>
             </a:p>
           </p:txBody>
         </p:sp>
@@ -6142,7 +6146,7 @@
           <p:spPr>
             <a:xfrm>
               <a:off x="8856439" y="3551100"/>
-              <a:ext cx="1700978" cy="312998"/>
+              <a:ext cx="1862360" cy="646330"/>
             </a:xfrm>
             <a:prstGeom prst="rect">
               <a:avLst/>
@@ -6192,11 +6196,14 @@
                 </a:rPr>
                 <a:t>nu_L</a:t>
               </a:r>
-              <a:endParaRPr lang="en-US" dirty="0">
-                <a:solidFill>
-                  <a:schemeClr val="tx1"/>
-                </a:solidFill>
-              </a:endParaRPr>
+              <a:r>
+                <a:rPr lang="en-US" dirty="0">
+                  <a:solidFill>
+                    <a:schemeClr val="tx1"/>
+                  </a:solidFill>
+                </a:rPr>
+                <a:t> (from prev. slide)</a:t>
+              </a:r>
             </a:p>
           </p:txBody>
         </p:sp>
@@ -6235,7 +6242,7 @@
             </a:pPr>
             <a:r>
               <a:rPr lang="en-US" dirty="0"/>
-              <a:t>The volume of NFH (with respect to the grafting density) may be too high, pushing NFL out regardless of its properties</a:t>
+              <a:t>The volume of both total protein (with respect to the grafting density) may be too high, pushing NFL out regardless of NFL/NFH properties</a:t>
             </a:r>
           </a:p>
         </p:txBody>
@@ -6254,6 +6261,210 @@
 </file>
 
 <file path=ppt/slides/slide6.xml><?xml version="1.0" encoding="utf-8"?>
+<p:sld xmlns:a="http://schemas.openxmlformats.org/drawingml/2006/main" xmlns:r="http://schemas.openxmlformats.org/officeDocument/2006/relationships" xmlns:p="http://schemas.openxmlformats.org/presentationml/2006/main">
+  <p:cSld>
+    <p:spTree>
+      <p:nvGrpSpPr>
+        <p:cNvPr id="1" name=""/>
+        <p:cNvGrpSpPr/>
+        <p:nvPr/>
+      </p:nvGrpSpPr>
+      <p:grpSpPr>
+        <a:xfrm>
+          <a:off x="0" y="0"/>
+          <a:ext cx="0" cy="0"/>
+          <a:chOff x="0" y="0"/>
+          <a:chExt cx="0" cy="0"/>
+        </a:xfrm>
+      </p:grpSpPr>
+      <p:sp>
+        <p:nvSpPr>
+          <p:cNvPr id="2" name="Title 1">
+            <a:extLst>
+              <a:ext uri="{FF2B5EF4-FFF2-40B4-BE49-F238E27FC236}">
+                <a16:creationId xmlns:a16="http://schemas.microsoft.com/office/drawing/2014/main" id="{AC5C9429-38BC-118D-D7AD-274C4603DF29}"/>
+              </a:ext>
+            </a:extLst>
+          </p:cNvPr>
+          <p:cNvSpPr txBox="1">
+            <a:spLocks/>
+          </p:cNvSpPr>
+          <p:nvPr/>
+        </p:nvSpPr>
+        <p:spPr>
+          <a:xfrm>
+            <a:off x="392637" y="302621"/>
+            <a:ext cx="11361213" cy="694267"/>
+          </a:xfrm>
+          <a:prstGeom prst="rect">
+            <a:avLst/>
+          </a:prstGeom>
+        </p:spPr>
+        <p:txBody>
+          <a:bodyPr>
+            <a:noAutofit/>
+          </a:bodyPr>
+          <a:lstStyle>
+            <a:lvl1pPr algn="l" defTabSz="914400" rtl="0" eaLnBrk="1" latinLnBrk="0" hangingPunct="1">
+              <a:lnSpc>
+                <a:spcPct val="90000"/>
+              </a:lnSpc>
+              <a:spcBef>
+                <a:spcPct val="0"/>
+              </a:spcBef>
+              <a:buNone/>
+              <a:defRPr sz="4400" kern="1200">
+                <a:solidFill>
+                  <a:schemeClr val="tx1"/>
+                </a:solidFill>
+                <a:latin typeface="+mj-lt"/>
+                <a:ea typeface="+mj-ea"/>
+                <a:cs typeface="+mj-cs"/>
+              </a:defRPr>
+            </a:lvl1pPr>
+          </a:lstStyle>
+          <a:p>
+            <a:r>
+              <a:rPr lang="en-US" sz="3200" dirty="0"/>
+              <a:t>Currently trying</a:t>
+            </a:r>
+          </a:p>
+        </p:txBody>
+      </p:sp>
+      <p:pic>
+        <p:nvPicPr>
+          <p:cNvPr id="4" name="Picture 3">
+            <a:extLst>
+              <a:ext uri="{FF2B5EF4-FFF2-40B4-BE49-F238E27FC236}">
+                <a16:creationId xmlns:a16="http://schemas.microsoft.com/office/drawing/2014/main" id="{9216C947-552A-3898-65A3-825C8B722B4D}"/>
+              </a:ext>
+            </a:extLst>
+          </p:cNvPr>
+          <p:cNvPicPr>
+            <a:picLocks noChangeAspect="1"/>
+          </p:cNvPicPr>
+          <p:nvPr/>
+        </p:nvPicPr>
+        <p:blipFill>
+          <a:blip r:embed="rId2"/>
+          <a:stretch>
+            <a:fillRect/>
+          </a:stretch>
+        </p:blipFill>
+        <p:spPr>
+          <a:xfrm>
+            <a:off x="2087382" y="1901789"/>
+            <a:ext cx="2581635" cy="514422"/>
+          </a:xfrm>
+          <a:prstGeom prst="rect">
+            <a:avLst/>
+          </a:prstGeom>
+        </p:spPr>
+      </p:pic>
+      <p:pic>
+        <p:nvPicPr>
+          <p:cNvPr id="6" name="Picture 5">
+            <a:extLst>
+              <a:ext uri="{FF2B5EF4-FFF2-40B4-BE49-F238E27FC236}">
+                <a16:creationId xmlns:a16="http://schemas.microsoft.com/office/drawing/2014/main" id="{62A14263-9E1C-203F-FBB2-64771B800893}"/>
+              </a:ext>
+            </a:extLst>
+          </p:cNvPr>
+          <p:cNvPicPr>
+            <a:picLocks noChangeAspect="1"/>
+          </p:cNvPicPr>
+          <p:nvPr/>
+        </p:nvPicPr>
+        <p:blipFill>
+          <a:blip r:embed="rId3"/>
+          <a:stretch>
+            <a:fillRect/>
+          </a:stretch>
+        </p:blipFill>
+        <p:spPr>
+          <a:xfrm>
+            <a:off x="2068329" y="2797164"/>
+            <a:ext cx="2600688" cy="523948"/>
+          </a:xfrm>
+          <a:prstGeom prst="rect">
+            <a:avLst/>
+          </a:prstGeom>
+        </p:spPr>
+      </p:pic>
+      <p:pic>
+        <p:nvPicPr>
+          <p:cNvPr id="8" name="Picture 7">
+            <a:extLst>
+              <a:ext uri="{FF2B5EF4-FFF2-40B4-BE49-F238E27FC236}">
+                <a16:creationId xmlns:a16="http://schemas.microsoft.com/office/drawing/2014/main" id="{A8FCC1FE-6054-A4D4-2234-D1B52EA03FFA}"/>
+              </a:ext>
+            </a:extLst>
+          </p:cNvPr>
+          <p:cNvPicPr>
+            <a:picLocks noChangeAspect="1"/>
+          </p:cNvPicPr>
+          <p:nvPr/>
+        </p:nvPicPr>
+        <p:blipFill>
+          <a:blip r:embed="rId4"/>
+          <a:stretch>
+            <a:fillRect/>
+          </a:stretch>
+        </p:blipFill>
+        <p:spPr>
+          <a:xfrm>
+            <a:off x="5842354" y="1901789"/>
+            <a:ext cx="2505425" cy="504895"/>
+          </a:xfrm>
+          <a:prstGeom prst="rect">
+            <a:avLst/>
+          </a:prstGeom>
+        </p:spPr>
+      </p:pic>
+      <p:pic>
+        <p:nvPicPr>
+          <p:cNvPr id="10" name="Picture 9">
+            <a:extLst>
+              <a:ext uri="{FF2B5EF4-FFF2-40B4-BE49-F238E27FC236}">
+                <a16:creationId xmlns:a16="http://schemas.microsoft.com/office/drawing/2014/main" id="{B563C627-7880-8600-8AD7-F58126718057}"/>
+              </a:ext>
+            </a:extLst>
+          </p:cNvPr>
+          <p:cNvPicPr>
+            <a:picLocks noChangeAspect="1"/>
+          </p:cNvPicPr>
+          <p:nvPr/>
+        </p:nvPicPr>
+        <p:blipFill>
+          <a:blip r:embed="rId5"/>
+          <a:stretch>
+            <a:fillRect/>
+          </a:stretch>
+        </p:blipFill>
+        <p:spPr>
+          <a:xfrm>
+            <a:off x="5842354" y="2806690"/>
+            <a:ext cx="2562583" cy="514422"/>
+          </a:xfrm>
+          <a:prstGeom prst="rect">
+            <a:avLst/>
+          </a:prstGeom>
+        </p:spPr>
+      </p:pic>
+    </p:spTree>
+    <p:extLst>
+      <p:ext uri="{BB962C8B-B14F-4D97-AF65-F5344CB8AC3E}">
+        <p14:creationId xmlns:p14="http://schemas.microsoft.com/office/powerpoint/2010/main" val="604615586"/>
+      </p:ext>
+    </p:extLst>
+  </p:cSld>
+  <p:clrMapOvr>
+    <a:masterClrMapping/>
+  </p:clrMapOvr>
+</p:sld>
+</file>
+
+<file path=ppt/slides/slide7.xml><?xml version="1.0" encoding="utf-8"?>
 <p:sld xmlns:a="http://schemas.openxmlformats.org/drawingml/2006/main" xmlns:r="http://schemas.openxmlformats.org/officeDocument/2006/relationships" xmlns:p="http://schemas.openxmlformats.org/presentationml/2006/main">
   <p:cSld>
     <p:spTree>

--- a/20230331 EAD Update.pptx
+++ b/20230331 EAD Update.pptx
@@ -8,10 +8,9 @@
     <p:sldId id="256" r:id="rId2"/>
     <p:sldId id="257" r:id="rId3"/>
     <p:sldId id="258" r:id="rId4"/>
-    <p:sldId id="260" r:id="rId5"/>
+    <p:sldId id="263" r:id="rId5"/>
     <p:sldId id="261" r:id="rId6"/>
-    <p:sldId id="262" r:id="rId7"/>
-    <p:sldId id="259" r:id="rId8"/>
+    <p:sldId id="259" r:id="rId7"/>
   </p:sldIdLst>
   <p:sldSz cx="12192000" cy="6858000"/>
   <p:notesSz cx="6858000" cy="9144000"/>
@@ -4211,10 +4210,10 @@
       </p:sp>
       <p:grpSp>
         <p:nvGrpSpPr>
-          <p:cNvPr id="9" name="Group 8">
-            <a:extLst>
-              <a:ext uri="{FF2B5EF4-FFF2-40B4-BE49-F238E27FC236}">
-                <a16:creationId xmlns:a16="http://schemas.microsoft.com/office/drawing/2014/main" id="{EEB05CF9-AB0A-D00F-E9F7-D20CCF8661FF}"/>
+          <p:cNvPr id="13" name="Group 12">
+            <a:extLst>
+              <a:ext uri="{FF2B5EF4-FFF2-40B4-BE49-F238E27FC236}">
+                <a16:creationId xmlns:a16="http://schemas.microsoft.com/office/drawing/2014/main" id="{69017E30-7CC9-416E-A8FC-01DE4FF5086D}"/>
               </a:ext>
             </a:extLst>
           </p:cNvPr>
@@ -4223,18 +4222,18 @@
         </p:nvGrpSpPr>
         <p:grpSpPr>
           <a:xfrm>
-            <a:off x="2236266" y="1148362"/>
-            <a:ext cx="7719467" cy="2427796"/>
-            <a:chOff x="1366305" y="1233028"/>
-            <a:chExt cx="7719467" cy="2427796"/>
+            <a:off x="2313915" y="1368495"/>
+            <a:ext cx="7564170" cy="2471257"/>
+            <a:chOff x="2391563" y="1148362"/>
+            <a:chExt cx="7564170" cy="2471257"/>
           </a:xfrm>
         </p:grpSpPr>
         <p:pic>
           <p:nvPicPr>
-            <p:cNvPr id="2" name="Picture 2">
+            <p:cNvPr id="12" name="Picture 14">
               <a:extLst>
                 <a:ext uri="{FF2B5EF4-FFF2-40B4-BE49-F238E27FC236}">
-                  <a16:creationId xmlns:a16="http://schemas.microsoft.com/office/drawing/2014/main" id="{9E13C85D-0ABE-8FEA-B289-467302B5379F}"/>
+                  <a16:creationId xmlns:a16="http://schemas.microsoft.com/office/drawing/2014/main" id="{01F11470-84F9-7B3E-60C7-CAAF02170FC0}"/>
                 </a:ext>
               </a:extLst>
             </p:cNvPr>
@@ -4243,7 +4242,7 @@
             </p:cNvPicPr>
             <p:nvPr/>
           </p:nvPicPr>
-          <p:blipFill rotWithShape="1">
+          <p:blipFill>
             <a:blip r:embed="rId2">
               <a:extLst>
                 <a:ext uri="{28A0092B-C50C-407E-A947-70E740481C1C}">
@@ -4251,13 +4250,15 @@
                 </a:ext>
               </a:extLst>
             </a:blip>
-            <a:srcRect r="21929" b="10418"/>
-            <a:stretch/>
+            <a:srcRect/>
+            <a:stretch>
+              <a:fillRect/>
+            </a:stretch>
           </p:blipFill>
           <p:spPr bwMode="auto">
             <a:xfrm>
-              <a:off x="1366305" y="1439334"/>
-              <a:ext cx="2718591" cy="2221490"/>
+              <a:off x="2391563" y="1311206"/>
+              <a:ext cx="2567301" cy="2308413"/>
             </a:xfrm>
             <a:prstGeom prst="rect">
               <a:avLst/>
@@ -4303,7 +4304,7 @@
           </p:blipFill>
           <p:spPr bwMode="auto">
             <a:xfrm>
-              <a:off x="6600285" y="1425974"/>
+              <a:off x="7470246" y="1341308"/>
               <a:ext cx="2485487" cy="2234850"/>
             </a:xfrm>
             <a:prstGeom prst="rect">
@@ -4348,7 +4349,7 @@
           </p:blipFill>
           <p:spPr bwMode="auto">
             <a:xfrm>
-              <a:off x="4114799" y="1439334"/>
+              <a:off x="4984760" y="1354668"/>
               <a:ext cx="2485486" cy="2221490"/>
             </a:xfrm>
             <a:prstGeom prst="rect">
@@ -4380,7 +4381,7 @@
           </p:nvSpPr>
           <p:spPr>
             <a:xfrm>
-              <a:off x="1784609" y="1233028"/>
+              <a:off x="2654570" y="1148362"/>
               <a:ext cx="7145867" cy="372533"/>
             </a:xfrm>
             <a:prstGeom prst="rect">
@@ -4506,7 +4507,7 @@
         </p:nvSpPr>
         <p:spPr>
           <a:xfrm>
-            <a:off x="917570" y="3933938"/>
+            <a:off x="848389" y="4289176"/>
             <a:ext cx="9530297" cy="1200329"/>
           </a:xfrm>
           <a:prstGeom prst="rect">
@@ -4526,7 +4527,7 @@
             </a:pPr>
             <a:r>
               <a:rPr lang="en-US" dirty="0"/>
-              <a:t>Even with many curves that look good for the pure cases, the height profiles are consistently very non-linear with respect to L composition (from top to bottom)</a:t>
+              <a:t>Even with many curves that look good for the pure cases, the height profiles are consistently very non-linear with respect to L composition (from top to bottom), especially from 0% L to 30% L</a:t>
             </a:r>
           </a:p>
           <a:p>
@@ -4583,7 +4584,7 @@
           <p:cNvPr id="3" name="Title 1">
             <a:extLst>
               <a:ext uri="{FF2B5EF4-FFF2-40B4-BE49-F238E27FC236}">
-                <a16:creationId xmlns:a16="http://schemas.microsoft.com/office/drawing/2014/main" id="{D21419CD-FE78-82D1-E555-B40688D39463}"/>
+                <a16:creationId xmlns:a16="http://schemas.microsoft.com/office/drawing/2014/main" id="{01FB2492-4484-D297-3826-2D1EDA9F74CA}"/>
               </a:ext>
             </a:extLst>
           </p:cNvPr>
@@ -4596,8 +4597,8 @@
         </p:nvSpPr>
         <p:spPr>
           <a:xfrm>
-            <a:off x="392637" y="302621"/>
-            <a:ext cx="11361213" cy="694267"/>
+            <a:off x="392638" y="302621"/>
+            <a:ext cx="10515600" cy="694267"/>
           </a:xfrm>
         </p:spPr>
         <p:txBody>
@@ -4607,732 +4608,248 @@
           <a:lstStyle/>
           <a:p>
             <a:r>
-              <a:rPr lang="en-US" sz="3600" dirty="0"/>
-              <a:t>If height profiles are linear with L, shouldn’t V_L = V_H?</a:t>
-            </a:r>
-          </a:p>
-        </p:txBody>
-      </p:sp>
-      <p:grpSp>
-        <p:nvGrpSpPr>
-          <p:cNvPr id="2" name="Group 1">
-            <a:extLst>
-              <a:ext uri="{FF2B5EF4-FFF2-40B4-BE49-F238E27FC236}">
-                <a16:creationId xmlns:a16="http://schemas.microsoft.com/office/drawing/2014/main" id="{51FF9000-7128-76A2-57DC-46CB7D9FE314}"/>
-              </a:ext>
-            </a:extLst>
-          </p:cNvPr>
-          <p:cNvGrpSpPr/>
-          <p:nvPr/>
-        </p:nvGrpSpPr>
-        <p:grpSpPr>
-          <a:xfrm>
-            <a:off x="2042260" y="2169747"/>
-            <a:ext cx="4637942" cy="1096568"/>
-            <a:chOff x="3089231" y="783157"/>
-            <a:chExt cx="5535658" cy="1308818"/>
-          </a:xfrm>
-        </p:grpSpPr>
-        <p:pic>
-          <p:nvPicPr>
-            <p:cNvPr id="4" name="Picture 3">
-              <a:extLst>
-                <a:ext uri="{FF2B5EF4-FFF2-40B4-BE49-F238E27FC236}">
-                  <a16:creationId xmlns:a16="http://schemas.microsoft.com/office/drawing/2014/main" id="{7161BA0A-E90F-2ECE-F0DB-3AD59ABEF16A}"/>
-                </a:ext>
-              </a:extLst>
-            </p:cNvPr>
-            <p:cNvPicPr>
-              <a:picLocks noChangeAspect="1"/>
-            </p:cNvPicPr>
-            <p:nvPr/>
-          </p:nvPicPr>
-          <p:blipFill>
-            <a:blip r:embed="rId2"/>
-            <a:stretch>
-              <a:fillRect/>
-            </a:stretch>
-          </p:blipFill>
-          <p:spPr>
-            <a:xfrm>
-              <a:off x="3957637" y="1354595"/>
-              <a:ext cx="1741376" cy="261861"/>
-            </a:xfrm>
-            <a:prstGeom prst="rect">
-              <a:avLst/>
-            </a:prstGeom>
-          </p:spPr>
-        </p:pic>
-        <p:pic>
-          <p:nvPicPr>
-            <p:cNvPr id="5" name="Picture 4">
-              <a:extLst>
-                <a:ext uri="{FF2B5EF4-FFF2-40B4-BE49-F238E27FC236}">
-                  <a16:creationId xmlns:a16="http://schemas.microsoft.com/office/drawing/2014/main" id="{16A88264-BDBA-C002-1A90-ED11A2D9B668}"/>
-                </a:ext>
-              </a:extLst>
-            </p:cNvPr>
-            <p:cNvPicPr>
-              <a:picLocks noChangeAspect="1"/>
-            </p:cNvPicPr>
-            <p:nvPr/>
-          </p:nvPicPr>
-          <p:blipFill>
-            <a:blip r:embed="rId3"/>
-            <a:stretch>
-              <a:fillRect/>
-            </a:stretch>
-          </p:blipFill>
-          <p:spPr>
-            <a:xfrm>
-              <a:off x="3752851" y="1781754"/>
-              <a:ext cx="4872038" cy="291905"/>
-            </a:xfrm>
-            <a:prstGeom prst="rect">
-              <a:avLst/>
-            </a:prstGeom>
-          </p:spPr>
-        </p:pic>
-        <p:sp>
-          <p:nvSpPr>
-            <p:cNvPr id="6" name="TextBox 5">
-              <a:extLst>
-                <a:ext uri="{FF2B5EF4-FFF2-40B4-BE49-F238E27FC236}">
-                  <a16:creationId xmlns:a16="http://schemas.microsoft.com/office/drawing/2014/main" id="{B27ED818-BE4D-12EB-23D8-0F35DFBDBED0}"/>
-                </a:ext>
-              </a:extLst>
-            </p:cNvPr>
-            <p:cNvSpPr txBox="1"/>
-            <p:nvPr/>
-          </p:nvSpPr>
-          <p:spPr>
-            <a:xfrm>
-              <a:off x="3089231" y="783157"/>
-              <a:ext cx="2686050" cy="405986"/>
-            </a:xfrm>
-            <a:prstGeom prst="rect">
-              <a:avLst/>
-            </a:prstGeom>
-            <a:noFill/>
-          </p:spPr>
-          <p:txBody>
-            <a:bodyPr wrap="square" rtlCol="0">
-              <a:spAutoFit/>
-            </a:bodyPr>
-            <a:lstStyle/>
-            <a:p>
-              <a:r>
-                <a:rPr lang="en-US" dirty="0"/>
-                <a:t>For </a:t>
-              </a:r>
-              <a:r>
-                <a:rPr lang="en-US" i="1" dirty="0" err="1"/>
-                <a:t>i</a:t>
-              </a:r>
-              <a:r>
-                <a:rPr lang="en-US" i="1" dirty="0"/>
-                <a:t> </a:t>
-              </a:r>
-              <a:r>
-                <a:rPr lang="en-US" dirty="0"/>
-                <a:t>as </a:t>
-              </a:r>
-              <a:r>
-                <a:rPr lang="en-US" b="1" dirty="0">
-                  <a:solidFill>
-                    <a:schemeClr val="accent1"/>
-                  </a:solidFill>
-                </a:rPr>
-                <a:t>L</a:t>
-              </a:r>
-              <a:r>
-                <a:rPr lang="en-US" dirty="0"/>
-                <a:t> or </a:t>
-              </a:r>
-              <a:r>
-                <a:rPr lang="en-US" b="1" dirty="0">
-                  <a:solidFill>
-                    <a:schemeClr val="accent1"/>
-                  </a:solidFill>
-                </a:rPr>
-                <a:t>H,</a:t>
-              </a:r>
-              <a:r>
-                <a:rPr lang="en-US" dirty="0"/>
-                <a:t> </a:t>
-              </a:r>
-            </a:p>
-          </p:txBody>
-        </p:sp>
-        <p:sp>
-          <p:nvSpPr>
-            <p:cNvPr id="7" name="Rectangle 6">
-              <a:extLst>
-                <a:ext uri="{FF2B5EF4-FFF2-40B4-BE49-F238E27FC236}">
-                  <a16:creationId xmlns:a16="http://schemas.microsoft.com/office/drawing/2014/main" id="{BFE7DC67-04D8-6D03-8215-50F90615A356}"/>
-                </a:ext>
-              </a:extLst>
-            </p:cNvPr>
-            <p:cNvSpPr/>
-            <p:nvPr/>
-          </p:nvSpPr>
-          <p:spPr>
-            <a:xfrm>
-              <a:off x="5220543" y="1341006"/>
-              <a:ext cx="549908" cy="317302"/>
-            </a:xfrm>
-            <a:prstGeom prst="rect">
-              <a:avLst/>
-            </a:prstGeom>
-            <a:noFill/>
-            <a:ln w="28575">
-              <a:solidFill>
-                <a:srgbClr val="C00000"/>
-              </a:solidFill>
-            </a:ln>
-          </p:spPr>
-          <p:style>
-            <a:lnRef idx="2">
-              <a:schemeClr val="accent1">
-                <a:shade val="50000"/>
-              </a:schemeClr>
-            </a:lnRef>
-            <a:fillRef idx="1">
-              <a:schemeClr val="accent1"/>
-            </a:fillRef>
-            <a:effectRef idx="0">
-              <a:schemeClr val="accent1"/>
-            </a:effectRef>
-            <a:fontRef idx="minor">
-              <a:schemeClr val="lt1"/>
-            </a:fontRef>
-          </p:style>
-          <p:txBody>
-            <a:bodyPr rtlCol="0" anchor="ctr"/>
-            <a:lstStyle/>
-            <a:p>
-              <a:pPr algn="ctr"/>
-              <a:endParaRPr lang="en-US"/>
-            </a:p>
-          </p:txBody>
-        </p:sp>
-        <p:sp>
-          <p:nvSpPr>
-            <p:cNvPr id="8" name="Rectangle 7">
-              <a:extLst>
-                <a:ext uri="{FF2B5EF4-FFF2-40B4-BE49-F238E27FC236}">
-                  <a16:creationId xmlns:a16="http://schemas.microsoft.com/office/drawing/2014/main" id="{2BA219EC-6AE7-B2D2-414B-85E7331CF06F}"/>
-                </a:ext>
-              </a:extLst>
-            </p:cNvPr>
-            <p:cNvSpPr/>
-            <p:nvPr/>
-          </p:nvSpPr>
-          <p:spPr>
-            <a:xfrm>
-              <a:off x="7294424" y="1722644"/>
-              <a:ext cx="327660" cy="369331"/>
-            </a:xfrm>
-            <a:prstGeom prst="rect">
-              <a:avLst/>
-            </a:prstGeom>
-            <a:noFill/>
-            <a:ln w="28575">
-              <a:solidFill>
-                <a:srgbClr val="C00000"/>
-              </a:solidFill>
-            </a:ln>
-          </p:spPr>
-          <p:style>
-            <a:lnRef idx="2">
-              <a:schemeClr val="accent1">
-                <a:shade val="50000"/>
-              </a:schemeClr>
-            </a:lnRef>
-            <a:fillRef idx="1">
-              <a:schemeClr val="accent1"/>
-            </a:fillRef>
-            <a:effectRef idx="0">
-              <a:schemeClr val="accent1"/>
-            </a:effectRef>
-            <a:fontRef idx="minor">
-              <a:schemeClr val="lt1"/>
-            </a:fontRef>
-          </p:style>
-          <p:txBody>
-            <a:bodyPr rtlCol="0" anchor="ctr"/>
-            <a:lstStyle/>
-            <a:p>
-              <a:pPr algn="ctr"/>
-              <a:endParaRPr lang="en-US"/>
-            </a:p>
-          </p:txBody>
-        </p:sp>
-        <p:sp>
-          <p:nvSpPr>
-            <p:cNvPr id="12" name="Rectangle 11">
-              <a:extLst>
-                <a:ext uri="{FF2B5EF4-FFF2-40B4-BE49-F238E27FC236}">
-                  <a16:creationId xmlns:a16="http://schemas.microsoft.com/office/drawing/2014/main" id="{87BCDDCC-0B0E-4550-02D1-EFA86D9E1AB4}"/>
-                </a:ext>
-              </a:extLst>
-            </p:cNvPr>
-            <p:cNvSpPr/>
-            <p:nvPr/>
-          </p:nvSpPr>
-          <p:spPr>
-            <a:xfrm>
-              <a:off x="3886199" y="1298560"/>
-              <a:ext cx="333872" cy="317302"/>
-            </a:xfrm>
-            <a:prstGeom prst="rect">
-              <a:avLst/>
-            </a:prstGeom>
-            <a:noFill/>
-            <a:ln w="28575">
-              <a:solidFill>
-                <a:srgbClr val="0070C0"/>
-              </a:solidFill>
-            </a:ln>
-          </p:spPr>
-          <p:style>
-            <a:lnRef idx="2">
-              <a:schemeClr val="accent1">
-                <a:shade val="50000"/>
-              </a:schemeClr>
-            </a:lnRef>
-            <a:fillRef idx="1">
-              <a:schemeClr val="accent1"/>
-            </a:fillRef>
-            <a:effectRef idx="0">
-              <a:schemeClr val="accent1"/>
-            </a:effectRef>
-            <a:fontRef idx="minor">
-              <a:schemeClr val="lt1"/>
-            </a:fontRef>
-          </p:style>
-          <p:txBody>
-            <a:bodyPr rtlCol="0" anchor="ctr"/>
-            <a:lstStyle/>
-            <a:p>
-              <a:pPr algn="ctr"/>
-              <a:endParaRPr lang="en-US"/>
-            </a:p>
-          </p:txBody>
-        </p:sp>
-      </p:grpSp>
-      <p:sp>
-        <p:nvSpPr>
-          <p:cNvPr id="15" name="TextBox 14">
-            <a:extLst>
-              <a:ext uri="{FF2B5EF4-FFF2-40B4-BE49-F238E27FC236}">
-                <a16:creationId xmlns:a16="http://schemas.microsoft.com/office/drawing/2014/main" id="{7878486A-66B4-CDB7-21D2-7958320F226A}"/>
-              </a:ext>
-            </a:extLst>
-          </p:cNvPr>
-          <p:cNvSpPr txBox="1"/>
+              <a:rPr lang="en-US" sz="3200" dirty="0"/>
+              <a:t>Height can be tuned using NFL parameters, but only so much</a:t>
+            </a:r>
+          </a:p>
+        </p:txBody>
+      </p:sp>
+      <p:sp>
+        <p:nvSpPr>
+          <p:cNvPr id="8" name="Arrow: Right 7">
+            <a:extLst>
+              <a:ext uri="{FF2B5EF4-FFF2-40B4-BE49-F238E27FC236}">
+                <a16:creationId xmlns:a16="http://schemas.microsoft.com/office/drawing/2014/main" id="{47D13B66-629C-83AB-667E-9E7C7CB85E08}"/>
+              </a:ext>
+            </a:extLst>
+          </p:cNvPr>
+          <p:cNvSpPr/>
           <p:nvPr/>
         </p:nvSpPr>
         <p:spPr>
           <a:xfrm>
-            <a:off x="1156185" y="1083733"/>
-            <a:ext cx="10375414" cy="923330"/>
+            <a:off x="5537183" y="3321564"/>
+            <a:ext cx="782150" cy="347134"/>
+          </a:xfrm>
+          <a:prstGeom prst="rightArrow">
+            <a:avLst/>
+          </a:prstGeom>
+        </p:spPr>
+        <p:style>
+          <a:lnRef idx="2">
+            <a:schemeClr val="accent1">
+              <a:shade val="50000"/>
+            </a:schemeClr>
+          </a:lnRef>
+          <a:fillRef idx="1">
+            <a:schemeClr val="accent1"/>
+          </a:fillRef>
+          <a:effectRef idx="0">
+            <a:schemeClr val="accent1"/>
+          </a:effectRef>
+          <a:fontRef idx="minor">
+            <a:schemeClr val="lt1"/>
+          </a:fontRef>
+        </p:style>
+        <p:txBody>
+          <a:bodyPr rtlCol="0" anchor="ctr"/>
+          <a:lstStyle/>
+          <a:p>
+            <a:pPr algn="ctr"/>
+            <a:endParaRPr lang="en-US"/>
+          </a:p>
+        </p:txBody>
+      </p:sp>
+      <p:pic>
+        <p:nvPicPr>
+          <p:cNvPr id="5" name="Picture 12">
+            <a:extLst>
+              <a:ext uri="{FF2B5EF4-FFF2-40B4-BE49-F238E27FC236}">
+                <a16:creationId xmlns:a16="http://schemas.microsoft.com/office/drawing/2014/main" id="{94032052-39E3-4B32-7509-F3CA16C27922}"/>
+              </a:ext>
+            </a:extLst>
+          </p:cNvPr>
+          <p:cNvPicPr>
+            <a:picLocks noChangeAspect="1" noChangeArrowheads="1"/>
+          </p:cNvPicPr>
+          <p:nvPr/>
+        </p:nvPicPr>
+        <p:blipFill>
+          <a:blip r:embed="rId2">
+            <a:extLst>
+              <a:ext uri="{28A0092B-C50C-407E-A947-70E740481C1C}">
+                <a14:useLocalDpi xmlns:a14="http://schemas.microsoft.com/office/drawing/2010/main" val="0"/>
+              </a:ext>
+            </a:extLst>
+          </a:blip>
+          <a:srcRect/>
+          <a:stretch>
+            <a:fillRect/>
+          </a:stretch>
+        </p:blipFill>
+        <p:spPr bwMode="auto">
+          <a:xfrm>
+            <a:off x="2119853" y="3495131"/>
+            <a:ext cx="2963332" cy="2664509"/>
           </a:xfrm>
           <a:prstGeom prst="rect">
             <a:avLst/>
           </a:prstGeom>
           <a:noFill/>
+          <a:extLst>
+            <a:ext uri="{909E8E84-426E-40DD-AFC4-6F175D3DCCD1}">
+              <a14:hiddenFill xmlns:a14="http://schemas.microsoft.com/office/drawing/2010/main">
+                <a:solidFill>
+                  <a:srgbClr val="FFFFFF"/>
+                </a:solidFill>
+              </a14:hiddenFill>
+            </a:ext>
+          </a:extLst>
         </p:spPr>
-        <p:txBody>
-          <a:bodyPr wrap="square" rtlCol="0">
-            <a:spAutoFit/>
-          </a:bodyPr>
-          <a:lstStyle/>
-          <a:p>
-            <a:pPr marL="285750" indent="-285750">
-              <a:buFont typeface="Arial" panose="020B0604020202020204" pitchFamily="34" charset="0"/>
-              <a:buChar char="•"/>
-            </a:pPr>
-            <a:r>
-              <a:rPr lang="en-US" dirty="0"/>
-              <a:t>i.e., Replacing a charged L chain with an equal volume of neutral H chain</a:t>
-            </a:r>
-          </a:p>
-          <a:p>
-            <a:pPr marL="285750" indent="-285750">
-              <a:buFont typeface="Arial" panose="020B0604020202020204" pitchFamily="34" charset="0"/>
-              <a:buChar char="•"/>
-            </a:pPr>
-            <a:r>
-              <a:rPr lang="en-US" dirty="0"/>
-              <a:t>Can control NFL and NFH volume with both the number of Kuhn monomers N_K and the volume of Kuhn monomers \</a:t>
-            </a:r>
-            <a:r>
-              <a:rPr lang="en-US" dirty="0" err="1"/>
-              <a:t>nu_K</a:t>
-            </a:r>
-            <a:r>
-              <a:rPr lang="en-US" dirty="0"/>
-              <a:t>:</a:t>
-            </a:r>
-          </a:p>
-        </p:txBody>
-      </p:sp>
-      <p:sp>
-        <p:nvSpPr>
-          <p:cNvPr id="16" name="TextBox 15">
-            <a:extLst>
-              <a:ext uri="{FF2B5EF4-FFF2-40B4-BE49-F238E27FC236}">
-                <a16:creationId xmlns:a16="http://schemas.microsoft.com/office/drawing/2014/main" id="{B63E894C-125A-F9F9-DAB9-24EFD95066A0}"/>
-              </a:ext>
-            </a:extLst>
-          </p:cNvPr>
-          <p:cNvSpPr txBox="1"/>
+      </p:pic>
+      <p:pic>
+        <p:nvPicPr>
+          <p:cNvPr id="10" name="Picture 14">
+            <a:extLst>
+              <a:ext uri="{FF2B5EF4-FFF2-40B4-BE49-F238E27FC236}">
+                <a16:creationId xmlns:a16="http://schemas.microsoft.com/office/drawing/2014/main" id="{57E1265D-AF41-3A2C-278D-28E062CD9576}"/>
+              </a:ext>
+            </a:extLst>
+          </p:cNvPr>
+          <p:cNvPicPr>
+            <a:picLocks noChangeAspect="1" noChangeArrowheads="1"/>
+          </p:cNvPicPr>
           <p:nvPr/>
-        </p:nvSpPr>
-        <p:spPr>
+        </p:nvPicPr>
+        <p:blipFill>
+          <a:blip r:embed="rId3">
+            <a:extLst>
+              <a:ext uri="{28A0092B-C50C-407E-A947-70E740481C1C}">
+                <a14:useLocalDpi xmlns:a14="http://schemas.microsoft.com/office/drawing/2010/main" val="0"/>
+              </a:ext>
+            </a:extLst>
+          </a:blip>
+          <a:srcRect/>
+          <a:stretch>
+            <a:fillRect/>
+          </a:stretch>
+        </p:blipFill>
+        <p:spPr bwMode="auto">
           <a:xfrm>
-            <a:off x="1156184" y="3429000"/>
-            <a:ext cx="10375415" cy="646331"/>
+            <a:off x="2119853" y="1075255"/>
+            <a:ext cx="2963332" cy="2664508"/>
           </a:xfrm>
           <a:prstGeom prst="rect">
             <a:avLst/>
           </a:prstGeom>
           <a:noFill/>
+          <a:extLst>
+            <a:ext uri="{909E8E84-426E-40DD-AFC4-6F175D3DCCD1}">
+              <a14:hiddenFill xmlns:a14="http://schemas.microsoft.com/office/drawing/2010/main">
+                <a:solidFill>
+                  <a:srgbClr val="FFFFFF"/>
+                </a:solidFill>
+              </a14:hiddenFill>
+            </a:ext>
+          </a:extLst>
         </p:spPr>
-        <p:txBody>
-          <a:bodyPr wrap="square" rtlCol="0">
-            <a:spAutoFit/>
-          </a:bodyPr>
-          <a:lstStyle/>
-          <a:p>
-            <a:pPr marL="285750" indent="-285750">
-              <a:buFont typeface="Arial" panose="020B0604020202020204" pitchFamily="34" charset="0"/>
-              <a:buChar char="•"/>
-            </a:pPr>
-            <a:r>
-              <a:rPr lang="en-US" dirty="0"/>
-              <a:t>If the height is controlled only by volume of charge, results should be similar regardless which parameter is changed </a:t>
-            </a:r>
-          </a:p>
-        </p:txBody>
-      </p:sp>
-      <p:grpSp>
-        <p:nvGrpSpPr>
-          <p:cNvPr id="23" name="Group 22">
-            <a:extLst>
-              <a:ext uri="{FF2B5EF4-FFF2-40B4-BE49-F238E27FC236}">
-                <a16:creationId xmlns:a16="http://schemas.microsoft.com/office/drawing/2014/main" id="{7B54190C-623A-8AB3-C12C-D102B5E569D5}"/>
-              </a:ext>
-            </a:extLst>
-          </p:cNvPr>
-          <p:cNvGrpSpPr/>
+      </p:pic>
+      <p:pic>
+        <p:nvPicPr>
+          <p:cNvPr id="11" name="Picture 2">
+            <a:extLst>
+              <a:ext uri="{FF2B5EF4-FFF2-40B4-BE49-F238E27FC236}">
+                <a16:creationId xmlns:a16="http://schemas.microsoft.com/office/drawing/2014/main" id="{99AAA342-1682-29C1-EC82-1B44BA0E2B4B}"/>
+              </a:ext>
+            </a:extLst>
+          </p:cNvPr>
+          <p:cNvPicPr>
+            <a:picLocks noChangeAspect="1" noChangeArrowheads="1"/>
+          </p:cNvPicPr>
           <p:nvPr/>
-        </p:nvGrpSpPr>
-        <p:grpSpPr>
+        </p:nvPicPr>
+        <p:blipFill>
+          <a:blip r:embed="rId4">
+            <a:extLst>
+              <a:ext uri="{28A0092B-C50C-407E-A947-70E740481C1C}">
+                <a14:useLocalDpi xmlns:a14="http://schemas.microsoft.com/office/drawing/2010/main" val="0"/>
+              </a:ext>
+            </a:extLst>
+          </a:blip>
+          <a:srcRect/>
+          <a:stretch>
+            <a:fillRect/>
+          </a:stretch>
+        </p:blipFill>
+        <p:spPr bwMode="auto">
           <a:xfrm>
-            <a:off x="1443243" y="4219742"/>
-            <a:ext cx="4546347" cy="2348591"/>
-            <a:chOff x="3532584" y="4174290"/>
-            <a:chExt cx="4546347" cy="2348591"/>
-          </a:xfrm>
-        </p:grpSpPr>
-        <p:pic>
-          <p:nvPicPr>
-            <p:cNvPr id="17" name="Picture 4">
-              <a:extLst>
-                <a:ext uri="{FF2B5EF4-FFF2-40B4-BE49-F238E27FC236}">
-                  <a16:creationId xmlns:a16="http://schemas.microsoft.com/office/drawing/2014/main" id="{ABCE74DC-A1B0-B273-6208-5DA1ECFEC040}"/>
-                </a:ext>
-              </a:extLst>
-            </p:cNvPr>
-            <p:cNvPicPr>
-              <a:picLocks noChangeAspect="1" noChangeArrowheads="1"/>
-            </p:cNvPicPr>
-            <p:nvPr/>
-          </p:nvPicPr>
-          <p:blipFill>
-            <a:blip r:embed="rId4">
-              <a:extLst>
-                <a:ext uri="{28A0092B-C50C-407E-A947-70E740481C1C}">
-                  <a14:useLocalDpi xmlns:a14="http://schemas.microsoft.com/office/drawing/2010/main" val="0"/>
-                </a:ext>
-              </a:extLst>
-            </a:blip>
-            <a:srcRect/>
-            <a:stretch>
-              <a:fillRect/>
-            </a:stretch>
-          </p:blipFill>
-          <p:spPr bwMode="auto">
-            <a:xfrm>
-              <a:off x="5694292" y="4313855"/>
-              <a:ext cx="2384639" cy="2209026"/>
-            </a:xfrm>
-            <a:prstGeom prst="rect">
-              <a:avLst/>
-            </a:prstGeom>
-            <a:noFill/>
-            <a:extLst>
-              <a:ext uri="{909E8E84-426E-40DD-AFC4-6F175D3DCCD1}">
-                <a14:hiddenFill xmlns:a14="http://schemas.microsoft.com/office/drawing/2010/main">
-                  <a:solidFill>
-                    <a:srgbClr val="FFFFFF"/>
-                  </a:solidFill>
-                </a14:hiddenFill>
-              </a:ext>
-            </a:extLst>
-          </p:spPr>
-        </p:pic>
-        <p:pic>
-          <p:nvPicPr>
-            <p:cNvPr id="18" name="Picture 2">
-              <a:extLst>
-                <a:ext uri="{FF2B5EF4-FFF2-40B4-BE49-F238E27FC236}">
-                  <a16:creationId xmlns:a16="http://schemas.microsoft.com/office/drawing/2014/main" id="{2B1F89DF-57AC-5465-DC9F-112C5D616F93}"/>
-                </a:ext>
-              </a:extLst>
-            </p:cNvPr>
-            <p:cNvPicPr>
-              <a:picLocks noChangeAspect="1" noChangeArrowheads="1"/>
-            </p:cNvPicPr>
-            <p:nvPr/>
-          </p:nvPicPr>
-          <p:blipFill>
-            <a:blip r:embed="rId5">
-              <a:extLst>
-                <a:ext uri="{28A0092B-C50C-407E-A947-70E740481C1C}">
-                  <a14:useLocalDpi xmlns:a14="http://schemas.microsoft.com/office/drawing/2010/main" val="0"/>
-                </a:ext>
-              </a:extLst>
-            </a:blip>
-            <a:srcRect/>
-            <a:stretch>
-              <a:fillRect/>
-            </a:stretch>
-          </p:blipFill>
-          <p:spPr bwMode="auto">
-            <a:xfrm>
-              <a:off x="3532584" y="4313855"/>
-              <a:ext cx="2384639" cy="2209026"/>
-            </a:xfrm>
-            <a:prstGeom prst="rect">
-              <a:avLst/>
-            </a:prstGeom>
-            <a:noFill/>
-            <a:extLst>
-              <a:ext uri="{909E8E84-426E-40DD-AFC4-6F175D3DCCD1}">
-                <a14:hiddenFill xmlns:a14="http://schemas.microsoft.com/office/drawing/2010/main">
-                  <a:solidFill>
-                    <a:srgbClr val="FFFFFF"/>
-                  </a:solidFill>
-                </a14:hiddenFill>
-              </a:ext>
-            </a:extLst>
-          </p:spPr>
-        </p:pic>
-        <p:sp>
-          <p:nvSpPr>
-            <p:cNvPr id="21" name="Rectangle 20">
-              <a:extLst>
-                <a:ext uri="{FF2B5EF4-FFF2-40B4-BE49-F238E27FC236}">
-                  <a16:creationId xmlns:a16="http://schemas.microsoft.com/office/drawing/2014/main" id="{C0B53179-1D93-FEA9-803D-BD823F18B075}"/>
-                </a:ext>
-              </a:extLst>
-            </p:cNvPr>
-            <p:cNvSpPr/>
-            <p:nvPr/>
-          </p:nvSpPr>
-          <p:spPr>
-            <a:xfrm>
-              <a:off x="4029009" y="4176191"/>
-              <a:ext cx="1700978" cy="312998"/>
-            </a:xfrm>
-            <a:prstGeom prst="rect">
-              <a:avLst/>
-            </a:prstGeom>
-            <a:solidFill>
-              <a:schemeClr val="bg1"/>
-            </a:solidFill>
-            <a:ln>
-              <a:solidFill>
-                <a:schemeClr val="bg1"/>
-              </a:solidFill>
-            </a:ln>
-          </p:spPr>
-          <p:style>
-            <a:lnRef idx="2">
-              <a:schemeClr val="accent1">
-                <a:shade val="50000"/>
-              </a:schemeClr>
-            </a:lnRef>
-            <a:fillRef idx="1">
-              <a:schemeClr val="accent1"/>
-            </a:fillRef>
-            <a:effectRef idx="0">
-              <a:schemeClr val="accent1"/>
-            </a:effectRef>
-            <a:fontRef idx="minor">
-              <a:schemeClr val="lt1"/>
-            </a:fontRef>
-          </p:style>
-          <p:txBody>
-            <a:bodyPr rtlCol="0" anchor="ctr"/>
-            <a:lstStyle/>
-            <a:p>
-              <a:pPr algn="ctr"/>
-              <a:r>
-                <a:rPr lang="en-US" dirty="0">
-                  <a:solidFill>
-                    <a:schemeClr val="tx1"/>
-                  </a:solidFill>
-                </a:rPr>
-                <a:t>Changing </a:t>
-              </a:r>
-              <a:r>
-                <a:rPr lang="en-US" dirty="0" err="1">
-                  <a:solidFill>
-                    <a:schemeClr val="tx1"/>
-                  </a:solidFill>
-                </a:rPr>
-                <a:t>b_L</a:t>
-              </a:r>
-              <a:endParaRPr lang="en-US" dirty="0">
-                <a:solidFill>
-                  <a:schemeClr val="tx1"/>
-                </a:solidFill>
-              </a:endParaRPr>
-            </a:p>
-          </p:txBody>
-        </p:sp>
-        <p:sp>
-          <p:nvSpPr>
-            <p:cNvPr id="22" name="Rectangle 21">
-              <a:extLst>
-                <a:ext uri="{FF2B5EF4-FFF2-40B4-BE49-F238E27FC236}">
-                  <a16:creationId xmlns:a16="http://schemas.microsoft.com/office/drawing/2014/main" id="{674BA1DA-FE9A-D0D3-D99B-1B243C7D977A}"/>
-                </a:ext>
-              </a:extLst>
-            </p:cNvPr>
-            <p:cNvSpPr/>
-            <p:nvPr/>
-          </p:nvSpPr>
-          <p:spPr>
-            <a:xfrm>
-              <a:off x="6194218" y="4174290"/>
-              <a:ext cx="1700978" cy="312998"/>
-            </a:xfrm>
-            <a:prstGeom prst="rect">
-              <a:avLst/>
-            </a:prstGeom>
-            <a:solidFill>
-              <a:schemeClr val="bg1"/>
-            </a:solidFill>
-            <a:ln>
-              <a:solidFill>
-                <a:schemeClr val="bg1"/>
-              </a:solidFill>
-            </a:ln>
-          </p:spPr>
-          <p:style>
-            <a:lnRef idx="2">
-              <a:schemeClr val="accent1">
-                <a:shade val="50000"/>
-              </a:schemeClr>
-            </a:lnRef>
-            <a:fillRef idx="1">
-              <a:schemeClr val="accent1"/>
-            </a:fillRef>
-            <a:effectRef idx="0">
-              <a:schemeClr val="accent1"/>
-            </a:effectRef>
-            <a:fontRef idx="minor">
-              <a:schemeClr val="lt1"/>
-            </a:fontRef>
-          </p:style>
-          <p:txBody>
-            <a:bodyPr rtlCol="0" anchor="ctr"/>
-            <a:lstStyle/>
-            <a:p>
-              <a:pPr algn="ctr"/>
-              <a:r>
-                <a:rPr lang="en-US" dirty="0">
-                  <a:solidFill>
-                    <a:schemeClr val="tx1"/>
-                  </a:solidFill>
-                </a:rPr>
-                <a:t>Changing \</a:t>
-              </a:r>
-              <a:r>
-                <a:rPr lang="en-US" dirty="0" err="1">
-                  <a:solidFill>
-                    <a:schemeClr val="tx1"/>
-                  </a:solidFill>
-                </a:rPr>
-                <a:t>nu_L</a:t>
-              </a:r>
-              <a:endParaRPr lang="en-US" dirty="0">
-                <a:solidFill>
-                  <a:schemeClr val="tx1"/>
-                </a:solidFill>
-              </a:endParaRPr>
-            </a:p>
-          </p:txBody>
-        </p:sp>
-      </p:grpSp>
-      <p:sp>
-        <p:nvSpPr>
-          <p:cNvPr id="24" name="TextBox 23">
-            <a:extLst>
-              <a:ext uri="{FF2B5EF4-FFF2-40B4-BE49-F238E27FC236}">
-                <a16:creationId xmlns:a16="http://schemas.microsoft.com/office/drawing/2014/main" id="{A0EBFFE9-5F51-AF3D-2F92-DFD3AF6C8931}"/>
-              </a:ext>
-            </a:extLst>
-          </p:cNvPr>
-          <p:cNvSpPr txBox="1"/>
-          <p:nvPr/>
-        </p:nvSpPr>
-        <p:spPr>
-          <a:xfrm>
-            <a:off x="6202412" y="4850937"/>
-            <a:ext cx="5410200" cy="923330"/>
+            <a:off x="6572232" y="996888"/>
+            <a:ext cx="3164432" cy="2931392"/>
           </a:xfrm>
           <a:prstGeom prst="rect">
             <a:avLst/>
           </a:prstGeom>
           <a:noFill/>
+          <a:extLst>
+            <a:ext uri="{909E8E84-426E-40DD-AFC4-6F175D3DCCD1}">
+              <a14:hiddenFill xmlns:a14="http://schemas.microsoft.com/office/drawing/2010/main">
+                <a:solidFill>
+                  <a:srgbClr val="FFFFFF"/>
+                </a:solidFill>
+              </a14:hiddenFill>
+            </a:ext>
+          </a:extLst>
         </p:spPr>
-        <p:txBody>
-          <a:bodyPr wrap="square" rtlCol="0">
-            <a:spAutoFit/>
-          </a:bodyPr>
-          <a:lstStyle/>
-          <a:p>
-            <a:pPr marL="285750" indent="-285750">
-              <a:buFont typeface="Arial" panose="020B0604020202020204" pitchFamily="34" charset="0"/>
-              <a:buChar char="•"/>
-            </a:pPr>
-            <a:r>
-              <a:rPr lang="en-US" dirty="0"/>
-              <a:t>Still very nonlinear with L</a:t>
-            </a:r>
-          </a:p>
-          <a:p>
-            <a:pPr marL="285750" indent="-285750">
-              <a:buFont typeface="Arial" panose="020B0604020202020204" pitchFamily="34" charset="0"/>
-              <a:buChar char="•"/>
-            </a:pPr>
-            <a:r>
-              <a:rPr lang="en-US" dirty="0"/>
-              <a:t>There must be a conformational reason behind the non-linear response</a:t>
-            </a:r>
-          </a:p>
-        </p:txBody>
-      </p:sp>
+      </p:pic>
+      <p:pic>
+        <p:nvPicPr>
+          <p:cNvPr id="6" name="Picture 4">
+            <a:extLst>
+              <a:ext uri="{FF2B5EF4-FFF2-40B4-BE49-F238E27FC236}">
+                <a16:creationId xmlns:a16="http://schemas.microsoft.com/office/drawing/2014/main" id="{B93C5AF5-C35B-21FB-A751-4B44F7DC77ED}"/>
+              </a:ext>
+            </a:extLst>
+          </p:cNvPr>
+          <p:cNvPicPr>
+            <a:picLocks noChangeAspect="1" noChangeArrowheads="1"/>
+          </p:cNvPicPr>
+          <p:nvPr/>
+        </p:nvPicPr>
+        <p:blipFill rotWithShape="1">
+          <a:blip r:embed="rId5">
+            <a:extLst>
+              <a:ext uri="{28A0092B-C50C-407E-A947-70E740481C1C}">
+                <a14:useLocalDpi xmlns:a14="http://schemas.microsoft.com/office/drawing/2010/main" val="0"/>
+              </a:ext>
+            </a:extLst>
+          </a:blip>
+          <a:srcRect/>
+          <a:stretch/>
+        </p:blipFill>
+        <p:spPr bwMode="auto">
+          <a:xfrm>
+            <a:off x="6773331" y="3580478"/>
+            <a:ext cx="2963333" cy="2664508"/>
+          </a:xfrm>
+          <a:prstGeom prst="rect">
+            <a:avLst/>
+          </a:prstGeom>
+          <a:noFill/>
+          <a:extLst>
+            <a:ext uri="{909E8E84-426E-40DD-AFC4-6F175D3DCCD1}">
+              <a14:hiddenFill xmlns:a14="http://schemas.microsoft.com/office/drawing/2010/main">
+                <a:solidFill>
+                  <a:srgbClr val="FFFFFF"/>
+                </a:solidFill>
+              </a14:hiddenFill>
+            </a:ext>
+          </a:extLst>
+        </p:spPr>
+      </p:pic>
     </p:spTree>
     <p:extLst>
       <p:ext uri="{BB962C8B-B14F-4D97-AF65-F5344CB8AC3E}">
-        <p14:creationId xmlns:p14="http://schemas.microsoft.com/office/powerpoint/2010/main" val="2849428749"/>
+        <p14:creationId xmlns:p14="http://schemas.microsoft.com/office/powerpoint/2010/main" val="2898165040"/>
       </p:ext>
     </p:extLst>
   </p:cSld>
@@ -5377,7 +4894,7 @@
         </p:nvSpPr>
         <p:spPr>
           <a:xfrm>
-            <a:off x="392637" y="302621"/>
+            <a:off x="415394" y="116355"/>
             <a:ext cx="11361213" cy="694267"/>
           </a:xfrm>
         </p:spPr>
@@ -5389,15 +4906,7 @@
           <a:p>
             <a:r>
               <a:rPr lang="en-US" sz="3200" dirty="0"/>
-              <a:t>Volume fraction of the inner layer seems to saturate at \</a:t>
-            </a:r>
-            <a:r>
-              <a:rPr lang="en-US" sz="3200" dirty="0" err="1"/>
-              <a:t>approx</a:t>
-            </a:r>
-            <a:r>
-              <a:rPr lang="en-US" sz="3200" dirty="0"/>
-              <a:t> 0.80</a:t>
+              <a:t>Crowding of the inner layer expels NFL even at low mol %</a:t>
             </a:r>
           </a:p>
         </p:txBody>
@@ -5416,10 +4925,10 @@
         </p:nvGrpSpPr>
         <p:grpSpPr>
           <a:xfrm>
-            <a:off x="3064935" y="1123667"/>
-            <a:ext cx="7653864" cy="4532565"/>
+            <a:off x="2943933" y="822244"/>
+            <a:ext cx="6304130" cy="4532565"/>
             <a:chOff x="3064935" y="1123667"/>
-            <a:chExt cx="7653864" cy="4532565"/>
+            <a:chExt cx="6304130" cy="4532565"/>
           </a:xfrm>
         </p:grpSpPr>
         <p:grpSp>
@@ -6028,7 +5537,7 @@
           </p:nvCxnSpPr>
           <p:spPr>
             <a:xfrm>
-              <a:off x="3311666" y="3361103"/>
+              <a:off x="3064935" y="3388003"/>
               <a:ext cx="6304130" cy="0"/>
             </a:xfrm>
             <a:prstGeom prst="line">
@@ -6055,158 +5564,6 @@
             </a:fontRef>
           </p:style>
         </p:cxnSp>
-        <p:sp>
-          <p:nvSpPr>
-            <p:cNvPr id="30" name="Rectangle 29">
-              <a:extLst>
-                <a:ext uri="{FF2B5EF4-FFF2-40B4-BE49-F238E27FC236}">
-                  <a16:creationId xmlns:a16="http://schemas.microsoft.com/office/drawing/2014/main" id="{C2F25E13-2655-3B75-C69C-CD813F8161BC}"/>
-                </a:ext>
-              </a:extLst>
-            </p:cNvPr>
-            <p:cNvSpPr/>
-            <p:nvPr/>
-          </p:nvSpPr>
-          <p:spPr>
-            <a:xfrm>
-              <a:off x="8856438" y="2645276"/>
-              <a:ext cx="1862361" cy="593277"/>
-            </a:xfrm>
-            <a:prstGeom prst="rect">
-              <a:avLst/>
-            </a:prstGeom>
-            <a:solidFill>
-              <a:schemeClr val="bg1"/>
-            </a:solidFill>
-            <a:ln>
-              <a:solidFill>
-                <a:schemeClr val="bg1"/>
-              </a:solidFill>
-            </a:ln>
-          </p:spPr>
-          <p:style>
-            <a:lnRef idx="2">
-              <a:schemeClr val="accent1">
-                <a:shade val="50000"/>
-              </a:schemeClr>
-            </a:lnRef>
-            <a:fillRef idx="1">
-              <a:schemeClr val="accent1"/>
-            </a:fillRef>
-            <a:effectRef idx="0">
-              <a:schemeClr val="accent1"/>
-            </a:effectRef>
-            <a:fontRef idx="minor">
-              <a:schemeClr val="lt1"/>
-            </a:fontRef>
-          </p:style>
-          <p:txBody>
-            <a:bodyPr rtlCol="0" anchor="ctr"/>
-            <a:lstStyle/>
-            <a:p>
-              <a:r>
-                <a:rPr lang="en-US" dirty="0">
-                  <a:solidFill>
-                    <a:schemeClr val="tx1"/>
-                  </a:solidFill>
-                </a:rPr>
-                <a:t>Changing </a:t>
-              </a:r>
-              <a:r>
-                <a:rPr lang="en-US" dirty="0" err="1">
-                  <a:solidFill>
-                    <a:schemeClr val="tx1"/>
-                  </a:solidFill>
-                </a:rPr>
-                <a:t>b_L</a:t>
-              </a:r>
-              <a:r>
-                <a:rPr lang="en-US" dirty="0">
-                  <a:solidFill>
-                    <a:schemeClr val="tx1"/>
-                  </a:solidFill>
-                </a:rPr>
-                <a:t> (from prev. slide)</a:t>
-              </a:r>
-            </a:p>
-          </p:txBody>
-        </p:sp>
-        <p:sp>
-          <p:nvSpPr>
-            <p:cNvPr id="31" name="Rectangle 30">
-              <a:extLst>
-                <a:ext uri="{FF2B5EF4-FFF2-40B4-BE49-F238E27FC236}">
-                  <a16:creationId xmlns:a16="http://schemas.microsoft.com/office/drawing/2014/main" id="{59D4DF29-B5BF-86A6-5B2C-C32C4308672E}"/>
-                </a:ext>
-              </a:extLst>
-            </p:cNvPr>
-            <p:cNvSpPr/>
-            <p:nvPr/>
-          </p:nvSpPr>
-          <p:spPr>
-            <a:xfrm>
-              <a:off x="8856439" y="3551100"/>
-              <a:ext cx="1862360" cy="646330"/>
-            </a:xfrm>
-            <a:prstGeom prst="rect">
-              <a:avLst/>
-            </a:prstGeom>
-            <a:solidFill>
-              <a:schemeClr val="bg1"/>
-            </a:solidFill>
-            <a:ln>
-              <a:solidFill>
-                <a:schemeClr val="bg1"/>
-              </a:solidFill>
-            </a:ln>
-          </p:spPr>
-          <p:style>
-            <a:lnRef idx="2">
-              <a:schemeClr val="accent1">
-                <a:shade val="50000"/>
-              </a:schemeClr>
-            </a:lnRef>
-            <a:fillRef idx="1">
-              <a:schemeClr val="accent1"/>
-            </a:fillRef>
-            <a:effectRef idx="0">
-              <a:schemeClr val="accent1"/>
-            </a:effectRef>
-            <a:fontRef idx="minor">
-              <a:schemeClr val="lt1"/>
-            </a:fontRef>
-          </p:style>
-          <p:txBody>
-            <a:bodyPr rtlCol="0" anchor="ctr"/>
-            <a:lstStyle/>
-            <a:p>
-              <a:r>
-                <a:rPr lang="en-US" dirty="0">
-                  <a:solidFill>
-                    <a:schemeClr val="tx1"/>
-                  </a:solidFill>
-                </a:rPr>
-                <a:t>Changing \</a:t>
-              </a:r>
-              <a:r>
-                <a:rPr lang="en-US" dirty="0" err="1">
-                  <a:solidFill>
-                    <a:schemeClr val="tx1"/>
-                  </a:solidFill>
-                </a:rPr>
-                <a:t>nu_L</a:t>
-              </a:r>
-              <a:r>
-                <a:rPr lang="en-US" dirty="0">
-                  <a:solidFill>
-                    <a:schemeClr val="tx1"/>
-                  </a:solidFill>
-                </a:rPr>
-                <a:t> (from prev. slide)</a:t>
-              </a:r>
-            </a:p>
-          </p:txBody>
-        </p:sp>
       </p:grpSp>
       <p:sp>
         <p:nvSpPr>
@@ -6222,8 +5579,8 @@
         </p:nvSpPr>
         <p:spPr>
           <a:xfrm>
-            <a:off x="1032281" y="5906616"/>
-            <a:ext cx="10081923" cy="646331"/>
+            <a:off x="1055036" y="5535153"/>
+            <a:ext cx="10081923" cy="1200329"/>
           </a:xfrm>
           <a:prstGeom prst="rect">
             <a:avLst/>
@@ -6242,7 +5599,25 @@
             </a:pPr>
             <a:r>
               <a:rPr lang="en-US" dirty="0"/>
-              <a:t>The volume of both total protein (with respect to the grafting density) may be too high, pushing NFL out regardless of NFL/NFH properties</a:t>
+              <a:t>We expect a linear response </a:t>
+            </a:r>
+            <a:r>
+              <a:rPr lang="en-US" dirty="0" err="1"/>
+              <a:t>wrt</a:t>
+            </a:r>
+            <a:r>
+              <a:rPr lang="en-US" dirty="0"/>
+              <a:t> adding more NFL. This means that there should be no/very few chains of L that escape into the dilute, outer layer</a:t>
+            </a:r>
+          </a:p>
+          <a:p>
+            <a:pPr marL="285750" indent="-285750">
+              <a:buFont typeface="Arial" panose="020B0604020202020204" pitchFamily="34" charset="0"/>
+              <a:buChar char="•"/>
+            </a:pPr>
+            <a:r>
+              <a:rPr lang="en-US" dirty="0"/>
+              <a:t>By decreasing the volume of NFH, we should be able to reduce the crowding at the inner layer. With less crowding, fewer NFL should hopefully be expelled</a:t>
             </a:r>
           </a:p>
         </p:txBody>
@@ -6261,210 +5636,6 @@
 </file>
 
 <file path=ppt/slides/slide6.xml><?xml version="1.0" encoding="utf-8"?>
-<p:sld xmlns:a="http://schemas.openxmlformats.org/drawingml/2006/main" xmlns:r="http://schemas.openxmlformats.org/officeDocument/2006/relationships" xmlns:p="http://schemas.openxmlformats.org/presentationml/2006/main">
-  <p:cSld>
-    <p:spTree>
-      <p:nvGrpSpPr>
-        <p:cNvPr id="1" name=""/>
-        <p:cNvGrpSpPr/>
-        <p:nvPr/>
-      </p:nvGrpSpPr>
-      <p:grpSpPr>
-        <a:xfrm>
-          <a:off x="0" y="0"/>
-          <a:ext cx="0" cy="0"/>
-          <a:chOff x="0" y="0"/>
-          <a:chExt cx="0" cy="0"/>
-        </a:xfrm>
-      </p:grpSpPr>
-      <p:sp>
-        <p:nvSpPr>
-          <p:cNvPr id="2" name="Title 1">
-            <a:extLst>
-              <a:ext uri="{FF2B5EF4-FFF2-40B4-BE49-F238E27FC236}">
-                <a16:creationId xmlns:a16="http://schemas.microsoft.com/office/drawing/2014/main" id="{AC5C9429-38BC-118D-D7AD-274C4603DF29}"/>
-              </a:ext>
-            </a:extLst>
-          </p:cNvPr>
-          <p:cNvSpPr txBox="1">
-            <a:spLocks/>
-          </p:cNvSpPr>
-          <p:nvPr/>
-        </p:nvSpPr>
-        <p:spPr>
-          <a:xfrm>
-            <a:off x="392637" y="302621"/>
-            <a:ext cx="11361213" cy="694267"/>
-          </a:xfrm>
-          <a:prstGeom prst="rect">
-            <a:avLst/>
-          </a:prstGeom>
-        </p:spPr>
-        <p:txBody>
-          <a:bodyPr>
-            <a:noAutofit/>
-          </a:bodyPr>
-          <a:lstStyle>
-            <a:lvl1pPr algn="l" defTabSz="914400" rtl="0" eaLnBrk="1" latinLnBrk="0" hangingPunct="1">
-              <a:lnSpc>
-                <a:spcPct val="90000"/>
-              </a:lnSpc>
-              <a:spcBef>
-                <a:spcPct val="0"/>
-              </a:spcBef>
-              <a:buNone/>
-              <a:defRPr sz="4400" kern="1200">
-                <a:solidFill>
-                  <a:schemeClr val="tx1"/>
-                </a:solidFill>
-                <a:latin typeface="+mj-lt"/>
-                <a:ea typeface="+mj-ea"/>
-                <a:cs typeface="+mj-cs"/>
-              </a:defRPr>
-            </a:lvl1pPr>
-          </a:lstStyle>
-          <a:p>
-            <a:r>
-              <a:rPr lang="en-US" sz="3200" dirty="0"/>
-              <a:t>Currently trying</a:t>
-            </a:r>
-          </a:p>
-        </p:txBody>
-      </p:sp>
-      <p:pic>
-        <p:nvPicPr>
-          <p:cNvPr id="4" name="Picture 3">
-            <a:extLst>
-              <a:ext uri="{FF2B5EF4-FFF2-40B4-BE49-F238E27FC236}">
-                <a16:creationId xmlns:a16="http://schemas.microsoft.com/office/drawing/2014/main" id="{9216C947-552A-3898-65A3-825C8B722B4D}"/>
-              </a:ext>
-            </a:extLst>
-          </p:cNvPr>
-          <p:cNvPicPr>
-            <a:picLocks noChangeAspect="1"/>
-          </p:cNvPicPr>
-          <p:nvPr/>
-        </p:nvPicPr>
-        <p:blipFill>
-          <a:blip r:embed="rId2"/>
-          <a:stretch>
-            <a:fillRect/>
-          </a:stretch>
-        </p:blipFill>
-        <p:spPr>
-          <a:xfrm>
-            <a:off x="2087382" y="1901789"/>
-            <a:ext cx="2581635" cy="514422"/>
-          </a:xfrm>
-          <a:prstGeom prst="rect">
-            <a:avLst/>
-          </a:prstGeom>
-        </p:spPr>
-      </p:pic>
-      <p:pic>
-        <p:nvPicPr>
-          <p:cNvPr id="6" name="Picture 5">
-            <a:extLst>
-              <a:ext uri="{FF2B5EF4-FFF2-40B4-BE49-F238E27FC236}">
-                <a16:creationId xmlns:a16="http://schemas.microsoft.com/office/drawing/2014/main" id="{62A14263-9E1C-203F-FBB2-64771B800893}"/>
-              </a:ext>
-            </a:extLst>
-          </p:cNvPr>
-          <p:cNvPicPr>
-            <a:picLocks noChangeAspect="1"/>
-          </p:cNvPicPr>
-          <p:nvPr/>
-        </p:nvPicPr>
-        <p:blipFill>
-          <a:blip r:embed="rId3"/>
-          <a:stretch>
-            <a:fillRect/>
-          </a:stretch>
-        </p:blipFill>
-        <p:spPr>
-          <a:xfrm>
-            <a:off x="2068329" y="2797164"/>
-            <a:ext cx="2600688" cy="523948"/>
-          </a:xfrm>
-          <a:prstGeom prst="rect">
-            <a:avLst/>
-          </a:prstGeom>
-        </p:spPr>
-      </p:pic>
-      <p:pic>
-        <p:nvPicPr>
-          <p:cNvPr id="8" name="Picture 7">
-            <a:extLst>
-              <a:ext uri="{FF2B5EF4-FFF2-40B4-BE49-F238E27FC236}">
-                <a16:creationId xmlns:a16="http://schemas.microsoft.com/office/drawing/2014/main" id="{A8FCC1FE-6054-A4D4-2234-D1B52EA03FFA}"/>
-              </a:ext>
-            </a:extLst>
-          </p:cNvPr>
-          <p:cNvPicPr>
-            <a:picLocks noChangeAspect="1"/>
-          </p:cNvPicPr>
-          <p:nvPr/>
-        </p:nvPicPr>
-        <p:blipFill>
-          <a:blip r:embed="rId4"/>
-          <a:stretch>
-            <a:fillRect/>
-          </a:stretch>
-        </p:blipFill>
-        <p:spPr>
-          <a:xfrm>
-            <a:off x="5842354" y="1901789"/>
-            <a:ext cx="2505425" cy="504895"/>
-          </a:xfrm>
-          <a:prstGeom prst="rect">
-            <a:avLst/>
-          </a:prstGeom>
-        </p:spPr>
-      </p:pic>
-      <p:pic>
-        <p:nvPicPr>
-          <p:cNvPr id="10" name="Picture 9">
-            <a:extLst>
-              <a:ext uri="{FF2B5EF4-FFF2-40B4-BE49-F238E27FC236}">
-                <a16:creationId xmlns:a16="http://schemas.microsoft.com/office/drawing/2014/main" id="{B563C627-7880-8600-8AD7-F58126718057}"/>
-              </a:ext>
-            </a:extLst>
-          </p:cNvPr>
-          <p:cNvPicPr>
-            <a:picLocks noChangeAspect="1"/>
-          </p:cNvPicPr>
-          <p:nvPr/>
-        </p:nvPicPr>
-        <p:blipFill>
-          <a:blip r:embed="rId5"/>
-          <a:stretch>
-            <a:fillRect/>
-          </a:stretch>
-        </p:blipFill>
-        <p:spPr>
-          <a:xfrm>
-            <a:off x="5842354" y="2806690"/>
-            <a:ext cx="2562583" cy="514422"/>
-          </a:xfrm>
-          <a:prstGeom prst="rect">
-            <a:avLst/>
-          </a:prstGeom>
-        </p:spPr>
-      </p:pic>
-    </p:spTree>
-    <p:extLst>
-      <p:ext uri="{BB962C8B-B14F-4D97-AF65-F5344CB8AC3E}">
-        <p14:creationId xmlns:p14="http://schemas.microsoft.com/office/powerpoint/2010/main" val="604615586"/>
-      </p:ext>
-    </p:extLst>
-  </p:cSld>
-  <p:clrMapOvr>
-    <a:masterClrMapping/>
-  </p:clrMapOvr>
-</p:sld>
-</file>
-
-<file path=ppt/slides/slide7.xml><?xml version="1.0" encoding="utf-8"?>
 <p:sld xmlns:a="http://schemas.openxmlformats.org/drawingml/2006/main" xmlns:r="http://schemas.openxmlformats.org/officeDocument/2006/relationships" xmlns:p="http://schemas.openxmlformats.org/presentationml/2006/main">
   <p:cSld>
     <p:spTree>

--- a/20230331 EAD Update.pptx
+++ b/20230331 EAD Update.pptx
@@ -4925,7 +4925,7 @@
         </p:nvGrpSpPr>
         <p:grpSpPr>
           <a:xfrm>
-            <a:off x="2943933" y="822244"/>
+            <a:off x="2215800" y="810622"/>
             <a:ext cx="6304130" cy="4532565"/>
             <a:chOff x="3064935" y="1123667"/>
             <a:chExt cx="6304130" cy="4532565"/>
@@ -5622,6 +5622,41 @@
           </a:p>
         </p:txBody>
       </p:sp>
+      <p:sp>
+        <p:nvSpPr>
+          <p:cNvPr id="38" name="TextBox 37">
+            <a:extLst>
+              <a:ext uri="{FF2B5EF4-FFF2-40B4-BE49-F238E27FC236}">
+                <a16:creationId xmlns:a16="http://schemas.microsoft.com/office/drawing/2014/main" id="{C8FAEF2A-3894-B63A-5E68-01EF49DCF28A}"/>
+              </a:ext>
+            </a:extLst>
+          </p:cNvPr>
+          <p:cNvSpPr txBox="1"/>
+          <p:nvPr/>
+        </p:nvSpPr>
+        <p:spPr>
+          <a:xfrm>
+            <a:off x="8779933" y="2751792"/>
+            <a:ext cx="3217333" cy="646331"/>
+          </a:xfrm>
+          <a:prstGeom prst="rect">
+            <a:avLst/>
+          </a:prstGeom>
+          <a:noFill/>
+        </p:spPr>
+        <p:txBody>
+          <a:bodyPr wrap="square" rtlCol="0">
+            <a:spAutoFit/>
+          </a:bodyPr>
+          <a:lstStyle/>
+          <a:p>
+            <a:r>
+              <a:rPr lang="en-US" dirty="0"/>
+              <a:t>2 examples using different parameters for NFH but not NFL</a:t>
+            </a:r>
+          </a:p>
+        </p:txBody>
+      </p:sp>
     </p:spTree>
     <p:extLst>
       <p:ext uri="{BB962C8B-B14F-4D97-AF65-F5344CB8AC3E}">

--- a/20230331 EAD Update.pptx
+++ b/20230331 EAD Update.pptx
@@ -4628,7 +4628,7 @@
         </p:nvSpPr>
         <p:spPr>
           <a:xfrm>
-            <a:off x="5537183" y="3321564"/>
+            <a:off x="4003658" y="3321564"/>
             <a:ext cx="782150" cy="347134"/>
           </a:xfrm>
           <a:prstGeom prst="rightArrow">
@@ -4689,7 +4689,7 @@
         </p:blipFill>
         <p:spPr bwMode="auto">
           <a:xfrm>
-            <a:off x="2119853" y="3495131"/>
+            <a:off x="586328" y="3495131"/>
             <a:ext cx="2963332" cy="2664509"/>
           </a:xfrm>
           <a:prstGeom prst="rect">
@@ -4736,7 +4736,7 @@
         </p:blipFill>
         <p:spPr bwMode="auto">
           <a:xfrm>
-            <a:off x="2119853" y="1075255"/>
+            <a:off x="586328" y="1075255"/>
             <a:ext cx="2963332" cy="2664508"/>
           </a:xfrm>
           <a:prstGeom prst="rect">
@@ -4783,7 +4783,7 @@
         </p:blipFill>
         <p:spPr bwMode="auto">
           <a:xfrm>
-            <a:off x="6572232" y="996888"/>
+            <a:off x="5038707" y="996888"/>
             <a:ext cx="3164432" cy="2931392"/>
           </a:xfrm>
           <a:prstGeom prst="rect">
@@ -4828,7 +4828,7 @@
         </p:blipFill>
         <p:spPr bwMode="auto">
           <a:xfrm>
-            <a:off x="6773331" y="3580478"/>
+            <a:off x="5239806" y="3580478"/>
             <a:ext cx="2963333" cy="2664508"/>
           </a:xfrm>
           <a:prstGeom prst="rect">
@@ -4846,6 +4846,41 @@
           </a:extLst>
         </p:spPr>
       </p:pic>
+      <p:sp>
+        <p:nvSpPr>
+          <p:cNvPr id="2" name="TextBox 1">
+            <a:extLst>
+              <a:ext uri="{FF2B5EF4-FFF2-40B4-BE49-F238E27FC236}">
+                <a16:creationId xmlns:a16="http://schemas.microsoft.com/office/drawing/2014/main" id="{35554F2B-B5C4-693D-266C-672F316C5795}"/>
+              </a:ext>
+            </a:extLst>
+          </p:cNvPr>
+          <p:cNvSpPr txBox="1"/>
+          <p:nvPr/>
+        </p:nvSpPr>
+        <p:spPr>
+          <a:xfrm>
+            <a:off x="8741833" y="3171965"/>
+            <a:ext cx="3217333" cy="646331"/>
+          </a:xfrm>
+          <a:prstGeom prst="rect">
+            <a:avLst/>
+          </a:prstGeom>
+          <a:noFill/>
+        </p:spPr>
+        <p:txBody>
+          <a:bodyPr wrap="square" rtlCol="0">
+            <a:spAutoFit/>
+          </a:bodyPr>
+          <a:lstStyle/>
+          <a:p>
+            <a:r>
+              <a:rPr lang="en-US" dirty="0"/>
+              <a:t>2 examples using different parameters for NFH but not NFL</a:t>
+            </a:r>
+          </a:p>
+        </p:txBody>
+      </p:sp>
     </p:spTree>
     <p:extLst>
       <p:ext uri="{BB962C8B-B14F-4D97-AF65-F5344CB8AC3E}">
